--- a/screens.pptx
+++ b/screens.pptx
@@ -111,7 +111,7 @@
   </p:defaultTextStyle>
   <p:extLst>
     <p:ext uri="{EFAFB233-063F-42B5-8137-9DF3F51BA10A}">
-      <p15:sldGuideLst xmlns:p15="http://schemas.microsoft.com/office/powerpoint/2012/main"/>
+      <p15:sldGuideLst xmlns:p15="http://schemas.microsoft.com/office/powerpoint/2012/main" xmlns=""/>
     </p:ext>
   </p:extLst>
 </p:presentation>
@@ -139,7 +139,7 @@
           <p:cNvPr id="2" name="Title 1">
             <a:extLst>
               <a:ext uri="{FF2B5EF4-FFF2-40B4-BE49-F238E27FC236}">
-                <a16:creationId xmlns:a16="http://schemas.microsoft.com/office/drawing/2014/main" id="{963C9656-9B96-4507-BC41-FC56025BCF93}"/>
+                <a16:creationId xmlns:a16="http://schemas.microsoft.com/office/drawing/2014/main" xmlns="" id="{963C9656-9B96-4507-BC41-FC56025BCF93}"/>
               </a:ext>
             </a:extLst>
           </p:cNvPr>
@@ -177,7 +177,7 @@
           <p:cNvPr id="3" name="Subtitle 2">
             <a:extLst>
               <a:ext uri="{FF2B5EF4-FFF2-40B4-BE49-F238E27FC236}">
-                <a16:creationId xmlns:a16="http://schemas.microsoft.com/office/drawing/2014/main" id="{D2AB87FC-8C3D-43C1-A90C-67B99D4ECD66}"/>
+                <a16:creationId xmlns:a16="http://schemas.microsoft.com/office/drawing/2014/main" xmlns="" id="{D2AB87FC-8C3D-43C1-A90C-67B99D4ECD66}"/>
               </a:ext>
             </a:extLst>
           </p:cNvPr>
@@ -248,7 +248,7 @@
           <p:cNvPr id="4" name="Date Placeholder 3">
             <a:extLst>
               <a:ext uri="{FF2B5EF4-FFF2-40B4-BE49-F238E27FC236}">
-                <a16:creationId xmlns:a16="http://schemas.microsoft.com/office/drawing/2014/main" id="{2640EFAD-F747-4D6D-ABA0-08671A355B51}"/>
+                <a16:creationId xmlns:a16="http://schemas.microsoft.com/office/drawing/2014/main" xmlns="" id="{2640EFAD-F747-4D6D-ABA0-08671A355B51}"/>
               </a:ext>
             </a:extLst>
           </p:cNvPr>
@@ -266,7 +266,7 @@
           <a:p>
             <a:fld id="{86DA2673-86DB-4D44-B163-78CB2B4A77DD}" type="datetimeFigureOut">
               <a:rPr lang="es-MX" smtClean="0"/>
-              <a:t>05/07/2018</a:t>
+              <a:t>29/08/2018</a:t>
             </a:fld>
             <a:endParaRPr lang="es-MX"/>
           </a:p>
@@ -277,7 +277,7 @@
           <p:cNvPr id="5" name="Footer Placeholder 4">
             <a:extLst>
               <a:ext uri="{FF2B5EF4-FFF2-40B4-BE49-F238E27FC236}">
-                <a16:creationId xmlns:a16="http://schemas.microsoft.com/office/drawing/2014/main" id="{5A7AF9FC-6B6C-402B-85D9-BFEF397F36CE}"/>
+                <a16:creationId xmlns:a16="http://schemas.microsoft.com/office/drawing/2014/main" xmlns="" id="{5A7AF9FC-6B6C-402B-85D9-BFEF397F36CE}"/>
               </a:ext>
             </a:extLst>
           </p:cNvPr>
@@ -302,7 +302,7 @@
           <p:cNvPr id="6" name="Slide Number Placeholder 5">
             <a:extLst>
               <a:ext uri="{FF2B5EF4-FFF2-40B4-BE49-F238E27FC236}">
-                <a16:creationId xmlns:a16="http://schemas.microsoft.com/office/drawing/2014/main" id="{954D68C9-D152-4B8C-BE2F-FD736D404DBD}"/>
+                <a16:creationId xmlns:a16="http://schemas.microsoft.com/office/drawing/2014/main" xmlns="" id="{954D68C9-D152-4B8C-BE2F-FD736D404DBD}"/>
               </a:ext>
             </a:extLst>
           </p:cNvPr>
@@ -361,7 +361,7 @@
           <p:cNvPr id="2" name="Title 1">
             <a:extLst>
               <a:ext uri="{FF2B5EF4-FFF2-40B4-BE49-F238E27FC236}">
-                <a16:creationId xmlns:a16="http://schemas.microsoft.com/office/drawing/2014/main" id="{FA2A6DD6-E3F4-4217-98E5-91385282C3DA}"/>
+                <a16:creationId xmlns:a16="http://schemas.microsoft.com/office/drawing/2014/main" xmlns="" id="{FA2A6DD6-E3F4-4217-98E5-91385282C3DA}"/>
               </a:ext>
             </a:extLst>
           </p:cNvPr>
@@ -390,7 +390,7 @@
           <p:cNvPr id="3" name="Vertical Text Placeholder 2">
             <a:extLst>
               <a:ext uri="{FF2B5EF4-FFF2-40B4-BE49-F238E27FC236}">
-                <a16:creationId xmlns:a16="http://schemas.microsoft.com/office/drawing/2014/main" id="{266FDEF6-FC28-4D65-9363-B36A7483934B}"/>
+                <a16:creationId xmlns:a16="http://schemas.microsoft.com/office/drawing/2014/main" xmlns="" id="{266FDEF6-FC28-4D65-9363-B36A7483934B}"/>
               </a:ext>
             </a:extLst>
           </p:cNvPr>
@@ -448,7 +448,7 @@
           <p:cNvPr id="4" name="Date Placeholder 3">
             <a:extLst>
               <a:ext uri="{FF2B5EF4-FFF2-40B4-BE49-F238E27FC236}">
-                <a16:creationId xmlns:a16="http://schemas.microsoft.com/office/drawing/2014/main" id="{8CF9E2AD-1968-49B0-B079-B7E7BC0A14E6}"/>
+                <a16:creationId xmlns:a16="http://schemas.microsoft.com/office/drawing/2014/main" xmlns="" id="{8CF9E2AD-1968-49B0-B079-B7E7BC0A14E6}"/>
               </a:ext>
             </a:extLst>
           </p:cNvPr>
@@ -466,7 +466,7 @@
           <a:p>
             <a:fld id="{86DA2673-86DB-4D44-B163-78CB2B4A77DD}" type="datetimeFigureOut">
               <a:rPr lang="es-MX" smtClean="0"/>
-              <a:t>05/07/2018</a:t>
+              <a:t>29/08/2018</a:t>
             </a:fld>
             <a:endParaRPr lang="es-MX"/>
           </a:p>
@@ -477,7 +477,7 @@
           <p:cNvPr id="5" name="Footer Placeholder 4">
             <a:extLst>
               <a:ext uri="{FF2B5EF4-FFF2-40B4-BE49-F238E27FC236}">
-                <a16:creationId xmlns:a16="http://schemas.microsoft.com/office/drawing/2014/main" id="{8B58918A-48B9-4219-99E0-54FD795E3E4C}"/>
+                <a16:creationId xmlns:a16="http://schemas.microsoft.com/office/drawing/2014/main" xmlns="" id="{8B58918A-48B9-4219-99E0-54FD795E3E4C}"/>
               </a:ext>
             </a:extLst>
           </p:cNvPr>
@@ -502,7 +502,7 @@
           <p:cNvPr id="6" name="Slide Number Placeholder 5">
             <a:extLst>
               <a:ext uri="{FF2B5EF4-FFF2-40B4-BE49-F238E27FC236}">
-                <a16:creationId xmlns:a16="http://schemas.microsoft.com/office/drawing/2014/main" id="{CDBDF38F-E8D2-45AB-8E1D-4D185F8FA9ED}"/>
+                <a16:creationId xmlns:a16="http://schemas.microsoft.com/office/drawing/2014/main" xmlns="" id="{CDBDF38F-E8D2-45AB-8E1D-4D185F8FA9ED}"/>
               </a:ext>
             </a:extLst>
           </p:cNvPr>
@@ -561,7 +561,7 @@
           <p:cNvPr id="2" name="Vertical Title 1">
             <a:extLst>
               <a:ext uri="{FF2B5EF4-FFF2-40B4-BE49-F238E27FC236}">
-                <a16:creationId xmlns:a16="http://schemas.microsoft.com/office/drawing/2014/main" id="{11282F84-5082-40E4-8AC2-03D285C84EDF}"/>
+                <a16:creationId xmlns:a16="http://schemas.microsoft.com/office/drawing/2014/main" xmlns="" id="{11282F84-5082-40E4-8AC2-03D285C84EDF}"/>
               </a:ext>
             </a:extLst>
           </p:cNvPr>
@@ -595,7 +595,7 @@
           <p:cNvPr id="3" name="Vertical Text Placeholder 2">
             <a:extLst>
               <a:ext uri="{FF2B5EF4-FFF2-40B4-BE49-F238E27FC236}">
-                <a16:creationId xmlns:a16="http://schemas.microsoft.com/office/drawing/2014/main" id="{3A8805EF-1694-4558-AC7E-1A37CCA62B72}"/>
+                <a16:creationId xmlns:a16="http://schemas.microsoft.com/office/drawing/2014/main" xmlns="" id="{3A8805EF-1694-4558-AC7E-1A37CCA62B72}"/>
               </a:ext>
             </a:extLst>
           </p:cNvPr>
@@ -658,7 +658,7 @@
           <p:cNvPr id="4" name="Date Placeholder 3">
             <a:extLst>
               <a:ext uri="{FF2B5EF4-FFF2-40B4-BE49-F238E27FC236}">
-                <a16:creationId xmlns:a16="http://schemas.microsoft.com/office/drawing/2014/main" id="{FB21B6E9-2064-4BC7-B359-E25E4EC8D3D7}"/>
+                <a16:creationId xmlns:a16="http://schemas.microsoft.com/office/drawing/2014/main" xmlns="" id="{FB21B6E9-2064-4BC7-B359-E25E4EC8D3D7}"/>
               </a:ext>
             </a:extLst>
           </p:cNvPr>
@@ -676,7 +676,7 @@
           <a:p>
             <a:fld id="{86DA2673-86DB-4D44-B163-78CB2B4A77DD}" type="datetimeFigureOut">
               <a:rPr lang="es-MX" smtClean="0"/>
-              <a:t>05/07/2018</a:t>
+              <a:t>29/08/2018</a:t>
             </a:fld>
             <a:endParaRPr lang="es-MX"/>
           </a:p>
@@ -687,7 +687,7 @@
           <p:cNvPr id="5" name="Footer Placeholder 4">
             <a:extLst>
               <a:ext uri="{FF2B5EF4-FFF2-40B4-BE49-F238E27FC236}">
-                <a16:creationId xmlns:a16="http://schemas.microsoft.com/office/drawing/2014/main" id="{CDE02DB7-049A-4B2E-91B1-0D5203EF1ECA}"/>
+                <a16:creationId xmlns:a16="http://schemas.microsoft.com/office/drawing/2014/main" xmlns="" id="{CDE02DB7-049A-4B2E-91B1-0D5203EF1ECA}"/>
               </a:ext>
             </a:extLst>
           </p:cNvPr>
@@ -712,7 +712,7 @@
           <p:cNvPr id="6" name="Slide Number Placeholder 5">
             <a:extLst>
               <a:ext uri="{FF2B5EF4-FFF2-40B4-BE49-F238E27FC236}">
-                <a16:creationId xmlns:a16="http://schemas.microsoft.com/office/drawing/2014/main" id="{3765DEDB-A31D-4674-81F6-82ABA6AF180F}"/>
+                <a16:creationId xmlns:a16="http://schemas.microsoft.com/office/drawing/2014/main" xmlns="" id="{3765DEDB-A31D-4674-81F6-82ABA6AF180F}"/>
               </a:ext>
             </a:extLst>
           </p:cNvPr>
@@ -771,7 +771,7 @@
           <p:cNvPr id="2" name="Title 1">
             <a:extLst>
               <a:ext uri="{FF2B5EF4-FFF2-40B4-BE49-F238E27FC236}">
-                <a16:creationId xmlns:a16="http://schemas.microsoft.com/office/drawing/2014/main" id="{BF63FFD0-7A89-4AEF-A37D-25CFED5B909D}"/>
+                <a16:creationId xmlns:a16="http://schemas.microsoft.com/office/drawing/2014/main" xmlns="" id="{BF63FFD0-7A89-4AEF-A37D-25CFED5B909D}"/>
               </a:ext>
             </a:extLst>
           </p:cNvPr>
@@ -800,7 +800,7 @@
           <p:cNvPr id="3" name="Content Placeholder 2">
             <a:extLst>
               <a:ext uri="{FF2B5EF4-FFF2-40B4-BE49-F238E27FC236}">
-                <a16:creationId xmlns:a16="http://schemas.microsoft.com/office/drawing/2014/main" id="{E3292998-D6EC-4B0E-9F0C-199AEF004131}"/>
+                <a16:creationId xmlns:a16="http://schemas.microsoft.com/office/drawing/2014/main" xmlns="" id="{E3292998-D6EC-4B0E-9F0C-199AEF004131}"/>
               </a:ext>
             </a:extLst>
           </p:cNvPr>
@@ -858,7 +858,7 @@
           <p:cNvPr id="4" name="Date Placeholder 3">
             <a:extLst>
               <a:ext uri="{FF2B5EF4-FFF2-40B4-BE49-F238E27FC236}">
-                <a16:creationId xmlns:a16="http://schemas.microsoft.com/office/drawing/2014/main" id="{A910068B-01B6-4841-859A-2D2C61FA3BDF}"/>
+                <a16:creationId xmlns:a16="http://schemas.microsoft.com/office/drawing/2014/main" xmlns="" id="{A910068B-01B6-4841-859A-2D2C61FA3BDF}"/>
               </a:ext>
             </a:extLst>
           </p:cNvPr>
@@ -876,7 +876,7 @@
           <a:p>
             <a:fld id="{86DA2673-86DB-4D44-B163-78CB2B4A77DD}" type="datetimeFigureOut">
               <a:rPr lang="es-MX" smtClean="0"/>
-              <a:t>05/07/2018</a:t>
+              <a:t>29/08/2018</a:t>
             </a:fld>
             <a:endParaRPr lang="es-MX"/>
           </a:p>
@@ -887,7 +887,7 @@
           <p:cNvPr id="5" name="Footer Placeholder 4">
             <a:extLst>
               <a:ext uri="{FF2B5EF4-FFF2-40B4-BE49-F238E27FC236}">
-                <a16:creationId xmlns:a16="http://schemas.microsoft.com/office/drawing/2014/main" id="{AF5DD1F4-FB81-4967-9AE5-7B9E389670DC}"/>
+                <a16:creationId xmlns:a16="http://schemas.microsoft.com/office/drawing/2014/main" xmlns="" id="{AF5DD1F4-FB81-4967-9AE5-7B9E389670DC}"/>
               </a:ext>
             </a:extLst>
           </p:cNvPr>
@@ -912,7 +912,7 @@
           <p:cNvPr id="6" name="Slide Number Placeholder 5">
             <a:extLst>
               <a:ext uri="{FF2B5EF4-FFF2-40B4-BE49-F238E27FC236}">
-                <a16:creationId xmlns:a16="http://schemas.microsoft.com/office/drawing/2014/main" id="{084218EE-195D-473D-BEE2-FEEB50E77584}"/>
+                <a16:creationId xmlns:a16="http://schemas.microsoft.com/office/drawing/2014/main" xmlns="" id="{084218EE-195D-473D-BEE2-FEEB50E77584}"/>
               </a:ext>
             </a:extLst>
           </p:cNvPr>
@@ -971,7 +971,7 @@
           <p:cNvPr id="2" name="Title 1">
             <a:extLst>
               <a:ext uri="{FF2B5EF4-FFF2-40B4-BE49-F238E27FC236}">
-                <a16:creationId xmlns:a16="http://schemas.microsoft.com/office/drawing/2014/main" id="{700D37FE-E33F-4538-B25B-C96156D5DE2E}"/>
+                <a16:creationId xmlns:a16="http://schemas.microsoft.com/office/drawing/2014/main" xmlns="" id="{700D37FE-E33F-4538-B25B-C96156D5DE2E}"/>
               </a:ext>
             </a:extLst>
           </p:cNvPr>
@@ -1009,7 +1009,7 @@
           <p:cNvPr id="3" name="Text Placeholder 2">
             <a:extLst>
               <a:ext uri="{FF2B5EF4-FFF2-40B4-BE49-F238E27FC236}">
-                <a16:creationId xmlns:a16="http://schemas.microsoft.com/office/drawing/2014/main" id="{2F2DC290-69AF-473F-882D-8AB3E57A63C1}"/>
+                <a16:creationId xmlns:a16="http://schemas.microsoft.com/office/drawing/2014/main" xmlns="" id="{2F2DC290-69AF-473F-882D-8AB3E57A63C1}"/>
               </a:ext>
             </a:extLst>
           </p:cNvPr>
@@ -1134,7 +1134,7 @@
           <p:cNvPr id="4" name="Date Placeholder 3">
             <a:extLst>
               <a:ext uri="{FF2B5EF4-FFF2-40B4-BE49-F238E27FC236}">
-                <a16:creationId xmlns:a16="http://schemas.microsoft.com/office/drawing/2014/main" id="{691DAAB5-3D94-4331-94EB-F22DBEC972D5}"/>
+                <a16:creationId xmlns:a16="http://schemas.microsoft.com/office/drawing/2014/main" xmlns="" id="{691DAAB5-3D94-4331-94EB-F22DBEC972D5}"/>
               </a:ext>
             </a:extLst>
           </p:cNvPr>
@@ -1152,7 +1152,7 @@
           <a:p>
             <a:fld id="{86DA2673-86DB-4D44-B163-78CB2B4A77DD}" type="datetimeFigureOut">
               <a:rPr lang="es-MX" smtClean="0"/>
-              <a:t>05/07/2018</a:t>
+              <a:t>29/08/2018</a:t>
             </a:fld>
             <a:endParaRPr lang="es-MX"/>
           </a:p>
@@ -1163,7 +1163,7 @@
           <p:cNvPr id="5" name="Footer Placeholder 4">
             <a:extLst>
               <a:ext uri="{FF2B5EF4-FFF2-40B4-BE49-F238E27FC236}">
-                <a16:creationId xmlns:a16="http://schemas.microsoft.com/office/drawing/2014/main" id="{D849D2CF-1251-418A-83F6-35DE2A45AD15}"/>
+                <a16:creationId xmlns:a16="http://schemas.microsoft.com/office/drawing/2014/main" xmlns="" id="{D849D2CF-1251-418A-83F6-35DE2A45AD15}"/>
               </a:ext>
             </a:extLst>
           </p:cNvPr>
@@ -1188,7 +1188,7 @@
           <p:cNvPr id="6" name="Slide Number Placeholder 5">
             <a:extLst>
               <a:ext uri="{FF2B5EF4-FFF2-40B4-BE49-F238E27FC236}">
-                <a16:creationId xmlns:a16="http://schemas.microsoft.com/office/drawing/2014/main" id="{7960F0EF-98B3-411F-A38D-E44E83A9C3EC}"/>
+                <a16:creationId xmlns:a16="http://schemas.microsoft.com/office/drawing/2014/main" xmlns="" id="{7960F0EF-98B3-411F-A38D-E44E83A9C3EC}"/>
               </a:ext>
             </a:extLst>
           </p:cNvPr>
@@ -1247,7 +1247,7 @@
           <p:cNvPr id="2" name="Title 1">
             <a:extLst>
               <a:ext uri="{FF2B5EF4-FFF2-40B4-BE49-F238E27FC236}">
-                <a16:creationId xmlns:a16="http://schemas.microsoft.com/office/drawing/2014/main" id="{D0905EA7-C7E1-494D-94CD-35D77EC88F39}"/>
+                <a16:creationId xmlns:a16="http://schemas.microsoft.com/office/drawing/2014/main" xmlns="" id="{D0905EA7-C7E1-494D-94CD-35D77EC88F39}"/>
               </a:ext>
             </a:extLst>
           </p:cNvPr>
@@ -1276,7 +1276,7 @@
           <p:cNvPr id="3" name="Content Placeholder 2">
             <a:extLst>
               <a:ext uri="{FF2B5EF4-FFF2-40B4-BE49-F238E27FC236}">
-                <a16:creationId xmlns:a16="http://schemas.microsoft.com/office/drawing/2014/main" id="{8729FBEA-3E4F-4EA1-9982-76D47727CF71}"/>
+                <a16:creationId xmlns:a16="http://schemas.microsoft.com/office/drawing/2014/main" xmlns="" id="{8729FBEA-3E4F-4EA1-9982-76D47727CF71}"/>
               </a:ext>
             </a:extLst>
           </p:cNvPr>
@@ -1339,7 +1339,7 @@
           <p:cNvPr id="4" name="Content Placeholder 3">
             <a:extLst>
               <a:ext uri="{FF2B5EF4-FFF2-40B4-BE49-F238E27FC236}">
-                <a16:creationId xmlns:a16="http://schemas.microsoft.com/office/drawing/2014/main" id="{4EAF19FC-0A1D-4CA3-8FB1-248E2B7FC1A1}"/>
+                <a16:creationId xmlns:a16="http://schemas.microsoft.com/office/drawing/2014/main" xmlns="" id="{4EAF19FC-0A1D-4CA3-8FB1-248E2B7FC1A1}"/>
               </a:ext>
             </a:extLst>
           </p:cNvPr>
@@ -1402,7 +1402,7 @@
           <p:cNvPr id="5" name="Date Placeholder 4">
             <a:extLst>
               <a:ext uri="{FF2B5EF4-FFF2-40B4-BE49-F238E27FC236}">
-                <a16:creationId xmlns:a16="http://schemas.microsoft.com/office/drawing/2014/main" id="{DA037578-AEFC-4438-9278-1ED5B77E9782}"/>
+                <a16:creationId xmlns:a16="http://schemas.microsoft.com/office/drawing/2014/main" xmlns="" id="{DA037578-AEFC-4438-9278-1ED5B77E9782}"/>
               </a:ext>
             </a:extLst>
           </p:cNvPr>
@@ -1420,7 +1420,7 @@
           <a:p>
             <a:fld id="{86DA2673-86DB-4D44-B163-78CB2B4A77DD}" type="datetimeFigureOut">
               <a:rPr lang="es-MX" smtClean="0"/>
-              <a:t>05/07/2018</a:t>
+              <a:t>29/08/2018</a:t>
             </a:fld>
             <a:endParaRPr lang="es-MX"/>
           </a:p>
@@ -1431,7 +1431,7 @@
           <p:cNvPr id="6" name="Footer Placeholder 5">
             <a:extLst>
               <a:ext uri="{FF2B5EF4-FFF2-40B4-BE49-F238E27FC236}">
-                <a16:creationId xmlns:a16="http://schemas.microsoft.com/office/drawing/2014/main" id="{D9E1CC18-53A1-4251-88E6-67147F037567}"/>
+                <a16:creationId xmlns:a16="http://schemas.microsoft.com/office/drawing/2014/main" xmlns="" id="{D9E1CC18-53A1-4251-88E6-67147F037567}"/>
               </a:ext>
             </a:extLst>
           </p:cNvPr>
@@ -1456,7 +1456,7 @@
           <p:cNvPr id="7" name="Slide Number Placeholder 6">
             <a:extLst>
               <a:ext uri="{FF2B5EF4-FFF2-40B4-BE49-F238E27FC236}">
-                <a16:creationId xmlns:a16="http://schemas.microsoft.com/office/drawing/2014/main" id="{E455DF20-0892-4F7A-A2B1-6B5BC2C9ED86}"/>
+                <a16:creationId xmlns:a16="http://schemas.microsoft.com/office/drawing/2014/main" xmlns="" id="{E455DF20-0892-4F7A-A2B1-6B5BC2C9ED86}"/>
               </a:ext>
             </a:extLst>
           </p:cNvPr>
@@ -1515,7 +1515,7 @@
           <p:cNvPr id="2" name="Title 1">
             <a:extLst>
               <a:ext uri="{FF2B5EF4-FFF2-40B4-BE49-F238E27FC236}">
-                <a16:creationId xmlns:a16="http://schemas.microsoft.com/office/drawing/2014/main" id="{F6326601-99C2-4553-81F5-CEE147FC6782}"/>
+                <a16:creationId xmlns:a16="http://schemas.microsoft.com/office/drawing/2014/main" xmlns="" id="{F6326601-99C2-4553-81F5-CEE147FC6782}"/>
               </a:ext>
             </a:extLst>
           </p:cNvPr>
@@ -1549,7 +1549,7 @@
           <p:cNvPr id="3" name="Text Placeholder 2">
             <a:extLst>
               <a:ext uri="{FF2B5EF4-FFF2-40B4-BE49-F238E27FC236}">
-                <a16:creationId xmlns:a16="http://schemas.microsoft.com/office/drawing/2014/main" id="{AAD778BB-6B67-402B-817B-4AFD314C0F14}"/>
+                <a16:creationId xmlns:a16="http://schemas.microsoft.com/office/drawing/2014/main" xmlns="" id="{AAD778BB-6B67-402B-817B-4AFD314C0F14}"/>
               </a:ext>
             </a:extLst>
           </p:cNvPr>
@@ -1620,7 +1620,7 @@
           <p:cNvPr id="4" name="Content Placeholder 3">
             <a:extLst>
               <a:ext uri="{FF2B5EF4-FFF2-40B4-BE49-F238E27FC236}">
-                <a16:creationId xmlns:a16="http://schemas.microsoft.com/office/drawing/2014/main" id="{9A6547E6-12BE-4F9A-9C63-FF0B43094460}"/>
+                <a16:creationId xmlns:a16="http://schemas.microsoft.com/office/drawing/2014/main" xmlns="" id="{9A6547E6-12BE-4F9A-9C63-FF0B43094460}"/>
               </a:ext>
             </a:extLst>
           </p:cNvPr>
@@ -1683,7 +1683,7 @@
           <p:cNvPr id="5" name="Text Placeholder 4">
             <a:extLst>
               <a:ext uri="{FF2B5EF4-FFF2-40B4-BE49-F238E27FC236}">
-                <a16:creationId xmlns:a16="http://schemas.microsoft.com/office/drawing/2014/main" id="{E85203D3-6946-4A7A-A09D-9293DE6FB107}"/>
+                <a16:creationId xmlns:a16="http://schemas.microsoft.com/office/drawing/2014/main" xmlns="" id="{E85203D3-6946-4A7A-A09D-9293DE6FB107}"/>
               </a:ext>
             </a:extLst>
           </p:cNvPr>
@@ -1754,7 +1754,7 @@
           <p:cNvPr id="6" name="Content Placeholder 5">
             <a:extLst>
               <a:ext uri="{FF2B5EF4-FFF2-40B4-BE49-F238E27FC236}">
-                <a16:creationId xmlns:a16="http://schemas.microsoft.com/office/drawing/2014/main" id="{5C37143E-88D1-4DF7-A3E1-A731B4411A19}"/>
+                <a16:creationId xmlns:a16="http://schemas.microsoft.com/office/drawing/2014/main" xmlns="" id="{5C37143E-88D1-4DF7-A3E1-A731B4411A19}"/>
               </a:ext>
             </a:extLst>
           </p:cNvPr>
@@ -1817,7 +1817,7 @@
           <p:cNvPr id="7" name="Date Placeholder 6">
             <a:extLst>
               <a:ext uri="{FF2B5EF4-FFF2-40B4-BE49-F238E27FC236}">
-                <a16:creationId xmlns:a16="http://schemas.microsoft.com/office/drawing/2014/main" id="{6C4B38C1-0B37-4BC7-AF1A-DE6FE176F0F9}"/>
+                <a16:creationId xmlns:a16="http://schemas.microsoft.com/office/drawing/2014/main" xmlns="" id="{6C4B38C1-0B37-4BC7-AF1A-DE6FE176F0F9}"/>
               </a:ext>
             </a:extLst>
           </p:cNvPr>
@@ -1835,7 +1835,7 @@
           <a:p>
             <a:fld id="{86DA2673-86DB-4D44-B163-78CB2B4A77DD}" type="datetimeFigureOut">
               <a:rPr lang="es-MX" smtClean="0"/>
-              <a:t>05/07/2018</a:t>
+              <a:t>29/08/2018</a:t>
             </a:fld>
             <a:endParaRPr lang="es-MX"/>
           </a:p>
@@ -1846,7 +1846,7 @@
           <p:cNvPr id="8" name="Footer Placeholder 7">
             <a:extLst>
               <a:ext uri="{FF2B5EF4-FFF2-40B4-BE49-F238E27FC236}">
-                <a16:creationId xmlns:a16="http://schemas.microsoft.com/office/drawing/2014/main" id="{B8D76C4E-F565-493E-BF88-2B86BFF2C613}"/>
+                <a16:creationId xmlns:a16="http://schemas.microsoft.com/office/drawing/2014/main" xmlns="" id="{B8D76C4E-F565-493E-BF88-2B86BFF2C613}"/>
               </a:ext>
             </a:extLst>
           </p:cNvPr>
@@ -1871,7 +1871,7 @@
           <p:cNvPr id="9" name="Slide Number Placeholder 8">
             <a:extLst>
               <a:ext uri="{FF2B5EF4-FFF2-40B4-BE49-F238E27FC236}">
-                <a16:creationId xmlns:a16="http://schemas.microsoft.com/office/drawing/2014/main" id="{598FC74D-EA9A-45C9-A8F3-DD6C03626E10}"/>
+                <a16:creationId xmlns:a16="http://schemas.microsoft.com/office/drawing/2014/main" xmlns="" id="{598FC74D-EA9A-45C9-A8F3-DD6C03626E10}"/>
               </a:ext>
             </a:extLst>
           </p:cNvPr>
@@ -1930,7 +1930,7 @@
           <p:cNvPr id="2" name="Title 1">
             <a:extLst>
               <a:ext uri="{FF2B5EF4-FFF2-40B4-BE49-F238E27FC236}">
-                <a16:creationId xmlns:a16="http://schemas.microsoft.com/office/drawing/2014/main" id="{13840195-7627-4456-9BA1-5333A8596FA5}"/>
+                <a16:creationId xmlns:a16="http://schemas.microsoft.com/office/drawing/2014/main" xmlns="" id="{13840195-7627-4456-9BA1-5333A8596FA5}"/>
               </a:ext>
             </a:extLst>
           </p:cNvPr>
@@ -1959,7 +1959,7 @@
           <p:cNvPr id="3" name="Date Placeholder 2">
             <a:extLst>
               <a:ext uri="{FF2B5EF4-FFF2-40B4-BE49-F238E27FC236}">
-                <a16:creationId xmlns:a16="http://schemas.microsoft.com/office/drawing/2014/main" id="{186DB73F-AF05-4007-B952-0A05BC8DAA74}"/>
+                <a16:creationId xmlns:a16="http://schemas.microsoft.com/office/drawing/2014/main" xmlns="" id="{186DB73F-AF05-4007-B952-0A05BC8DAA74}"/>
               </a:ext>
             </a:extLst>
           </p:cNvPr>
@@ -1977,7 +1977,7 @@
           <a:p>
             <a:fld id="{86DA2673-86DB-4D44-B163-78CB2B4A77DD}" type="datetimeFigureOut">
               <a:rPr lang="es-MX" smtClean="0"/>
-              <a:t>05/07/2018</a:t>
+              <a:t>29/08/2018</a:t>
             </a:fld>
             <a:endParaRPr lang="es-MX"/>
           </a:p>
@@ -1988,7 +1988,7 @@
           <p:cNvPr id="4" name="Footer Placeholder 3">
             <a:extLst>
               <a:ext uri="{FF2B5EF4-FFF2-40B4-BE49-F238E27FC236}">
-                <a16:creationId xmlns:a16="http://schemas.microsoft.com/office/drawing/2014/main" id="{EB232415-94C3-483B-AD37-10C4859F1EE4}"/>
+                <a16:creationId xmlns:a16="http://schemas.microsoft.com/office/drawing/2014/main" xmlns="" id="{EB232415-94C3-483B-AD37-10C4859F1EE4}"/>
               </a:ext>
             </a:extLst>
           </p:cNvPr>
@@ -2013,7 +2013,7 @@
           <p:cNvPr id="5" name="Slide Number Placeholder 4">
             <a:extLst>
               <a:ext uri="{FF2B5EF4-FFF2-40B4-BE49-F238E27FC236}">
-                <a16:creationId xmlns:a16="http://schemas.microsoft.com/office/drawing/2014/main" id="{D6A0F054-FA72-409D-9D4B-E2DAFA2778AB}"/>
+                <a16:creationId xmlns:a16="http://schemas.microsoft.com/office/drawing/2014/main" xmlns="" id="{D6A0F054-FA72-409D-9D4B-E2DAFA2778AB}"/>
               </a:ext>
             </a:extLst>
           </p:cNvPr>
@@ -2072,7 +2072,7 @@
           <p:cNvPr id="2" name="Date Placeholder 1">
             <a:extLst>
               <a:ext uri="{FF2B5EF4-FFF2-40B4-BE49-F238E27FC236}">
-                <a16:creationId xmlns:a16="http://schemas.microsoft.com/office/drawing/2014/main" id="{50B5FB8C-2D49-4BA0-9F7A-163197D6A08A}"/>
+                <a16:creationId xmlns:a16="http://schemas.microsoft.com/office/drawing/2014/main" xmlns="" id="{50B5FB8C-2D49-4BA0-9F7A-163197D6A08A}"/>
               </a:ext>
             </a:extLst>
           </p:cNvPr>
@@ -2090,7 +2090,7 @@
           <a:p>
             <a:fld id="{86DA2673-86DB-4D44-B163-78CB2B4A77DD}" type="datetimeFigureOut">
               <a:rPr lang="es-MX" smtClean="0"/>
-              <a:t>05/07/2018</a:t>
+              <a:t>29/08/2018</a:t>
             </a:fld>
             <a:endParaRPr lang="es-MX"/>
           </a:p>
@@ -2101,7 +2101,7 @@
           <p:cNvPr id="3" name="Footer Placeholder 2">
             <a:extLst>
               <a:ext uri="{FF2B5EF4-FFF2-40B4-BE49-F238E27FC236}">
-                <a16:creationId xmlns:a16="http://schemas.microsoft.com/office/drawing/2014/main" id="{8CC4684D-9EC5-45EE-99EA-FDAC858D0404}"/>
+                <a16:creationId xmlns:a16="http://schemas.microsoft.com/office/drawing/2014/main" xmlns="" id="{8CC4684D-9EC5-45EE-99EA-FDAC858D0404}"/>
               </a:ext>
             </a:extLst>
           </p:cNvPr>
@@ -2126,7 +2126,7 @@
           <p:cNvPr id="4" name="Slide Number Placeholder 3">
             <a:extLst>
               <a:ext uri="{FF2B5EF4-FFF2-40B4-BE49-F238E27FC236}">
-                <a16:creationId xmlns:a16="http://schemas.microsoft.com/office/drawing/2014/main" id="{E29D118B-5002-476B-AA62-992F7974A3BB}"/>
+                <a16:creationId xmlns:a16="http://schemas.microsoft.com/office/drawing/2014/main" xmlns="" id="{E29D118B-5002-476B-AA62-992F7974A3BB}"/>
               </a:ext>
             </a:extLst>
           </p:cNvPr>
@@ -2185,7 +2185,7 @@
           <p:cNvPr id="2" name="Title 1">
             <a:extLst>
               <a:ext uri="{FF2B5EF4-FFF2-40B4-BE49-F238E27FC236}">
-                <a16:creationId xmlns:a16="http://schemas.microsoft.com/office/drawing/2014/main" id="{6BB1B1BE-9514-47F3-9534-F06DF2543E38}"/>
+                <a16:creationId xmlns:a16="http://schemas.microsoft.com/office/drawing/2014/main" xmlns="" id="{6BB1B1BE-9514-47F3-9534-F06DF2543E38}"/>
               </a:ext>
             </a:extLst>
           </p:cNvPr>
@@ -2223,7 +2223,7 @@
           <p:cNvPr id="3" name="Content Placeholder 2">
             <a:extLst>
               <a:ext uri="{FF2B5EF4-FFF2-40B4-BE49-F238E27FC236}">
-                <a16:creationId xmlns:a16="http://schemas.microsoft.com/office/drawing/2014/main" id="{DD25B1D6-B80F-4B53-80F9-BA5B14B8B68B}"/>
+                <a16:creationId xmlns:a16="http://schemas.microsoft.com/office/drawing/2014/main" xmlns="" id="{DD25B1D6-B80F-4B53-80F9-BA5B14B8B68B}"/>
               </a:ext>
             </a:extLst>
           </p:cNvPr>
@@ -2314,7 +2314,7 @@
           <p:cNvPr id="4" name="Text Placeholder 3">
             <a:extLst>
               <a:ext uri="{FF2B5EF4-FFF2-40B4-BE49-F238E27FC236}">
-                <a16:creationId xmlns:a16="http://schemas.microsoft.com/office/drawing/2014/main" id="{CAC0E97B-782F-470B-9438-A465CCEE92CE}"/>
+                <a16:creationId xmlns:a16="http://schemas.microsoft.com/office/drawing/2014/main" xmlns="" id="{CAC0E97B-782F-470B-9438-A465CCEE92CE}"/>
               </a:ext>
             </a:extLst>
           </p:cNvPr>
@@ -2385,7 +2385,7 @@
           <p:cNvPr id="5" name="Date Placeholder 4">
             <a:extLst>
               <a:ext uri="{FF2B5EF4-FFF2-40B4-BE49-F238E27FC236}">
-                <a16:creationId xmlns:a16="http://schemas.microsoft.com/office/drawing/2014/main" id="{9B3C9693-86DE-4A7D-8974-37A0883B2E75}"/>
+                <a16:creationId xmlns:a16="http://schemas.microsoft.com/office/drawing/2014/main" xmlns="" id="{9B3C9693-86DE-4A7D-8974-37A0883B2E75}"/>
               </a:ext>
             </a:extLst>
           </p:cNvPr>
@@ -2403,7 +2403,7 @@
           <a:p>
             <a:fld id="{86DA2673-86DB-4D44-B163-78CB2B4A77DD}" type="datetimeFigureOut">
               <a:rPr lang="es-MX" smtClean="0"/>
-              <a:t>05/07/2018</a:t>
+              <a:t>29/08/2018</a:t>
             </a:fld>
             <a:endParaRPr lang="es-MX"/>
           </a:p>
@@ -2414,7 +2414,7 @@
           <p:cNvPr id="6" name="Footer Placeholder 5">
             <a:extLst>
               <a:ext uri="{FF2B5EF4-FFF2-40B4-BE49-F238E27FC236}">
-                <a16:creationId xmlns:a16="http://schemas.microsoft.com/office/drawing/2014/main" id="{390DCACD-4DE1-4394-82D7-718D63EA3322}"/>
+                <a16:creationId xmlns:a16="http://schemas.microsoft.com/office/drawing/2014/main" xmlns="" id="{390DCACD-4DE1-4394-82D7-718D63EA3322}"/>
               </a:ext>
             </a:extLst>
           </p:cNvPr>
@@ -2439,7 +2439,7 @@
           <p:cNvPr id="7" name="Slide Number Placeholder 6">
             <a:extLst>
               <a:ext uri="{FF2B5EF4-FFF2-40B4-BE49-F238E27FC236}">
-                <a16:creationId xmlns:a16="http://schemas.microsoft.com/office/drawing/2014/main" id="{CF219F31-79B5-4A2E-99EC-77760341DFB5}"/>
+                <a16:creationId xmlns:a16="http://schemas.microsoft.com/office/drawing/2014/main" xmlns="" id="{CF219F31-79B5-4A2E-99EC-77760341DFB5}"/>
               </a:ext>
             </a:extLst>
           </p:cNvPr>
@@ -2498,7 +2498,7 @@
           <p:cNvPr id="2" name="Title 1">
             <a:extLst>
               <a:ext uri="{FF2B5EF4-FFF2-40B4-BE49-F238E27FC236}">
-                <a16:creationId xmlns:a16="http://schemas.microsoft.com/office/drawing/2014/main" id="{F2544DD8-4C7B-491D-977B-4F4542E4BC38}"/>
+                <a16:creationId xmlns:a16="http://schemas.microsoft.com/office/drawing/2014/main" xmlns="" id="{F2544DD8-4C7B-491D-977B-4F4542E4BC38}"/>
               </a:ext>
             </a:extLst>
           </p:cNvPr>
@@ -2536,7 +2536,7 @@
           <p:cNvPr id="3" name="Picture Placeholder 2">
             <a:extLst>
               <a:ext uri="{FF2B5EF4-FFF2-40B4-BE49-F238E27FC236}">
-                <a16:creationId xmlns:a16="http://schemas.microsoft.com/office/drawing/2014/main" id="{B95A23C0-9E63-42B6-85C2-88B2730C3B69}"/>
+                <a16:creationId xmlns:a16="http://schemas.microsoft.com/office/drawing/2014/main" xmlns="" id="{B95A23C0-9E63-42B6-85C2-88B2730C3B69}"/>
               </a:ext>
             </a:extLst>
           </p:cNvPr>
@@ -2603,7 +2603,7 @@
           <p:cNvPr id="4" name="Text Placeholder 3">
             <a:extLst>
               <a:ext uri="{FF2B5EF4-FFF2-40B4-BE49-F238E27FC236}">
-                <a16:creationId xmlns:a16="http://schemas.microsoft.com/office/drawing/2014/main" id="{A067C161-BD98-42F8-9F2C-068EF0A5C41E}"/>
+                <a16:creationId xmlns:a16="http://schemas.microsoft.com/office/drawing/2014/main" xmlns="" id="{A067C161-BD98-42F8-9F2C-068EF0A5C41E}"/>
               </a:ext>
             </a:extLst>
           </p:cNvPr>
@@ -2674,7 +2674,7 @@
           <p:cNvPr id="5" name="Date Placeholder 4">
             <a:extLst>
               <a:ext uri="{FF2B5EF4-FFF2-40B4-BE49-F238E27FC236}">
-                <a16:creationId xmlns:a16="http://schemas.microsoft.com/office/drawing/2014/main" id="{600C62C3-8CB6-4369-B48F-3A3B8B0F2A4C}"/>
+                <a16:creationId xmlns:a16="http://schemas.microsoft.com/office/drawing/2014/main" xmlns="" id="{600C62C3-8CB6-4369-B48F-3A3B8B0F2A4C}"/>
               </a:ext>
             </a:extLst>
           </p:cNvPr>
@@ -2692,7 +2692,7 @@
           <a:p>
             <a:fld id="{86DA2673-86DB-4D44-B163-78CB2B4A77DD}" type="datetimeFigureOut">
               <a:rPr lang="es-MX" smtClean="0"/>
-              <a:t>05/07/2018</a:t>
+              <a:t>29/08/2018</a:t>
             </a:fld>
             <a:endParaRPr lang="es-MX"/>
           </a:p>
@@ -2703,7 +2703,7 @@
           <p:cNvPr id="6" name="Footer Placeholder 5">
             <a:extLst>
               <a:ext uri="{FF2B5EF4-FFF2-40B4-BE49-F238E27FC236}">
-                <a16:creationId xmlns:a16="http://schemas.microsoft.com/office/drawing/2014/main" id="{9A7ECB87-6C80-4E60-8F4A-721B25D5DB8D}"/>
+                <a16:creationId xmlns:a16="http://schemas.microsoft.com/office/drawing/2014/main" xmlns="" id="{9A7ECB87-6C80-4E60-8F4A-721B25D5DB8D}"/>
               </a:ext>
             </a:extLst>
           </p:cNvPr>
@@ -2728,7 +2728,7 @@
           <p:cNvPr id="7" name="Slide Number Placeholder 6">
             <a:extLst>
               <a:ext uri="{FF2B5EF4-FFF2-40B4-BE49-F238E27FC236}">
-                <a16:creationId xmlns:a16="http://schemas.microsoft.com/office/drawing/2014/main" id="{0D21D70C-A462-4C78-AF95-F10AAF98A21F}"/>
+                <a16:creationId xmlns:a16="http://schemas.microsoft.com/office/drawing/2014/main" xmlns="" id="{0D21D70C-A462-4C78-AF95-F10AAF98A21F}"/>
               </a:ext>
             </a:extLst>
           </p:cNvPr>
@@ -2810,7 +2810,7 @@
           <p:cNvPr id="2" name="Title Placeholder 1">
             <a:extLst>
               <a:ext uri="{FF2B5EF4-FFF2-40B4-BE49-F238E27FC236}">
-                <a16:creationId xmlns:a16="http://schemas.microsoft.com/office/drawing/2014/main" id="{4A9C8C2C-6EBE-465A-AD69-33CAC9460388}"/>
+                <a16:creationId xmlns:a16="http://schemas.microsoft.com/office/drawing/2014/main" xmlns="" id="{4A9C8C2C-6EBE-465A-AD69-33CAC9460388}"/>
               </a:ext>
             </a:extLst>
           </p:cNvPr>
@@ -2849,7 +2849,7 @@
           <p:cNvPr id="3" name="Text Placeholder 2">
             <a:extLst>
               <a:ext uri="{FF2B5EF4-FFF2-40B4-BE49-F238E27FC236}">
-                <a16:creationId xmlns:a16="http://schemas.microsoft.com/office/drawing/2014/main" id="{FFB9FA52-447A-4851-956F-8B9F182F18F3}"/>
+                <a16:creationId xmlns:a16="http://schemas.microsoft.com/office/drawing/2014/main" xmlns="" id="{FFB9FA52-447A-4851-956F-8B9F182F18F3}"/>
               </a:ext>
             </a:extLst>
           </p:cNvPr>
@@ -2917,7 +2917,7 @@
           <p:cNvPr id="4" name="Date Placeholder 3">
             <a:extLst>
               <a:ext uri="{FF2B5EF4-FFF2-40B4-BE49-F238E27FC236}">
-                <a16:creationId xmlns:a16="http://schemas.microsoft.com/office/drawing/2014/main" id="{173D0B51-E1C9-4DD8-AC6C-C391E11E233E}"/>
+                <a16:creationId xmlns:a16="http://schemas.microsoft.com/office/drawing/2014/main" xmlns="" id="{173D0B51-E1C9-4DD8-AC6C-C391E11E233E}"/>
               </a:ext>
             </a:extLst>
           </p:cNvPr>
@@ -2953,7 +2953,7 @@
           <a:p>
             <a:fld id="{86DA2673-86DB-4D44-B163-78CB2B4A77DD}" type="datetimeFigureOut">
               <a:rPr lang="es-MX" smtClean="0"/>
-              <a:t>05/07/2018</a:t>
+              <a:t>29/08/2018</a:t>
             </a:fld>
             <a:endParaRPr lang="es-MX"/>
           </a:p>
@@ -2964,7 +2964,7 @@
           <p:cNvPr id="5" name="Footer Placeholder 4">
             <a:extLst>
               <a:ext uri="{FF2B5EF4-FFF2-40B4-BE49-F238E27FC236}">
-                <a16:creationId xmlns:a16="http://schemas.microsoft.com/office/drawing/2014/main" id="{A668FB02-66CC-4C36-BD7E-ED939AE476EF}"/>
+                <a16:creationId xmlns:a16="http://schemas.microsoft.com/office/drawing/2014/main" xmlns="" id="{A668FB02-66CC-4C36-BD7E-ED939AE476EF}"/>
               </a:ext>
             </a:extLst>
           </p:cNvPr>
@@ -3007,7 +3007,7 @@
           <p:cNvPr id="6" name="Slide Number Placeholder 5">
             <a:extLst>
               <a:ext uri="{FF2B5EF4-FFF2-40B4-BE49-F238E27FC236}">
-                <a16:creationId xmlns:a16="http://schemas.microsoft.com/office/drawing/2014/main" id="{7183EFFB-1F48-4E67-B27C-F7B24A7CA24A}"/>
+                <a16:creationId xmlns:a16="http://schemas.microsoft.com/office/drawing/2014/main" xmlns="" id="{7183EFFB-1F48-4E67-B27C-F7B24A7CA24A}"/>
               </a:ext>
             </a:extLst>
           </p:cNvPr>
@@ -3375,7 +3375,7 @@
           <p:cNvPr id="2" name="Rectangle 1">
             <a:extLst>
               <a:ext uri="{FF2B5EF4-FFF2-40B4-BE49-F238E27FC236}">
-                <a16:creationId xmlns:a16="http://schemas.microsoft.com/office/drawing/2014/main" id="{37AF2080-32A0-4C97-8DAD-547C3CC7BAEE}"/>
+                <a16:creationId xmlns:a16="http://schemas.microsoft.com/office/drawing/2014/main" xmlns="" id="{37AF2080-32A0-4C97-8DAD-547C3CC7BAEE}"/>
               </a:ext>
             </a:extLst>
           </p:cNvPr>
@@ -3425,7 +3425,7 @@
           <p:cNvPr id="3" name="Rectangle 2">
             <a:extLst>
               <a:ext uri="{FF2B5EF4-FFF2-40B4-BE49-F238E27FC236}">
-                <a16:creationId xmlns:a16="http://schemas.microsoft.com/office/drawing/2014/main" id="{E1C93726-AB0F-45E7-9397-AF3787AEA556}"/>
+                <a16:creationId xmlns:a16="http://schemas.microsoft.com/office/drawing/2014/main" xmlns="" id="{E1C93726-AB0F-45E7-9397-AF3787AEA556}"/>
               </a:ext>
             </a:extLst>
           </p:cNvPr>
@@ -3475,7 +3475,7 @@
           <p:cNvPr id="4" name="Rectangle 3">
             <a:extLst>
               <a:ext uri="{FF2B5EF4-FFF2-40B4-BE49-F238E27FC236}">
-                <a16:creationId xmlns:a16="http://schemas.microsoft.com/office/drawing/2014/main" id="{389D2C7E-30E6-4074-B9EF-0B4D8101498A}"/>
+                <a16:creationId xmlns:a16="http://schemas.microsoft.com/office/drawing/2014/main" xmlns="" id="{389D2C7E-30E6-4074-B9EF-0B4D8101498A}"/>
               </a:ext>
             </a:extLst>
           </p:cNvPr>
@@ -3525,7 +3525,7 @@
           <p:cNvPr id="5" name="Rectangle 4">
             <a:extLst>
               <a:ext uri="{FF2B5EF4-FFF2-40B4-BE49-F238E27FC236}">
-                <a16:creationId xmlns:a16="http://schemas.microsoft.com/office/drawing/2014/main" id="{32C7E541-1ED9-4A36-AE0B-18552654D7D3}"/>
+                <a16:creationId xmlns:a16="http://schemas.microsoft.com/office/drawing/2014/main" xmlns="" id="{32C7E541-1ED9-4A36-AE0B-18552654D7D3}"/>
               </a:ext>
             </a:extLst>
           </p:cNvPr>
@@ -3575,7 +3575,7 @@
           <p:cNvPr id="6" name="Rectangle 5">
             <a:extLst>
               <a:ext uri="{FF2B5EF4-FFF2-40B4-BE49-F238E27FC236}">
-                <a16:creationId xmlns:a16="http://schemas.microsoft.com/office/drawing/2014/main" id="{C5B33E05-E9A2-4C11-949C-05D97B24B0C5}"/>
+                <a16:creationId xmlns:a16="http://schemas.microsoft.com/office/drawing/2014/main" xmlns="" id="{C5B33E05-E9A2-4C11-949C-05D97B24B0C5}"/>
               </a:ext>
             </a:extLst>
           </p:cNvPr>
@@ -3625,7 +3625,7 @@
           <p:cNvPr id="7" name="Rectangle 6">
             <a:extLst>
               <a:ext uri="{FF2B5EF4-FFF2-40B4-BE49-F238E27FC236}">
-                <a16:creationId xmlns:a16="http://schemas.microsoft.com/office/drawing/2014/main" id="{381BBFEA-7A8E-4187-ABFD-485EA6A42679}"/>
+                <a16:creationId xmlns:a16="http://schemas.microsoft.com/office/drawing/2014/main" xmlns="" id="{381BBFEA-7A8E-4187-ABFD-485EA6A42679}"/>
               </a:ext>
             </a:extLst>
           </p:cNvPr>
@@ -3675,7 +3675,7 @@
           <p:cNvPr id="9" name="Rectangle 8">
             <a:extLst>
               <a:ext uri="{FF2B5EF4-FFF2-40B4-BE49-F238E27FC236}">
-                <a16:creationId xmlns:a16="http://schemas.microsoft.com/office/drawing/2014/main" id="{755A0130-E9E8-4E15-977F-B0A24EAF0C2D}"/>
+                <a16:creationId xmlns:a16="http://schemas.microsoft.com/office/drawing/2014/main" xmlns="" id="{755A0130-E9E8-4E15-977F-B0A24EAF0C2D}"/>
               </a:ext>
             </a:extLst>
           </p:cNvPr>
@@ -3725,7 +3725,7 @@
           <p:cNvPr id="10" name="Rectangle 9">
             <a:extLst>
               <a:ext uri="{FF2B5EF4-FFF2-40B4-BE49-F238E27FC236}">
-                <a16:creationId xmlns:a16="http://schemas.microsoft.com/office/drawing/2014/main" id="{90BC8159-1B83-4B9C-8660-9C8608BFBD44}"/>
+                <a16:creationId xmlns:a16="http://schemas.microsoft.com/office/drawing/2014/main" xmlns="" id="{90BC8159-1B83-4B9C-8660-9C8608BFBD44}"/>
               </a:ext>
             </a:extLst>
           </p:cNvPr>
@@ -3775,7 +3775,7 @@
           <p:cNvPr id="12" name="Rectangle 11">
             <a:extLst>
               <a:ext uri="{FF2B5EF4-FFF2-40B4-BE49-F238E27FC236}">
-                <a16:creationId xmlns:a16="http://schemas.microsoft.com/office/drawing/2014/main" id="{34D9AEE1-4401-45B2-BBCD-92EA9967EE5F}"/>
+                <a16:creationId xmlns:a16="http://schemas.microsoft.com/office/drawing/2014/main" xmlns="" id="{34D9AEE1-4401-45B2-BBCD-92EA9967EE5F}"/>
               </a:ext>
             </a:extLst>
           </p:cNvPr>
@@ -3825,7 +3825,7 @@
           <p:cNvPr id="17" name="Rectangle 16">
             <a:extLst>
               <a:ext uri="{FF2B5EF4-FFF2-40B4-BE49-F238E27FC236}">
-                <a16:creationId xmlns:a16="http://schemas.microsoft.com/office/drawing/2014/main" id="{57B7F5FB-B8F8-47D3-9804-6066C7C78DEA}"/>
+                <a16:creationId xmlns:a16="http://schemas.microsoft.com/office/drawing/2014/main" xmlns="" id="{57B7F5FB-B8F8-47D3-9804-6066C7C78DEA}"/>
               </a:ext>
             </a:extLst>
           </p:cNvPr>
@@ -3875,7 +3875,7 @@
           <p:cNvPr id="11" name="Group 10">
             <a:extLst>
               <a:ext uri="{FF2B5EF4-FFF2-40B4-BE49-F238E27FC236}">
-                <a16:creationId xmlns:a16="http://schemas.microsoft.com/office/drawing/2014/main" id="{8E6DB23F-8B13-4082-8A08-3305DBCD53D8}"/>
+                <a16:creationId xmlns:a16="http://schemas.microsoft.com/office/drawing/2014/main" xmlns="" id="{8E6DB23F-8B13-4082-8A08-3305DBCD53D8}"/>
               </a:ext>
             </a:extLst>
           </p:cNvPr>
@@ -3895,7 +3895,7 @@
             <p:cNvPr id="8" name="Rectangle 7">
               <a:extLst>
                 <a:ext uri="{FF2B5EF4-FFF2-40B4-BE49-F238E27FC236}">
-                  <a16:creationId xmlns:a16="http://schemas.microsoft.com/office/drawing/2014/main" id="{051E391B-C890-4286-8B82-582E7818A9C6}"/>
+                  <a16:creationId xmlns:a16="http://schemas.microsoft.com/office/drawing/2014/main" xmlns="" id="{051E391B-C890-4286-8B82-582E7818A9C6}"/>
                 </a:ext>
               </a:extLst>
             </p:cNvPr>
@@ -3945,7 +3945,7 @@
             <p:cNvPr id="18" name="Rectangle 17">
               <a:extLst>
                 <a:ext uri="{FF2B5EF4-FFF2-40B4-BE49-F238E27FC236}">
-                  <a16:creationId xmlns:a16="http://schemas.microsoft.com/office/drawing/2014/main" id="{06AFC87F-7460-4FC7-A098-E97F35AD67A0}"/>
+                  <a16:creationId xmlns:a16="http://schemas.microsoft.com/office/drawing/2014/main" xmlns="" id="{06AFC87F-7460-4FC7-A098-E97F35AD67A0}"/>
                 </a:ext>
               </a:extLst>
             </p:cNvPr>
@@ -3996,7 +3996,7 @@
           <p:cNvPr id="19" name="Rectangle 18">
             <a:extLst>
               <a:ext uri="{FF2B5EF4-FFF2-40B4-BE49-F238E27FC236}">
-                <a16:creationId xmlns:a16="http://schemas.microsoft.com/office/drawing/2014/main" id="{6C2CA3EA-FCB4-457B-B179-0C9D8FCD0A2D}"/>
+                <a16:creationId xmlns:a16="http://schemas.microsoft.com/office/drawing/2014/main" xmlns="" id="{6C2CA3EA-FCB4-457B-B179-0C9D8FCD0A2D}"/>
               </a:ext>
             </a:extLst>
           </p:cNvPr>
@@ -4046,7 +4046,7 @@
           <p:cNvPr id="20" name="Rectangle 19">
             <a:extLst>
               <a:ext uri="{FF2B5EF4-FFF2-40B4-BE49-F238E27FC236}">
-                <a16:creationId xmlns:a16="http://schemas.microsoft.com/office/drawing/2014/main" id="{C3668D1D-5447-4734-AF44-BDEA9D82277B}"/>
+                <a16:creationId xmlns:a16="http://schemas.microsoft.com/office/drawing/2014/main" xmlns="" id="{C3668D1D-5447-4734-AF44-BDEA9D82277B}"/>
               </a:ext>
             </a:extLst>
           </p:cNvPr>
@@ -4096,7 +4096,7 @@
           <p:cNvPr id="21" name="Rectangle 20">
             <a:extLst>
               <a:ext uri="{FF2B5EF4-FFF2-40B4-BE49-F238E27FC236}">
-                <a16:creationId xmlns:a16="http://schemas.microsoft.com/office/drawing/2014/main" id="{50EE1586-2572-4EF9-8C14-01F3538872A3}"/>
+                <a16:creationId xmlns:a16="http://schemas.microsoft.com/office/drawing/2014/main" xmlns="" id="{50EE1586-2572-4EF9-8C14-01F3538872A3}"/>
               </a:ext>
             </a:extLst>
           </p:cNvPr>
@@ -4154,7 +4154,7 @@
           <p:cNvPr id="14" name="Left Brace 13">
             <a:extLst>
               <a:ext uri="{FF2B5EF4-FFF2-40B4-BE49-F238E27FC236}">
-                <a16:creationId xmlns:a16="http://schemas.microsoft.com/office/drawing/2014/main" id="{2B954F97-24BD-4687-86B9-726A0142E77A}"/>
+                <a16:creationId xmlns:a16="http://schemas.microsoft.com/office/drawing/2014/main" xmlns="" id="{2B954F97-24BD-4687-86B9-726A0142E77A}"/>
               </a:ext>
             </a:extLst>
           </p:cNvPr>
@@ -4203,7 +4203,7 @@
           <p:cNvPr id="15" name="TextBox 14">
             <a:extLst>
               <a:ext uri="{FF2B5EF4-FFF2-40B4-BE49-F238E27FC236}">
-                <a16:creationId xmlns:a16="http://schemas.microsoft.com/office/drawing/2014/main" id="{8826C13D-FA93-4F48-BAA9-38DF7987A5D8}"/>
+                <a16:creationId xmlns:a16="http://schemas.microsoft.com/office/drawing/2014/main" xmlns="" id="{8826C13D-FA93-4F48-BAA9-38DF7987A5D8}"/>
               </a:ext>
             </a:extLst>
           </p:cNvPr>
@@ -4277,7 +4277,7 @@
           <p:cNvPr id="4" name="TextBox 3">
             <a:extLst>
               <a:ext uri="{FF2B5EF4-FFF2-40B4-BE49-F238E27FC236}">
-                <a16:creationId xmlns:a16="http://schemas.microsoft.com/office/drawing/2014/main" id="{B4B9300C-88DF-4087-8786-D23F8D693EE8}"/>
+                <a16:creationId xmlns:a16="http://schemas.microsoft.com/office/drawing/2014/main" xmlns="" id="{B4B9300C-88DF-4087-8786-D23F8D693EE8}"/>
               </a:ext>
             </a:extLst>
           </p:cNvPr>
@@ -4323,7 +4323,7 @@
           <p:cNvPr id="3" name="Table 2">
             <a:extLst>
               <a:ext uri="{FF2B5EF4-FFF2-40B4-BE49-F238E27FC236}">
-                <a16:creationId xmlns:a16="http://schemas.microsoft.com/office/drawing/2014/main" id="{9623FBDD-806E-4511-BA5E-2BCB248DC1A9}"/>
+                <a16:creationId xmlns:a16="http://schemas.microsoft.com/office/drawing/2014/main" xmlns="" id="{9623FBDD-806E-4511-BA5E-2BCB248DC1A9}"/>
               </a:ext>
             </a:extLst>
           </p:cNvPr>
@@ -4352,35 +4352,35 @@
                 <a:gridCol w="2438400">
                   <a:extLst>
                     <a:ext uri="{9D8B030D-6E8A-4147-A177-3AD203B41FA5}">
-                      <a16:colId xmlns:a16="http://schemas.microsoft.com/office/drawing/2014/main" val="2776210492"/>
+                      <a16:colId xmlns:a16="http://schemas.microsoft.com/office/drawing/2014/main" xmlns="" val="2776210492"/>
                     </a:ext>
                   </a:extLst>
                 </a:gridCol>
                 <a:gridCol w="2438400">
                   <a:extLst>
                     <a:ext uri="{9D8B030D-6E8A-4147-A177-3AD203B41FA5}">
-                      <a16:colId xmlns:a16="http://schemas.microsoft.com/office/drawing/2014/main" val="1441918874"/>
+                      <a16:colId xmlns:a16="http://schemas.microsoft.com/office/drawing/2014/main" xmlns="" val="1441918874"/>
                     </a:ext>
                   </a:extLst>
                 </a:gridCol>
                 <a:gridCol w="2438400">
                   <a:extLst>
                     <a:ext uri="{9D8B030D-6E8A-4147-A177-3AD203B41FA5}">
-                      <a16:colId xmlns:a16="http://schemas.microsoft.com/office/drawing/2014/main" val="1107478091"/>
+                      <a16:colId xmlns:a16="http://schemas.microsoft.com/office/drawing/2014/main" xmlns="" val="1107478091"/>
                     </a:ext>
                   </a:extLst>
                 </a:gridCol>
                 <a:gridCol w="2438400">
                   <a:extLst>
                     <a:ext uri="{9D8B030D-6E8A-4147-A177-3AD203B41FA5}">
-                      <a16:colId xmlns:a16="http://schemas.microsoft.com/office/drawing/2014/main" val="3979745752"/>
+                      <a16:colId xmlns:a16="http://schemas.microsoft.com/office/drawing/2014/main" xmlns="" val="3979745752"/>
                     </a:ext>
                   </a:extLst>
                 </a:gridCol>
                 <a:gridCol w="2438400">
                   <a:extLst>
                     <a:ext uri="{9D8B030D-6E8A-4147-A177-3AD203B41FA5}">
-                      <a16:colId xmlns:a16="http://schemas.microsoft.com/office/drawing/2014/main" val="1874428086"/>
+                      <a16:colId xmlns:a16="http://schemas.microsoft.com/office/drawing/2014/main" xmlns="" val="1874428086"/>
                     </a:ext>
                   </a:extLst>
                 </a:gridCol>
@@ -4708,7 +4708,7 @@
                 </a:tc>
                 <a:extLst>
                   <a:ext uri="{0D108BD9-81ED-4DB2-BD59-A6C34878D82A}">
-                    <a16:rowId xmlns:a16="http://schemas.microsoft.com/office/drawing/2014/main" val="1854516814"/>
+                    <a16:rowId xmlns:a16="http://schemas.microsoft.com/office/drawing/2014/main" xmlns="" val="1854516814"/>
                   </a:ext>
                 </a:extLst>
               </a:tr>
@@ -4721,7 +4721,7 @@
           <p:cNvPr id="23" name="Table 22">
             <a:extLst>
               <a:ext uri="{FF2B5EF4-FFF2-40B4-BE49-F238E27FC236}">
-                <a16:creationId xmlns:a16="http://schemas.microsoft.com/office/drawing/2014/main" id="{B69117C9-C756-4834-85F5-2DE0C498340B}"/>
+                <a16:creationId xmlns:a16="http://schemas.microsoft.com/office/drawing/2014/main" xmlns="" id="{B69117C9-C756-4834-85F5-2DE0C498340B}"/>
               </a:ext>
             </a:extLst>
           </p:cNvPr>
@@ -4750,7 +4750,7 @@
                 <a:gridCol w="12191999">
                   <a:extLst>
                     <a:ext uri="{9D8B030D-6E8A-4147-A177-3AD203B41FA5}">
-                      <a16:colId xmlns:a16="http://schemas.microsoft.com/office/drawing/2014/main" val="386426642"/>
+                      <a16:colId xmlns:a16="http://schemas.microsoft.com/office/drawing/2014/main" xmlns="" val="386426642"/>
                     </a:ext>
                   </a:extLst>
                 </a:gridCol>
@@ -4824,7 +4824,7 @@
                 </a:tc>
                 <a:extLst>
                   <a:ext uri="{0D108BD9-81ED-4DB2-BD59-A6C34878D82A}">
-                    <a16:rowId xmlns:a16="http://schemas.microsoft.com/office/drawing/2014/main" val="3356301327"/>
+                    <a16:rowId xmlns:a16="http://schemas.microsoft.com/office/drawing/2014/main" xmlns="" val="3356301327"/>
                   </a:ext>
                 </a:extLst>
               </a:tr>
@@ -4914,7 +4914,7 @@
                 </a:tc>
                 <a:extLst>
                   <a:ext uri="{0D108BD9-81ED-4DB2-BD59-A6C34878D82A}">
-                    <a16:rowId xmlns:a16="http://schemas.microsoft.com/office/drawing/2014/main" val="2935879113"/>
+                    <a16:rowId xmlns:a16="http://schemas.microsoft.com/office/drawing/2014/main" xmlns="" val="2935879113"/>
                   </a:ext>
                 </a:extLst>
               </a:tr>
@@ -4984,7 +4984,7 @@
                 </a:tc>
                 <a:extLst>
                   <a:ext uri="{0D108BD9-81ED-4DB2-BD59-A6C34878D82A}">
-                    <a16:rowId xmlns:a16="http://schemas.microsoft.com/office/drawing/2014/main" val="1004184249"/>
+                    <a16:rowId xmlns:a16="http://schemas.microsoft.com/office/drawing/2014/main" xmlns="" val="1004184249"/>
                   </a:ext>
                 </a:extLst>
               </a:tr>
@@ -4997,7 +4997,7 @@
           <p:cNvPr id="2" name="Table 1">
             <a:extLst>
               <a:ext uri="{FF2B5EF4-FFF2-40B4-BE49-F238E27FC236}">
-                <a16:creationId xmlns:a16="http://schemas.microsoft.com/office/drawing/2014/main" id="{A3208DEF-10F2-4DF8-A845-D23DF818E74B}"/>
+                <a16:creationId xmlns:a16="http://schemas.microsoft.com/office/drawing/2014/main" xmlns="" id="{A3208DEF-10F2-4DF8-A845-D23DF818E74B}"/>
               </a:ext>
             </a:extLst>
           </p:cNvPr>
@@ -5026,7 +5026,7 @@
                 <a:gridCol w="12192001">
                   <a:extLst>
                     <a:ext uri="{9D8B030D-6E8A-4147-A177-3AD203B41FA5}">
-                      <a16:colId xmlns:a16="http://schemas.microsoft.com/office/drawing/2014/main" val="996877004"/>
+                      <a16:colId xmlns:a16="http://schemas.microsoft.com/office/drawing/2014/main" xmlns="" val="996877004"/>
                     </a:ext>
                   </a:extLst>
                 </a:gridCol>
@@ -5098,7 +5098,7 @@
                 </a:tc>
                 <a:extLst>
                   <a:ext uri="{0D108BD9-81ED-4DB2-BD59-A6C34878D82A}">
-                    <a16:rowId xmlns:a16="http://schemas.microsoft.com/office/drawing/2014/main" val="3549324045"/>
+                    <a16:rowId xmlns:a16="http://schemas.microsoft.com/office/drawing/2014/main" xmlns="" val="3549324045"/>
                   </a:ext>
                 </a:extLst>
               </a:tr>
@@ -5106,6 +5106,50 @@
           </a:graphicData>
         </a:graphic>
       </p:graphicFrame>
+      <p:sp>
+        <p:nvSpPr>
+          <p:cNvPr id="5" name="Rectangle 4"/>
+          <p:cNvSpPr/>
+          <p:nvPr/>
+        </p:nvSpPr>
+        <p:spPr>
+          <a:xfrm>
+            <a:off x="7228935" y="1127558"/>
+            <a:ext cx="1889185" cy="502834"/>
+          </a:xfrm>
+          <a:prstGeom prst="rect">
+            <a:avLst/>
+          </a:prstGeom>
+        </p:spPr>
+        <p:style>
+          <a:lnRef idx="2">
+            <a:schemeClr val="accent1">
+              <a:shade val="50000"/>
+            </a:schemeClr>
+          </a:lnRef>
+          <a:fillRef idx="1">
+            <a:schemeClr val="accent1"/>
+          </a:fillRef>
+          <a:effectRef idx="0">
+            <a:schemeClr val="accent1"/>
+          </a:effectRef>
+          <a:fontRef idx="minor">
+            <a:schemeClr val="lt1"/>
+          </a:fontRef>
+        </p:style>
+        <p:txBody>
+          <a:bodyPr rtlCol="0" anchor="ctr"/>
+          <a:lstStyle/>
+          <a:p>
+            <a:pPr algn="ctr"/>
+            <a:r>
+              <a:rPr lang="en-US" dirty="0" smtClean="0"/>
+              <a:t>COURSES NO MORE!!</a:t>
+            </a:r>
+            <a:endParaRPr lang="en-US" dirty="0"/>
+          </a:p>
+        </p:txBody>
+      </p:sp>
     </p:spTree>
     <p:extLst>
       <p:ext uri="{BB962C8B-B14F-4D97-AF65-F5344CB8AC3E}">
@@ -5141,7 +5185,7 @@
           <p:cNvPr id="4" name="TextBox 3">
             <a:extLst>
               <a:ext uri="{FF2B5EF4-FFF2-40B4-BE49-F238E27FC236}">
-                <a16:creationId xmlns:a16="http://schemas.microsoft.com/office/drawing/2014/main" id="{B4B9300C-88DF-4087-8786-D23F8D693EE8}"/>
+                <a16:creationId xmlns:a16="http://schemas.microsoft.com/office/drawing/2014/main" xmlns="" id="{B4B9300C-88DF-4087-8786-D23F8D693EE8}"/>
               </a:ext>
             </a:extLst>
           </p:cNvPr>
@@ -5187,7 +5231,7 @@
           <p:cNvPr id="3" name="Table 2">
             <a:extLst>
               <a:ext uri="{FF2B5EF4-FFF2-40B4-BE49-F238E27FC236}">
-                <a16:creationId xmlns:a16="http://schemas.microsoft.com/office/drawing/2014/main" id="{9623FBDD-806E-4511-BA5E-2BCB248DC1A9}"/>
+                <a16:creationId xmlns:a16="http://schemas.microsoft.com/office/drawing/2014/main" xmlns="" id="{9623FBDD-806E-4511-BA5E-2BCB248DC1A9}"/>
               </a:ext>
             </a:extLst>
           </p:cNvPr>
@@ -5216,35 +5260,35 @@
                 <a:gridCol w="2438400">
                   <a:extLst>
                     <a:ext uri="{9D8B030D-6E8A-4147-A177-3AD203B41FA5}">
-                      <a16:colId xmlns:a16="http://schemas.microsoft.com/office/drawing/2014/main" val="2776210492"/>
+                      <a16:colId xmlns:a16="http://schemas.microsoft.com/office/drawing/2014/main" xmlns="" val="2776210492"/>
                     </a:ext>
                   </a:extLst>
                 </a:gridCol>
                 <a:gridCol w="2438400">
                   <a:extLst>
                     <a:ext uri="{9D8B030D-6E8A-4147-A177-3AD203B41FA5}">
-                      <a16:colId xmlns:a16="http://schemas.microsoft.com/office/drawing/2014/main" val="1441918874"/>
+                      <a16:colId xmlns:a16="http://schemas.microsoft.com/office/drawing/2014/main" xmlns="" val="1441918874"/>
                     </a:ext>
                   </a:extLst>
                 </a:gridCol>
                 <a:gridCol w="2438400">
                   <a:extLst>
                     <a:ext uri="{9D8B030D-6E8A-4147-A177-3AD203B41FA5}">
-                      <a16:colId xmlns:a16="http://schemas.microsoft.com/office/drawing/2014/main" val="1107478091"/>
+                      <a16:colId xmlns:a16="http://schemas.microsoft.com/office/drawing/2014/main" xmlns="" val="1107478091"/>
                     </a:ext>
                   </a:extLst>
                 </a:gridCol>
                 <a:gridCol w="2438400">
                   <a:extLst>
                     <a:ext uri="{9D8B030D-6E8A-4147-A177-3AD203B41FA5}">
-                      <a16:colId xmlns:a16="http://schemas.microsoft.com/office/drawing/2014/main" val="3979745752"/>
+                      <a16:colId xmlns:a16="http://schemas.microsoft.com/office/drawing/2014/main" xmlns="" val="3979745752"/>
                     </a:ext>
                   </a:extLst>
                 </a:gridCol>
                 <a:gridCol w="2438400">
                   <a:extLst>
                     <a:ext uri="{9D8B030D-6E8A-4147-A177-3AD203B41FA5}">
-                      <a16:colId xmlns:a16="http://schemas.microsoft.com/office/drawing/2014/main" val="1874428086"/>
+                      <a16:colId xmlns:a16="http://schemas.microsoft.com/office/drawing/2014/main" xmlns="" val="1874428086"/>
                     </a:ext>
                   </a:extLst>
                 </a:gridCol>
@@ -5572,7 +5616,7 @@
                 </a:tc>
                 <a:extLst>
                   <a:ext uri="{0D108BD9-81ED-4DB2-BD59-A6C34878D82A}">
-                    <a16:rowId xmlns:a16="http://schemas.microsoft.com/office/drawing/2014/main" val="1854516814"/>
+                    <a16:rowId xmlns:a16="http://schemas.microsoft.com/office/drawing/2014/main" xmlns="" val="1854516814"/>
                   </a:ext>
                 </a:extLst>
               </a:tr>
@@ -5585,7 +5629,7 @@
           <p:cNvPr id="2" name="Table 1">
             <a:extLst>
               <a:ext uri="{FF2B5EF4-FFF2-40B4-BE49-F238E27FC236}">
-                <a16:creationId xmlns:a16="http://schemas.microsoft.com/office/drawing/2014/main" id="{A3208DEF-10F2-4DF8-A845-D23DF818E74B}"/>
+                <a16:creationId xmlns:a16="http://schemas.microsoft.com/office/drawing/2014/main" xmlns="" id="{A3208DEF-10F2-4DF8-A845-D23DF818E74B}"/>
               </a:ext>
             </a:extLst>
           </p:cNvPr>
@@ -5614,7 +5658,7 @@
                 <a:gridCol w="12192001">
                   <a:extLst>
                     <a:ext uri="{9D8B030D-6E8A-4147-A177-3AD203B41FA5}">
-                      <a16:colId xmlns:a16="http://schemas.microsoft.com/office/drawing/2014/main" val="996877004"/>
+                      <a16:colId xmlns:a16="http://schemas.microsoft.com/office/drawing/2014/main" xmlns="" val="996877004"/>
                     </a:ext>
                   </a:extLst>
                 </a:gridCol>
@@ -5686,7 +5730,7 @@
                 </a:tc>
                 <a:extLst>
                   <a:ext uri="{0D108BD9-81ED-4DB2-BD59-A6C34878D82A}">
-                    <a16:rowId xmlns:a16="http://schemas.microsoft.com/office/drawing/2014/main" val="3549324045"/>
+                    <a16:rowId xmlns:a16="http://schemas.microsoft.com/office/drawing/2014/main" xmlns="" val="3549324045"/>
                   </a:ext>
                 </a:extLst>
               </a:tr>
@@ -5699,7 +5743,7 @@
           <p:cNvPr id="6" name="Table 5">
             <a:extLst>
               <a:ext uri="{FF2B5EF4-FFF2-40B4-BE49-F238E27FC236}">
-                <a16:creationId xmlns:a16="http://schemas.microsoft.com/office/drawing/2014/main" id="{AEA1A48F-F6F7-49B4-91CC-70312BF9A5FC}"/>
+                <a16:creationId xmlns:a16="http://schemas.microsoft.com/office/drawing/2014/main" xmlns="" id="{AEA1A48F-F6F7-49B4-91CC-70312BF9A5FC}"/>
               </a:ext>
             </a:extLst>
           </p:cNvPr>
@@ -5728,7 +5772,7 @@
                 <a:gridCol w="12191999">
                   <a:extLst>
                     <a:ext uri="{9D8B030D-6E8A-4147-A177-3AD203B41FA5}">
-                      <a16:colId xmlns:a16="http://schemas.microsoft.com/office/drawing/2014/main" val="386426642"/>
+                      <a16:colId xmlns:a16="http://schemas.microsoft.com/office/drawing/2014/main" xmlns="" val="386426642"/>
                     </a:ext>
                   </a:extLst>
                 </a:gridCol>
@@ -5802,7 +5846,7 @@
                 </a:tc>
                 <a:extLst>
                   <a:ext uri="{0D108BD9-81ED-4DB2-BD59-A6C34878D82A}">
-                    <a16:rowId xmlns:a16="http://schemas.microsoft.com/office/drawing/2014/main" val="3356301327"/>
+                    <a16:rowId xmlns:a16="http://schemas.microsoft.com/office/drawing/2014/main" xmlns="" val="3356301327"/>
                   </a:ext>
                 </a:extLst>
               </a:tr>
@@ -6040,7 +6084,7 @@
                 </a:tc>
                 <a:extLst>
                   <a:ext uri="{0D108BD9-81ED-4DB2-BD59-A6C34878D82A}">
-                    <a16:rowId xmlns:a16="http://schemas.microsoft.com/office/drawing/2014/main" val="2935879113"/>
+                    <a16:rowId xmlns:a16="http://schemas.microsoft.com/office/drawing/2014/main" xmlns="" val="2935879113"/>
                   </a:ext>
                 </a:extLst>
               </a:tr>
@@ -6053,7 +6097,7 @@
           <p:cNvPr id="5" name="Rectangle 4">
             <a:extLst>
               <a:ext uri="{FF2B5EF4-FFF2-40B4-BE49-F238E27FC236}">
-                <a16:creationId xmlns:a16="http://schemas.microsoft.com/office/drawing/2014/main" id="{1F758148-1E28-458D-9A59-3ACCBAF17484}"/>
+                <a16:creationId xmlns:a16="http://schemas.microsoft.com/office/drawing/2014/main" xmlns="" id="{1F758148-1E28-458D-9A59-3ACCBAF17484}"/>
               </a:ext>
             </a:extLst>
           </p:cNvPr>
@@ -6107,7 +6151,7 @@
           <p:cNvPr id="9" name="Rectangle 8">
             <a:extLst>
               <a:ext uri="{FF2B5EF4-FFF2-40B4-BE49-F238E27FC236}">
-                <a16:creationId xmlns:a16="http://schemas.microsoft.com/office/drawing/2014/main" id="{6FB71CCC-20C4-4481-A70A-7164539AF13D}"/>
+                <a16:creationId xmlns:a16="http://schemas.microsoft.com/office/drawing/2014/main" xmlns="" id="{6FB71CCC-20C4-4481-A70A-7164539AF13D}"/>
               </a:ext>
             </a:extLst>
           </p:cNvPr>
@@ -6161,7 +6205,7 @@
           <p:cNvPr id="10" name="Rectangle 9">
             <a:extLst>
               <a:ext uri="{FF2B5EF4-FFF2-40B4-BE49-F238E27FC236}">
-                <a16:creationId xmlns:a16="http://schemas.microsoft.com/office/drawing/2014/main" id="{803BF705-3111-4DEB-A0B1-5E96ACF18413}"/>
+                <a16:creationId xmlns:a16="http://schemas.microsoft.com/office/drawing/2014/main" xmlns="" id="{803BF705-3111-4DEB-A0B1-5E96ACF18413}"/>
               </a:ext>
             </a:extLst>
           </p:cNvPr>
@@ -6215,7 +6259,7 @@
           <p:cNvPr id="11" name="Rectangle 10">
             <a:extLst>
               <a:ext uri="{FF2B5EF4-FFF2-40B4-BE49-F238E27FC236}">
-                <a16:creationId xmlns:a16="http://schemas.microsoft.com/office/drawing/2014/main" id="{15522D93-5A20-4DD0-ACA1-FAE118376C4F}"/>
+                <a16:creationId xmlns:a16="http://schemas.microsoft.com/office/drawing/2014/main" xmlns="" id="{15522D93-5A20-4DD0-ACA1-FAE118376C4F}"/>
               </a:ext>
             </a:extLst>
           </p:cNvPr>
@@ -6269,7 +6313,7 @@
           <p:cNvPr id="12" name="Rectangle 11">
             <a:extLst>
               <a:ext uri="{FF2B5EF4-FFF2-40B4-BE49-F238E27FC236}">
-                <a16:creationId xmlns:a16="http://schemas.microsoft.com/office/drawing/2014/main" id="{90871AC8-6210-4183-B5CB-AF1CD15FEEE0}"/>
+                <a16:creationId xmlns:a16="http://schemas.microsoft.com/office/drawing/2014/main" xmlns="" id="{90871AC8-6210-4183-B5CB-AF1CD15FEEE0}"/>
               </a:ext>
             </a:extLst>
           </p:cNvPr>
@@ -6323,7 +6367,7 @@
           <p:cNvPr id="13" name="Rectangle 12">
             <a:extLst>
               <a:ext uri="{FF2B5EF4-FFF2-40B4-BE49-F238E27FC236}">
-                <a16:creationId xmlns:a16="http://schemas.microsoft.com/office/drawing/2014/main" id="{AA8DCCF1-FD78-4E4C-B570-1CE60ED2BD13}"/>
+                <a16:creationId xmlns:a16="http://schemas.microsoft.com/office/drawing/2014/main" xmlns="" id="{AA8DCCF1-FD78-4E4C-B570-1CE60ED2BD13}"/>
               </a:ext>
             </a:extLst>
           </p:cNvPr>
@@ -6377,7 +6421,7 @@
           <p:cNvPr id="17" name="Group 16">
             <a:extLst>
               <a:ext uri="{FF2B5EF4-FFF2-40B4-BE49-F238E27FC236}">
-                <a16:creationId xmlns:a16="http://schemas.microsoft.com/office/drawing/2014/main" id="{DDC99A65-04BC-49D0-94FC-5EAEA3A383C4}"/>
+                <a16:creationId xmlns:a16="http://schemas.microsoft.com/office/drawing/2014/main" xmlns="" id="{DDC99A65-04BC-49D0-94FC-5EAEA3A383C4}"/>
               </a:ext>
             </a:extLst>
           </p:cNvPr>
@@ -6397,7 +6441,7 @@
             <p:cNvPr id="14" name="Straight Connector 13">
               <a:extLst>
                 <a:ext uri="{FF2B5EF4-FFF2-40B4-BE49-F238E27FC236}">
-                  <a16:creationId xmlns:a16="http://schemas.microsoft.com/office/drawing/2014/main" id="{3CC0E307-720A-41F9-AE21-5005A7241E7F}"/>
+                  <a16:creationId xmlns:a16="http://schemas.microsoft.com/office/drawing/2014/main" xmlns="" id="{3CC0E307-720A-41F9-AE21-5005A7241E7F}"/>
                 </a:ext>
               </a:extLst>
             </p:cNvPr>
@@ -6438,7 +6482,7 @@
             <p:cNvPr id="16" name="Straight Connector 15">
               <a:extLst>
                 <a:ext uri="{FF2B5EF4-FFF2-40B4-BE49-F238E27FC236}">
-                  <a16:creationId xmlns:a16="http://schemas.microsoft.com/office/drawing/2014/main" id="{C0A54E8B-34BA-47BE-9C13-9BE523594EB5}"/>
+                  <a16:creationId xmlns:a16="http://schemas.microsoft.com/office/drawing/2014/main" xmlns="" id="{C0A54E8B-34BA-47BE-9C13-9BE523594EB5}"/>
                 </a:ext>
               </a:extLst>
             </p:cNvPr>
@@ -6480,7 +6524,7 @@
           <p:cNvPr id="19" name="Table 18">
             <a:extLst>
               <a:ext uri="{FF2B5EF4-FFF2-40B4-BE49-F238E27FC236}">
-                <a16:creationId xmlns:a16="http://schemas.microsoft.com/office/drawing/2014/main" id="{8A329936-5322-47A6-BD21-E70CFB07EA56}"/>
+                <a16:creationId xmlns:a16="http://schemas.microsoft.com/office/drawing/2014/main" xmlns="" id="{8A329936-5322-47A6-BD21-E70CFB07EA56}"/>
               </a:ext>
             </a:extLst>
           </p:cNvPr>
@@ -6509,7 +6553,7 @@
                 <a:gridCol w="12191999">
                   <a:extLst>
                     <a:ext uri="{9D8B030D-6E8A-4147-A177-3AD203B41FA5}">
-                      <a16:colId xmlns:a16="http://schemas.microsoft.com/office/drawing/2014/main" val="386426642"/>
+                      <a16:colId xmlns:a16="http://schemas.microsoft.com/office/drawing/2014/main" xmlns="" val="386426642"/>
                     </a:ext>
                   </a:extLst>
                 </a:gridCol>
@@ -6583,7 +6627,7 @@
                 </a:tc>
                 <a:extLst>
                   <a:ext uri="{0D108BD9-81ED-4DB2-BD59-A6C34878D82A}">
-                    <a16:rowId xmlns:a16="http://schemas.microsoft.com/office/drawing/2014/main" val="3356301327"/>
+                    <a16:rowId xmlns:a16="http://schemas.microsoft.com/office/drawing/2014/main" xmlns="" val="3356301327"/>
                   </a:ext>
                 </a:extLst>
               </a:tr>
@@ -6675,7 +6719,7 @@
                 </a:tc>
                 <a:extLst>
                   <a:ext uri="{0D108BD9-81ED-4DB2-BD59-A6C34878D82A}">
-                    <a16:rowId xmlns:a16="http://schemas.microsoft.com/office/drawing/2014/main" val="2695701007"/>
+                    <a16:rowId xmlns:a16="http://schemas.microsoft.com/office/drawing/2014/main" xmlns="" val="2695701007"/>
                   </a:ext>
                 </a:extLst>
               </a:tr>
@@ -6789,7 +6833,7 @@
                 </a:tc>
                 <a:extLst>
                   <a:ext uri="{0D108BD9-81ED-4DB2-BD59-A6C34878D82A}">
-                    <a16:rowId xmlns:a16="http://schemas.microsoft.com/office/drawing/2014/main" val="2935879113"/>
+                    <a16:rowId xmlns:a16="http://schemas.microsoft.com/office/drawing/2014/main" xmlns="" val="2935879113"/>
                   </a:ext>
                 </a:extLst>
               </a:tr>
@@ -6802,7 +6846,7 @@
           <p:cNvPr id="20" name="Rectangle 19">
             <a:extLst>
               <a:ext uri="{FF2B5EF4-FFF2-40B4-BE49-F238E27FC236}">
-                <a16:creationId xmlns:a16="http://schemas.microsoft.com/office/drawing/2014/main" id="{52CEDD04-7DFB-4F5C-A6F0-898E4C8C11CA}"/>
+                <a16:creationId xmlns:a16="http://schemas.microsoft.com/office/drawing/2014/main" xmlns="" id="{52CEDD04-7DFB-4F5C-A6F0-898E4C8C11CA}"/>
               </a:ext>
             </a:extLst>
           </p:cNvPr>
@@ -6856,7 +6900,7 @@
           <p:cNvPr id="21" name="Rectangle 20">
             <a:extLst>
               <a:ext uri="{FF2B5EF4-FFF2-40B4-BE49-F238E27FC236}">
-                <a16:creationId xmlns:a16="http://schemas.microsoft.com/office/drawing/2014/main" id="{4EE78CFB-34BD-4651-8E22-175D2F356E3B}"/>
+                <a16:creationId xmlns:a16="http://schemas.microsoft.com/office/drawing/2014/main" xmlns="" id="{4EE78CFB-34BD-4651-8E22-175D2F356E3B}"/>
               </a:ext>
             </a:extLst>
           </p:cNvPr>
@@ -6910,7 +6954,7 @@
           <p:cNvPr id="27" name="Group 26">
             <a:extLst>
               <a:ext uri="{FF2B5EF4-FFF2-40B4-BE49-F238E27FC236}">
-                <a16:creationId xmlns:a16="http://schemas.microsoft.com/office/drawing/2014/main" id="{EE51CCE1-4499-4CC0-A4A1-4EB7DF7C5EC9}"/>
+                <a16:creationId xmlns:a16="http://schemas.microsoft.com/office/drawing/2014/main" xmlns="" id="{EE51CCE1-4499-4CC0-A4A1-4EB7DF7C5EC9}"/>
               </a:ext>
             </a:extLst>
           </p:cNvPr>
@@ -6930,7 +6974,7 @@
             <p:cNvPr id="28" name="Straight Connector 27">
               <a:extLst>
                 <a:ext uri="{FF2B5EF4-FFF2-40B4-BE49-F238E27FC236}">
-                  <a16:creationId xmlns:a16="http://schemas.microsoft.com/office/drawing/2014/main" id="{54BF4AA4-7806-43C9-B016-3E44BB56C374}"/>
+                  <a16:creationId xmlns:a16="http://schemas.microsoft.com/office/drawing/2014/main" xmlns="" id="{54BF4AA4-7806-43C9-B016-3E44BB56C374}"/>
                 </a:ext>
               </a:extLst>
             </p:cNvPr>
@@ -6971,7 +7015,7 @@
             <p:cNvPr id="29" name="Straight Connector 28">
               <a:extLst>
                 <a:ext uri="{FF2B5EF4-FFF2-40B4-BE49-F238E27FC236}">
-                  <a16:creationId xmlns:a16="http://schemas.microsoft.com/office/drawing/2014/main" id="{CDE7714E-A9AE-4AED-8DE4-D8A554A09BBF}"/>
+                  <a16:creationId xmlns:a16="http://schemas.microsoft.com/office/drawing/2014/main" xmlns="" id="{CDE7714E-A9AE-4AED-8DE4-D8A554A09BBF}"/>
                 </a:ext>
               </a:extLst>
             </p:cNvPr>
@@ -7013,7 +7057,7 @@
           <p:cNvPr id="7" name="Right Brace 6">
             <a:extLst>
               <a:ext uri="{FF2B5EF4-FFF2-40B4-BE49-F238E27FC236}">
-                <a16:creationId xmlns:a16="http://schemas.microsoft.com/office/drawing/2014/main" id="{00065D6B-268B-434E-9A63-3BE6A7576637}"/>
+                <a16:creationId xmlns:a16="http://schemas.microsoft.com/office/drawing/2014/main" xmlns="" id="{00065D6B-268B-434E-9A63-3BE6A7576637}"/>
               </a:ext>
             </a:extLst>
           </p:cNvPr>
@@ -7057,7 +7101,7 @@
           <p:cNvPr id="8" name="TextBox 7">
             <a:extLst>
               <a:ext uri="{FF2B5EF4-FFF2-40B4-BE49-F238E27FC236}">
-                <a16:creationId xmlns:a16="http://schemas.microsoft.com/office/drawing/2014/main" id="{28555FB6-9948-42EB-87F8-19BF7511EC90}"/>
+                <a16:creationId xmlns:a16="http://schemas.microsoft.com/office/drawing/2014/main" xmlns="" id="{28555FB6-9948-42EB-87F8-19BF7511EC90}"/>
               </a:ext>
             </a:extLst>
           </p:cNvPr>
@@ -7093,7 +7137,7 @@
           <p:cNvPr id="23" name="Graphic 22" descr="Magnifying glass">
             <a:extLst>
               <a:ext uri="{FF2B5EF4-FFF2-40B4-BE49-F238E27FC236}">
-                <a16:creationId xmlns:a16="http://schemas.microsoft.com/office/drawing/2014/main" id="{F7E3BFF2-1074-496E-8A95-20862C910E2B}"/>
+                <a16:creationId xmlns:a16="http://schemas.microsoft.com/office/drawing/2014/main" xmlns="" id="{F7E3BFF2-1074-496E-8A95-20862C910E2B}"/>
               </a:ext>
             </a:extLst>
           </p:cNvPr>
@@ -7103,13 +7147,13 @@
           <p:nvPr/>
         </p:nvPicPr>
         <p:blipFill>
-          <a:blip r:embed="rId2">
+          <a:blip r:embed="rId2" cstate="print">
             <a:extLst>
               <a:ext uri="{28A0092B-C50C-407E-A947-70E740481C1C}">
                 <a14:useLocalDpi xmlns:a14="http://schemas.microsoft.com/office/drawing/2010/main" val="0"/>
               </a:ext>
               <a:ext uri="{96DAC541-7B7A-43D3-8B79-37D633B846F1}">
-                <asvg:svgBlip xmlns:asvg="http://schemas.microsoft.com/office/drawing/2016/SVG/main" r:embed="rId3"/>
+                <asvg:svgBlip xmlns:asvg="http://schemas.microsoft.com/office/drawing/2016/SVG/main" xmlns="" r:embed="rId3"/>
               </a:ext>
             </a:extLst>
           </a:blip>
@@ -7132,7 +7176,7 @@
           <p:cNvPr id="24" name="Rectangle: Rounded Corners 23">
             <a:extLst>
               <a:ext uri="{FF2B5EF4-FFF2-40B4-BE49-F238E27FC236}">
-                <a16:creationId xmlns:a16="http://schemas.microsoft.com/office/drawing/2014/main" id="{02ED6AD4-6262-41F5-B575-547986FB6204}"/>
+                <a16:creationId xmlns:a16="http://schemas.microsoft.com/office/drawing/2014/main" xmlns="" id="{02ED6AD4-6262-41F5-B575-547986FB6204}"/>
               </a:ext>
             </a:extLst>
           </p:cNvPr>
@@ -7181,6 +7225,50 @@
           </a:p>
         </p:txBody>
       </p:sp>
+      <p:sp>
+        <p:nvSpPr>
+          <p:cNvPr id="25" name="Rectangle 24"/>
+          <p:cNvSpPr/>
+          <p:nvPr/>
+        </p:nvSpPr>
+        <p:spPr>
+          <a:xfrm>
+            <a:off x="7228935" y="584120"/>
+            <a:ext cx="1889185" cy="502834"/>
+          </a:xfrm>
+          <a:prstGeom prst="rect">
+            <a:avLst/>
+          </a:prstGeom>
+        </p:spPr>
+        <p:style>
+          <a:lnRef idx="2">
+            <a:schemeClr val="accent1">
+              <a:shade val="50000"/>
+            </a:schemeClr>
+          </a:lnRef>
+          <a:fillRef idx="1">
+            <a:schemeClr val="accent1"/>
+          </a:fillRef>
+          <a:effectRef idx="0">
+            <a:schemeClr val="accent1"/>
+          </a:effectRef>
+          <a:fontRef idx="minor">
+            <a:schemeClr val="lt1"/>
+          </a:fontRef>
+        </p:style>
+        <p:txBody>
+          <a:bodyPr rtlCol="0" anchor="ctr"/>
+          <a:lstStyle/>
+          <a:p>
+            <a:pPr algn="ctr"/>
+            <a:r>
+              <a:rPr lang="en-US" dirty="0" smtClean="0"/>
+              <a:t>COURSES NO MORE!!</a:t>
+            </a:r>
+            <a:endParaRPr lang="en-US" dirty="0"/>
+          </a:p>
+        </p:txBody>
+      </p:sp>
     </p:spTree>
     <p:extLst>
       <p:ext uri="{BB962C8B-B14F-4D97-AF65-F5344CB8AC3E}">
@@ -7216,7 +7304,7 @@
           <p:cNvPr id="4" name="TextBox 3">
             <a:extLst>
               <a:ext uri="{FF2B5EF4-FFF2-40B4-BE49-F238E27FC236}">
-                <a16:creationId xmlns:a16="http://schemas.microsoft.com/office/drawing/2014/main" id="{B4B9300C-88DF-4087-8786-D23F8D693EE8}"/>
+                <a16:creationId xmlns:a16="http://schemas.microsoft.com/office/drawing/2014/main" xmlns="" id="{B4B9300C-88DF-4087-8786-D23F8D693EE8}"/>
               </a:ext>
             </a:extLst>
           </p:cNvPr>
@@ -7262,7 +7350,7 @@
           <p:cNvPr id="3" name="Table 2">
             <a:extLst>
               <a:ext uri="{FF2B5EF4-FFF2-40B4-BE49-F238E27FC236}">
-                <a16:creationId xmlns:a16="http://schemas.microsoft.com/office/drawing/2014/main" id="{9623FBDD-806E-4511-BA5E-2BCB248DC1A9}"/>
+                <a16:creationId xmlns:a16="http://schemas.microsoft.com/office/drawing/2014/main" xmlns="" id="{9623FBDD-806E-4511-BA5E-2BCB248DC1A9}"/>
               </a:ext>
             </a:extLst>
           </p:cNvPr>
@@ -7291,35 +7379,35 @@
                 <a:gridCol w="2438400">
                   <a:extLst>
                     <a:ext uri="{9D8B030D-6E8A-4147-A177-3AD203B41FA5}">
-                      <a16:colId xmlns:a16="http://schemas.microsoft.com/office/drawing/2014/main" val="2776210492"/>
+                      <a16:colId xmlns:a16="http://schemas.microsoft.com/office/drawing/2014/main" xmlns="" val="2776210492"/>
                     </a:ext>
                   </a:extLst>
                 </a:gridCol>
                 <a:gridCol w="2438400">
                   <a:extLst>
                     <a:ext uri="{9D8B030D-6E8A-4147-A177-3AD203B41FA5}">
-                      <a16:colId xmlns:a16="http://schemas.microsoft.com/office/drawing/2014/main" val="1441918874"/>
+                      <a16:colId xmlns:a16="http://schemas.microsoft.com/office/drawing/2014/main" xmlns="" val="1441918874"/>
                     </a:ext>
                   </a:extLst>
                 </a:gridCol>
                 <a:gridCol w="2438400">
                   <a:extLst>
                     <a:ext uri="{9D8B030D-6E8A-4147-A177-3AD203B41FA5}">
-                      <a16:colId xmlns:a16="http://schemas.microsoft.com/office/drawing/2014/main" val="1107478091"/>
+                      <a16:colId xmlns:a16="http://schemas.microsoft.com/office/drawing/2014/main" xmlns="" val="1107478091"/>
                     </a:ext>
                   </a:extLst>
                 </a:gridCol>
                 <a:gridCol w="2438400">
                   <a:extLst>
                     <a:ext uri="{9D8B030D-6E8A-4147-A177-3AD203B41FA5}">
-                      <a16:colId xmlns:a16="http://schemas.microsoft.com/office/drawing/2014/main" val="3979745752"/>
+                      <a16:colId xmlns:a16="http://schemas.microsoft.com/office/drawing/2014/main" xmlns="" val="3979745752"/>
                     </a:ext>
                   </a:extLst>
                 </a:gridCol>
                 <a:gridCol w="2438400">
                   <a:extLst>
                     <a:ext uri="{9D8B030D-6E8A-4147-A177-3AD203B41FA5}">
-                      <a16:colId xmlns:a16="http://schemas.microsoft.com/office/drawing/2014/main" val="1874428086"/>
+                      <a16:colId xmlns:a16="http://schemas.microsoft.com/office/drawing/2014/main" xmlns="" val="1874428086"/>
                     </a:ext>
                   </a:extLst>
                 </a:gridCol>
@@ -7647,7 +7735,7 @@
                 </a:tc>
                 <a:extLst>
                   <a:ext uri="{0D108BD9-81ED-4DB2-BD59-A6C34878D82A}">
-                    <a16:rowId xmlns:a16="http://schemas.microsoft.com/office/drawing/2014/main" val="1854516814"/>
+                    <a16:rowId xmlns:a16="http://schemas.microsoft.com/office/drawing/2014/main" xmlns="" val="1854516814"/>
                   </a:ext>
                 </a:extLst>
               </a:tr>
@@ -7660,7 +7748,7 @@
           <p:cNvPr id="2" name="Table 1">
             <a:extLst>
               <a:ext uri="{FF2B5EF4-FFF2-40B4-BE49-F238E27FC236}">
-                <a16:creationId xmlns:a16="http://schemas.microsoft.com/office/drawing/2014/main" id="{A3208DEF-10F2-4DF8-A845-D23DF818E74B}"/>
+                <a16:creationId xmlns:a16="http://schemas.microsoft.com/office/drawing/2014/main" xmlns="" id="{A3208DEF-10F2-4DF8-A845-D23DF818E74B}"/>
               </a:ext>
             </a:extLst>
           </p:cNvPr>
@@ -7689,7 +7777,7 @@
                 <a:gridCol w="12192001">
                   <a:extLst>
                     <a:ext uri="{9D8B030D-6E8A-4147-A177-3AD203B41FA5}">
-                      <a16:colId xmlns:a16="http://schemas.microsoft.com/office/drawing/2014/main" val="996877004"/>
+                      <a16:colId xmlns:a16="http://schemas.microsoft.com/office/drawing/2014/main" xmlns="" val="996877004"/>
                     </a:ext>
                   </a:extLst>
                 </a:gridCol>
@@ -7761,7 +7849,7 @@
                 </a:tc>
                 <a:extLst>
                   <a:ext uri="{0D108BD9-81ED-4DB2-BD59-A6C34878D82A}">
-                    <a16:rowId xmlns:a16="http://schemas.microsoft.com/office/drawing/2014/main" val="3549324045"/>
+                    <a16:rowId xmlns:a16="http://schemas.microsoft.com/office/drawing/2014/main" xmlns="" val="3549324045"/>
                   </a:ext>
                 </a:extLst>
               </a:tr>
@@ -7774,7 +7862,7 @@
           <p:cNvPr id="19" name="Table 18">
             <a:extLst>
               <a:ext uri="{FF2B5EF4-FFF2-40B4-BE49-F238E27FC236}">
-                <a16:creationId xmlns:a16="http://schemas.microsoft.com/office/drawing/2014/main" id="{8A329936-5322-47A6-BD21-E70CFB07EA56}"/>
+                <a16:creationId xmlns:a16="http://schemas.microsoft.com/office/drawing/2014/main" xmlns="" id="{8A329936-5322-47A6-BD21-E70CFB07EA56}"/>
               </a:ext>
             </a:extLst>
           </p:cNvPr>
@@ -7803,7 +7891,7 @@
                 <a:gridCol w="12191999">
                   <a:extLst>
                     <a:ext uri="{9D8B030D-6E8A-4147-A177-3AD203B41FA5}">
-                      <a16:colId xmlns:a16="http://schemas.microsoft.com/office/drawing/2014/main" val="386426642"/>
+                      <a16:colId xmlns:a16="http://schemas.microsoft.com/office/drawing/2014/main" xmlns="" val="386426642"/>
                     </a:ext>
                   </a:extLst>
                 </a:gridCol>
@@ -7877,7 +7965,7 @@
                 </a:tc>
                 <a:extLst>
                   <a:ext uri="{0D108BD9-81ED-4DB2-BD59-A6C34878D82A}">
-                    <a16:rowId xmlns:a16="http://schemas.microsoft.com/office/drawing/2014/main" val="3356301327"/>
+                    <a16:rowId xmlns:a16="http://schemas.microsoft.com/office/drawing/2014/main" xmlns="" val="3356301327"/>
                   </a:ext>
                 </a:extLst>
               </a:tr>
@@ -7969,7 +8057,7 @@
                 </a:tc>
                 <a:extLst>
                   <a:ext uri="{0D108BD9-81ED-4DB2-BD59-A6C34878D82A}">
-                    <a16:rowId xmlns:a16="http://schemas.microsoft.com/office/drawing/2014/main" val="2695701007"/>
+                    <a16:rowId xmlns:a16="http://schemas.microsoft.com/office/drawing/2014/main" xmlns="" val="2695701007"/>
                   </a:ext>
                 </a:extLst>
               </a:tr>
@@ -8061,7 +8149,7 @@
                 </a:tc>
                 <a:extLst>
                   <a:ext uri="{0D108BD9-81ED-4DB2-BD59-A6C34878D82A}">
-                    <a16:rowId xmlns:a16="http://schemas.microsoft.com/office/drawing/2014/main" val="2623363534"/>
+                    <a16:rowId xmlns:a16="http://schemas.microsoft.com/office/drawing/2014/main" xmlns="" val="2623363534"/>
                   </a:ext>
                 </a:extLst>
               </a:tr>
@@ -8187,7 +8275,7 @@
                 </a:tc>
                 <a:extLst>
                   <a:ext uri="{0D108BD9-81ED-4DB2-BD59-A6C34878D82A}">
-                    <a16:rowId xmlns:a16="http://schemas.microsoft.com/office/drawing/2014/main" val="2935879113"/>
+                    <a16:rowId xmlns:a16="http://schemas.microsoft.com/office/drawing/2014/main" xmlns="" val="2935879113"/>
                   </a:ext>
                 </a:extLst>
               </a:tr>
@@ -8264,7 +8352,7 @@
                 </a:tc>
                 <a:extLst>
                   <a:ext uri="{0D108BD9-81ED-4DB2-BD59-A6C34878D82A}">
-                    <a16:rowId xmlns:a16="http://schemas.microsoft.com/office/drawing/2014/main" val="1004184249"/>
+                    <a16:rowId xmlns:a16="http://schemas.microsoft.com/office/drawing/2014/main" xmlns="" val="1004184249"/>
                   </a:ext>
                 </a:extLst>
               </a:tr>
@@ -8333,7 +8421,7 @@
                 </a:tc>
                 <a:extLst>
                   <a:ext uri="{0D108BD9-81ED-4DB2-BD59-A6C34878D82A}">
-                    <a16:rowId xmlns:a16="http://schemas.microsoft.com/office/drawing/2014/main" val="1670185651"/>
+                    <a16:rowId xmlns:a16="http://schemas.microsoft.com/office/drawing/2014/main" xmlns="" val="1670185651"/>
                   </a:ext>
                 </a:extLst>
               </a:tr>
@@ -8346,7 +8434,7 @@
           <p:cNvPr id="6" name="Graphic 5" descr="Magnifying glass">
             <a:extLst>
               <a:ext uri="{FF2B5EF4-FFF2-40B4-BE49-F238E27FC236}">
-                <a16:creationId xmlns:a16="http://schemas.microsoft.com/office/drawing/2014/main" id="{719922AD-B7E1-4FD5-8887-08D5BE80CC57}"/>
+                <a16:creationId xmlns:a16="http://schemas.microsoft.com/office/drawing/2014/main" xmlns="" id="{719922AD-B7E1-4FD5-8887-08D5BE80CC57}"/>
               </a:ext>
             </a:extLst>
           </p:cNvPr>
@@ -8356,13 +8444,13 @@
           <p:nvPr/>
         </p:nvPicPr>
         <p:blipFill>
-          <a:blip r:embed="rId2">
+          <a:blip r:embed="rId2" cstate="print">
             <a:extLst>
               <a:ext uri="{28A0092B-C50C-407E-A947-70E740481C1C}">
                 <a14:useLocalDpi xmlns:a14="http://schemas.microsoft.com/office/drawing/2010/main" val="0"/>
               </a:ext>
               <a:ext uri="{96DAC541-7B7A-43D3-8B79-37D633B846F1}">
-                <asvg:svgBlip xmlns:asvg="http://schemas.microsoft.com/office/drawing/2016/SVG/main" r:embed="rId3"/>
+                <asvg:svgBlip xmlns:asvg="http://schemas.microsoft.com/office/drawing/2016/SVG/main" xmlns="" r:embed="rId3"/>
               </a:ext>
             </a:extLst>
           </a:blip>
@@ -8385,7 +8473,7 @@
           <p:cNvPr id="7" name="Rectangle: Rounded Corners 6">
             <a:extLst>
               <a:ext uri="{FF2B5EF4-FFF2-40B4-BE49-F238E27FC236}">
-                <a16:creationId xmlns:a16="http://schemas.microsoft.com/office/drawing/2014/main" id="{CABF9BC5-29BC-4B7C-B167-8300E73C94C3}"/>
+                <a16:creationId xmlns:a16="http://schemas.microsoft.com/office/drawing/2014/main" xmlns="" id="{CABF9BC5-29BC-4B7C-B167-8300E73C94C3}"/>
               </a:ext>
             </a:extLst>
           </p:cNvPr>
@@ -8434,6 +8522,50 @@
           </a:p>
         </p:txBody>
       </p:sp>
+      <p:sp>
+        <p:nvSpPr>
+          <p:cNvPr id="8" name="Rectangle 7"/>
+          <p:cNvSpPr/>
+          <p:nvPr/>
+        </p:nvSpPr>
+        <p:spPr>
+          <a:xfrm>
+            <a:off x="7228935" y="584120"/>
+            <a:ext cx="1889185" cy="502834"/>
+          </a:xfrm>
+          <a:prstGeom prst="rect">
+            <a:avLst/>
+          </a:prstGeom>
+        </p:spPr>
+        <p:style>
+          <a:lnRef idx="2">
+            <a:schemeClr val="accent1">
+              <a:shade val="50000"/>
+            </a:schemeClr>
+          </a:lnRef>
+          <a:fillRef idx="1">
+            <a:schemeClr val="accent1"/>
+          </a:fillRef>
+          <a:effectRef idx="0">
+            <a:schemeClr val="accent1"/>
+          </a:effectRef>
+          <a:fontRef idx="minor">
+            <a:schemeClr val="lt1"/>
+          </a:fontRef>
+        </p:style>
+        <p:txBody>
+          <a:bodyPr rtlCol="0" anchor="ctr"/>
+          <a:lstStyle/>
+          <a:p>
+            <a:pPr algn="ctr"/>
+            <a:r>
+              <a:rPr lang="en-US" dirty="0" smtClean="0"/>
+              <a:t>COURSES NO MORE!!</a:t>
+            </a:r>
+            <a:endParaRPr lang="en-US" dirty="0"/>
+          </a:p>
+        </p:txBody>
+      </p:sp>
     </p:spTree>
     <p:extLst>
       <p:ext uri="{BB962C8B-B14F-4D97-AF65-F5344CB8AC3E}">
@@ -8469,7 +8601,7 @@
           <p:cNvPr id="4" name="TextBox 3">
             <a:extLst>
               <a:ext uri="{FF2B5EF4-FFF2-40B4-BE49-F238E27FC236}">
-                <a16:creationId xmlns:a16="http://schemas.microsoft.com/office/drawing/2014/main" id="{B4B9300C-88DF-4087-8786-D23F8D693EE8}"/>
+                <a16:creationId xmlns:a16="http://schemas.microsoft.com/office/drawing/2014/main" xmlns="" id="{B4B9300C-88DF-4087-8786-D23F8D693EE8}"/>
               </a:ext>
             </a:extLst>
           </p:cNvPr>
@@ -8515,7 +8647,7 @@
           <p:cNvPr id="3" name="Table 2">
             <a:extLst>
               <a:ext uri="{FF2B5EF4-FFF2-40B4-BE49-F238E27FC236}">
-                <a16:creationId xmlns:a16="http://schemas.microsoft.com/office/drawing/2014/main" id="{9623FBDD-806E-4511-BA5E-2BCB248DC1A9}"/>
+                <a16:creationId xmlns:a16="http://schemas.microsoft.com/office/drawing/2014/main" xmlns="" id="{9623FBDD-806E-4511-BA5E-2BCB248DC1A9}"/>
               </a:ext>
             </a:extLst>
           </p:cNvPr>
@@ -8544,35 +8676,35 @@
                 <a:gridCol w="2438400">
                   <a:extLst>
                     <a:ext uri="{9D8B030D-6E8A-4147-A177-3AD203B41FA5}">
-                      <a16:colId xmlns:a16="http://schemas.microsoft.com/office/drawing/2014/main" val="2776210492"/>
+                      <a16:colId xmlns:a16="http://schemas.microsoft.com/office/drawing/2014/main" xmlns="" val="2776210492"/>
                     </a:ext>
                   </a:extLst>
                 </a:gridCol>
                 <a:gridCol w="2438400">
                   <a:extLst>
                     <a:ext uri="{9D8B030D-6E8A-4147-A177-3AD203B41FA5}">
-                      <a16:colId xmlns:a16="http://schemas.microsoft.com/office/drawing/2014/main" val="1441918874"/>
+                      <a16:colId xmlns:a16="http://schemas.microsoft.com/office/drawing/2014/main" xmlns="" val="1441918874"/>
                     </a:ext>
                   </a:extLst>
                 </a:gridCol>
                 <a:gridCol w="2438400">
                   <a:extLst>
                     <a:ext uri="{9D8B030D-6E8A-4147-A177-3AD203B41FA5}">
-                      <a16:colId xmlns:a16="http://schemas.microsoft.com/office/drawing/2014/main" val="1107478091"/>
+                      <a16:colId xmlns:a16="http://schemas.microsoft.com/office/drawing/2014/main" xmlns="" val="1107478091"/>
                     </a:ext>
                   </a:extLst>
                 </a:gridCol>
                 <a:gridCol w="2438400">
                   <a:extLst>
                     <a:ext uri="{9D8B030D-6E8A-4147-A177-3AD203B41FA5}">
-                      <a16:colId xmlns:a16="http://schemas.microsoft.com/office/drawing/2014/main" val="3979745752"/>
+                      <a16:colId xmlns:a16="http://schemas.microsoft.com/office/drawing/2014/main" xmlns="" val="3979745752"/>
                     </a:ext>
                   </a:extLst>
                 </a:gridCol>
                 <a:gridCol w="2438400">
                   <a:extLst>
                     <a:ext uri="{9D8B030D-6E8A-4147-A177-3AD203B41FA5}">
-                      <a16:colId xmlns:a16="http://schemas.microsoft.com/office/drawing/2014/main" val="1874428086"/>
+                      <a16:colId xmlns:a16="http://schemas.microsoft.com/office/drawing/2014/main" xmlns="" val="1874428086"/>
                     </a:ext>
                   </a:extLst>
                 </a:gridCol>
@@ -8900,7 +9032,7 @@
                 </a:tc>
                 <a:extLst>
                   <a:ext uri="{0D108BD9-81ED-4DB2-BD59-A6C34878D82A}">
-                    <a16:rowId xmlns:a16="http://schemas.microsoft.com/office/drawing/2014/main" val="1854516814"/>
+                    <a16:rowId xmlns:a16="http://schemas.microsoft.com/office/drawing/2014/main" xmlns="" val="1854516814"/>
                   </a:ext>
                 </a:extLst>
               </a:tr>
@@ -8913,7 +9045,7 @@
           <p:cNvPr id="2" name="Table 1">
             <a:extLst>
               <a:ext uri="{FF2B5EF4-FFF2-40B4-BE49-F238E27FC236}">
-                <a16:creationId xmlns:a16="http://schemas.microsoft.com/office/drawing/2014/main" id="{A3208DEF-10F2-4DF8-A845-D23DF818E74B}"/>
+                <a16:creationId xmlns:a16="http://schemas.microsoft.com/office/drawing/2014/main" xmlns="" id="{A3208DEF-10F2-4DF8-A845-D23DF818E74B}"/>
               </a:ext>
             </a:extLst>
           </p:cNvPr>
@@ -8938,7 +9070,7 @@
                 <a:gridCol w="12192001">
                   <a:extLst>
                     <a:ext uri="{9D8B030D-6E8A-4147-A177-3AD203B41FA5}">
-                      <a16:colId xmlns:a16="http://schemas.microsoft.com/office/drawing/2014/main" val="996877004"/>
+                      <a16:colId xmlns:a16="http://schemas.microsoft.com/office/drawing/2014/main" xmlns="" val="996877004"/>
                     </a:ext>
                   </a:extLst>
                 </a:gridCol>
@@ -9010,7 +9142,7 @@
                 </a:tc>
                 <a:extLst>
                   <a:ext uri="{0D108BD9-81ED-4DB2-BD59-A6C34878D82A}">
-                    <a16:rowId xmlns:a16="http://schemas.microsoft.com/office/drawing/2014/main" val="3549324045"/>
+                    <a16:rowId xmlns:a16="http://schemas.microsoft.com/office/drawing/2014/main" xmlns="" val="3549324045"/>
                   </a:ext>
                 </a:extLst>
               </a:tr>
@@ -9023,7 +9155,7 @@
           <p:cNvPr id="19" name="Table 18">
             <a:extLst>
               <a:ext uri="{FF2B5EF4-FFF2-40B4-BE49-F238E27FC236}">
-                <a16:creationId xmlns:a16="http://schemas.microsoft.com/office/drawing/2014/main" id="{8A329936-5322-47A6-BD21-E70CFB07EA56}"/>
+                <a16:creationId xmlns:a16="http://schemas.microsoft.com/office/drawing/2014/main" xmlns="" id="{8A329936-5322-47A6-BD21-E70CFB07EA56}"/>
               </a:ext>
             </a:extLst>
           </p:cNvPr>
@@ -9052,7 +9184,7 @@
                 <a:gridCol w="12191999">
                   <a:extLst>
                     <a:ext uri="{9D8B030D-6E8A-4147-A177-3AD203B41FA5}">
-                      <a16:colId xmlns:a16="http://schemas.microsoft.com/office/drawing/2014/main" val="386426642"/>
+                      <a16:colId xmlns:a16="http://schemas.microsoft.com/office/drawing/2014/main" xmlns="" val="386426642"/>
                     </a:ext>
                   </a:extLst>
                 </a:gridCol>
@@ -9126,7 +9258,7 @@
                 </a:tc>
                 <a:extLst>
                   <a:ext uri="{0D108BD9-81ED-4DB2-BD59-A6C34878D82A}">
-                    <a16:rowId xmlns:a16="http://schemas.microsoft.com/office/drawing/2014/main" val="3356301327"/>
+                    <a16:rowId xmlns:a16="http://schemas.microsoft.com/office/drawing/2014/main" xmlns="" val="3356301327"/>
                   </a:ext>
                 </a:extLst>
               </a:tr>
@@ -9218,7 +9350,7 @@
                 </a:tc>
                 <a:extLst>
                   <a:ext uri="{0D108BD9-81ED-4DB2-BD59-A6C34878D82A}">
-                    <a16:rowId xmlns:a16="http://schemas.microsoft.com/office/drawing/2014/main" val="2695701007"/>
+                    <a16:rowId xmlns:a16="http://schemas.microsoft.com/office/drawing/2014/main" xmlns="" val="2695701007"/>
                   </a:ext>
                 </a:extLst>
               </a:tr>
@@ -9369,7 +9501,7 @@
                 </a:tc>
                 <a:extLst>
                   <a:ext uri="{0D108BD9-81ED-4DB2-BD59-A6C34878D82A}">
-                    <a16:rowId xmlns:a16="http://schemas.microsoft.com/office/drawing/2014/main" val="2935879113"/>
+                    <a16:rowId xmlns:a16="http://schemas.microsoft.com/office/drawing/2014/main" xmlns="" val="2935879113"/>
                   </a:ext>
                 </a:extLst>
               </a:tr>
@@ -9426,7 +9558,7 @@
                 </a:tc>
                 <a:extLst>
                   <a:ext uri="{0D108BD9-81ED-4DB2-BD59-A6C34878D82A}">
-                    <a16:rowId xmlns:a16="http://schemas.microsoft.com/office/drawing/2014/main" val="1004184249"/>
+                    <a16:rowId xmlns:a16="http://schemas.microsoft.com/office/drawing/2014/main" xmlns="" val="1004184249"/>
                   </a:ext>
                 </a:extLst>
               </a:tr>
@@ -9439,7 +9571,7 @@
           <p:cNvPr id="6" name="Graphic 5" descr="Magnifying glass">
             <a:extLst>
               <a:ext uri="{FF2B5EF4-FFF2-40B4-BE49-F238E27FC236}">
-                <a16:creationId xmlns:a16="http://schemas.microsoft.com/office/drawing/2014/main" id="{363C99B6-B472-434E-AB31-B082BABBAA82}"/>
+                <a16:creationId xmlns:a16="http://schemas.microsoft.com/office/drawing/2014/main" xmlns="" id="{363C99B6-B472-434E-AB31-B082BABBAA82}"/>
               </a:ext>
             </a:extLst>
           </p:cNvPr>
@@ -9449,13 +9581,13 @@
           <p:nvPr/>
         </p:nvPicPr>
         <p:blipFill>
-          <a:blip r:embed="rId3">
+          <a:blip r:embed="rId3" cstate="print">
             <a:extLst>
               <a:ext uri="{28A0092B-C50C-407E-A947-70E740481C1C}">
                 <a14:useLocalDpi xmlns:a14="http://schemas.microsoft.com/office/drawing/2010/main" val="0"/>
               </a:ext>
               <a:ext uri="{96DAC541-7B7A-43D3-8B79-37D633B846F1}">
-                <asvg:svgBlip xmlns:asvg="http://schemas.microsoft.com/office/drawing/2016/SVG/main" r:embed="rId4"/>
+                <asvg:svgBlip xmlns:asvg="http://schemas.microsoft.com/office/drawing/2016/SVG/main" xmlns="" r:embed="rId4"/>
               </a:ext>
             </a:extLst>
           </a:blip>
@@ -9478,7 +9610,7 @@
           <p:cNvPr id="7" name="Rectangle: Rounded Corners 6">
             <a:extLst>
               <a:ext uri="{FF2B5EF4-FFF2-40B4-BE49-F238E27FC236}">
-                <a16:creationId xmlns:a16="http://schemas.microsoft.com/office/drawing/2014/main" id="{08DB14EF-5DDD-4C13-9C61-3A2454E77D4F}"/>
+                <a16:creationId xmlns:a16="http://schemas.microsoft.com/office/drawing/2014/main" xmlns="" id="{08DB14EF-5DDD-4C13-9C61-3A2454E77D4F}"/>
               </a:ext>
             </a:extLst>
           </p:cNvPr>
@@ -9527,6 +9659,50 @@
           </a:p>
         </p:txBody>
       </p:sp>
+      <p:sp>
+        <p:nvSpPr>
+          <p:cNvPr id="8" name="Rectangle 7"/>
+          <p:cNvSpPr/>
+          <p:nvPr/>
+        </p:nvSpPr>
+        <p:spPr>
+          <a:xfrm>
+            <a:off x="7228935" y="584120"/>
+            <a:ext cx="1889185" cy="502834"/>
+          </a:xfrm>
+          <a:prstGeom prst="rect">
+            <a:avLst/>
+          </a:prstGeom>
+        </p:spPr>
+        <p:style>
+          <a:lnRef idx="2">
+            <a:schemeClr val="accent1">
+              <a:shade val="50000"/>
+            </a:schemeClr>
+          </a:lnRef>
+          <a:fillRef idx="1">
+            <a:schemeClr val="accent1"/>
+          </a:fillRef>
+          <a:effectRef idx="0">
+            <a:schemeClr val="accent1"/>
+          </a:effectRef>
+          <a:fontRef idx="minor">
+            <a:schemeClr val="lt1"/>
+          </a:fontRef>
+        </p:style>
+        <p:txBody>
+          <a:bodyPr rtlCol="0" anchor="ctr"/>
+          <a:lstStyle/>
+          <a:p>
+            <a:pPr algn="ctr"/>
+            <a:r>
+              <a:rPr lang="en-US" dirty="0" smtClean="0"/>
+              <a:t>COURSES NO MORE!!</a:t>
+            </a:r>
+            <a:endParaRPr lang="en-US" dirty="0"/>
+          </a:p>
+        </p:txBody>
+      </p:sp>
     </p:spTree>
     <p:extLst>
       <p:ext uri="{BB962C8B-B14F-4D97-AF65-F5344CB8AC3E}">
@@ -9562,7 +9738,7 @@
           <p:cNvPr id="4" name="TextBox 3">
             <a:extLst>
               <a:ext uri="{FF2B5EF4-FFF2-40B4-BE49-F238E27FC236}">
-                <a16:creationId xmlns:a16="http://schemas.microsoft.com/office/drawing/2014/main" id="{B4B9300C-88DF-4087-8786-D23F8D693EE8}"/>
+                <a16:creationId xmlns:a16="http://schemas.microsoft.com/office/drawing/2014/main" xmlns="" id="{B4B9300C-88DF-4087-8786-D23F8D693EE8}"/>
               </a:ext>
             </a:extLst>
           </p:cNvPr>
@@ -9608,7 +9784,7 @@
           <p:cNvPr id="3" name="Table 2">
             <a:extLst>
               <a:ext uri="{FF2B5EF4-FFF2-40B4-BE49-F238E27FC236}">
-                <a16:creationId xmlns:a16="http://schemas.microsoft.com/office/drawing/2014/main" id="{9623FBDD-806E-4511-BA5E-2BCB248DC1A9}"/>
+                <a16:creationId xmlns:a16="http://schemas.microsoft.com/office/drawing/2014/main" xmlns="" id="{9623FBDD-806E-4511-BA5E-2BCB248DC1A9}"/>
               </a:ext>
             </a:extLst>
           </p:cNvPr>
@@ -9637,35 +9813,35 @@
                 <a:gridCol w="2438400">
                   <a:extLst>
                     <a:ext uri="{9D8B030D-6E8A-4147-A177-3AD203B41FA5}">
-                      <a16:colId xmlns:a16="http://schemas.microsoft.com/office/drawing/2014/main" val="2776210492"/>
+                      <a16:colId xmlns:a16="http://schemas.microsoft.com/office/drawing/2014/main" xmlns="" val="2776210492"/>
                     </a:ext>
                   </a:extLst>
                 </a:gridCol>
                 <a:gridCol w="2438400">
                   <a:extLst>
                     <a:ext uri="{9D8B030D-6E8A-4147-A177-3AD203B41FA5}">
-                      <a16:colId xmlns:a16="http://schemas.microsoft.com/office/drawing/2014/main" val="1441918874"/>
+                      <a16:colId xmlns:a16="http://schemas.microsoft.com/office/drawing/2014/main" xmlns="" val="1441918874"/>
                     </a:ext>
                   </a:extLst>
                 </a:gridCol>
                 <a:gridCol w="2438400">
                   <a:extLst>
                     <a:ext uri="{9D8B030D-6E8A-4147-A177-3AD203B41FA5}">
-                      <a16:colId xmlns:a16="http://schemas.microsoft.com/office/drawing/2014/main" val="1107478091"/>
+                      <a16:colId xmlns:a16="http://schemas.microsoft.com/office/drawing/2014/main" xmlns="" val="1107478091"/>
                     </a:ext>
                   </a:extLst>
                 </a:gridCol>
                 <a:gridCol w="2438400">
                   <a:extLst>
                     <a:ext uri="{9D8B030D-6E8A-4147-A177-3AD203B41FA5}">
-                      <a16:colId xmlns:a16="http://schemas.microsoft.com/office/drawing/2014/main" val="3979745752"/>
+                      <a16:colId xmlns:a16="http://schemas.microsoft.com/office/drawing/2014/main" xmlns="" val="3979745752"/>
                     </a:ext>
                   </a:extLst>
                 </a:gridCol>
                 <a:gridCol w="2438400">
                   <a:extLst>
                     <a:ext uri="{9D8B030D-6E8A-4147-A177-3AD203B41FA5}">
-                      <a16:colId xmlns:a16="http://schemas.microsoft.com/office/drawing/2014/main" val="1874428086"/>
+                      <a16:colId xmlns:a16="http://schemas.microsoft.com/office/drawing/2014/main" xmlns="" val="1874428086"/>
                     </a:ext>
                   </a:extLst>
                 </a:gridCol>
@@ -9993,7 +10169,7 @@
                 </a:tc>
                 <a:extLst>
                   <a:ext uri="{0D108BD9-81ED-4DB2-BD59-A6C34878D82A}">
-                    <a16:rowId xmlns:a16="http://schemas.microsoft.com/office/drawing/2014/main" val="1854516814"/>
+                    <a16:rowId xmlns:a16="http://schemas.microsoft.com/office/drawing/2014/main" xmlns="" val="1854516814"/>
                   </a:ext>
                 </a:extLst>
               </a:tr>
@@ -10006,7 +10182,7 @@
           <p:cNvPr id="2" name="Table 1">
             <a:extLst>
               <a:ext uri="{FF2B5EF4-FFF2-40B4-BE49-F238E27FC236}">
-                <a16:creationId xmlns:a16="http://schemas.microsoft.com/office/drawing/2014/main" id="{A3208DEF-10F2-4DF8-A845-D23DF818E74B}"/>
+                <a16:creationId xmlns:a16="http://schemas.microsoft.com/office/drawing/2014/main" xmlns="" id="{A3208DEF-10F2-4DF8-A845-D23DF818E74B}"/>
               </a:ext>
             </a:extLst>
           </p:cNvPr>
@@ -10035,7 +10211,7 @@
                 <a:gridCol w="12192001">
                   <a:extLst>
                     <a:ext uri="{9D8B030D-6E8A-4147-A177-3AD203B41FA5}">
-                      <a16:colId xmlns:a16="http://schemas.microsoft.com/office/drawing/2014/main" val="996877004"/>
+                      <a16:colId xmlns:a16="http://schemas.microsoft.com/office/drawing/2014/main" xmlns="" val="996877004"/>
                     </a:ext>
                   </a:extLst>
                 </a:gridCol>
@@ -10107,7 +10283,7 @@
                 </a:tc>
                 <a:extLst>
                   <a:ext uri="{0D108BD9-81ED-4DB2-BD59-A6C34878D82A}">
-                    <a16:rowId xmlns:a16="http://schemas.microsoft.com/office/drawing/2014/main" val="3549324045"/>
+                    <a16:rowId xmlns:a16="http://schemas.microsoft.com/office/drawing/2014/main" xmlns="" val="3549324045"/>
                   </a:ext>
                 </a:extLst>
               </a:tr>
@@ -10120,7 +10296,7 @@
           <p:cNvPr id="6" name="Table 5">
             <a:extLst>
               <a:ext uri="{FF2B5EF4-FFF2-40B4-BE49-F238E27FC236}">
-                <a16:creationId xmlns:a16="http://schemas.microsoft.com/office/drawing/2014/main" id="{EE0F2CF1-F4DE-4F52-9095-0CFCD6531484}"/>
+                <a16:creationId xmlns:a16="http://schemas.microsoft.com/office/drawing/2014/main" xmlns="" id="{EE0F2CF1-F4DE-4F52-9095-0CFCD6531484}"/>
               </a:ext>
             </a:extLst>
           </p:cNvPr>
@@ -10149,7 +10325,7 @@
                 <a:gridCol w="12191999">
                   <a:extLst>
                     <a:ext uri="{9D8B030D-6E8A-4147-A177-3AD203B41FA5}">
-                      <a16:colId xmlns:a16="http://schemas.microsoft.com/office/drawing/2014/main" val="386426642"/>
+                      <a16:colId xmlns:a16="http://schemas.microsoft.com/office/drawing/2014/main" xmlns="" val="386426642"/>
                     </a:ext>
                   </a:extLst>
                 </a:gridCol>
@@ -10223,7 +10399,7 @@
                 </a:tc>
                 <a:extLst>
                   <a:ext uri="{0D108BD9-81ED-4DB2-BD59-A6C34878D82A}">
-                    <a16:rowId xmlns:a16="http://schemas.microsoft.com/office/drawing/2014/main" val="3356301327"/>
+                    <a16:rowId xmlns:a16="http://schemas.microsoft.com/office/drawing/2014/main" xmlns="" val="3356301327"/>
                   </a:ext>
                 </a:extLst>
               </a:tr>
@@ -10315,7 +10491,7 @@
                 </a:tc>
                 <a:extLst>
                   <a:ext uri="{0D108BD9-81ED-4DB2-BD59-A6C34878D82A}">
-                    <a16:rowId xmlns:a16="http://schemas.microsoft.com/office/drawing/2014/main" val="2695701007"/>
+                    <a16:rowId xmlns:a16="http://schemas.microsoft.com/office/drawing/2014/main" xmlns="" val="2695701007"/>
                   </a:ext>
                 </a:extLst>
               </a:tr>
@@ -10408,7 +10584,7 @@
                 </a:tc>
                 <a:extLst>
                   <a:ext uri="{0D108BD9-81ED-4DB2-BD59-A6C34878D82A}">
-                    <a16:rowId xmlns:a16="http://schemas.microsoft.com/office/drawing/2014/main" val="2935879113"/>
+                    <a16:rowId xmlns:a16="http://schemas.microsoft.com/office/drawing/2014/main" xmlns="" val="2935879113"/>
                   </a:ext>
                 </a:extLst>
               </a:tr>
@@ -10416,6 +10592,50 @@
           </a:graphicData>
         </a:graphic>
       </p:graphicFrame>
+      <p:sp>
+        <p:nvSpPr>
+          <p:cNvPr id="7" name="Rectangle 6"/>
+          <p:cNvSpPr/>
+          <p:nvPr/>
+        </p:nvSpPr>
+        <p:spPr>
+          <a:xfrm>
+            <a:off x="7228935" y="584120"/>
+            <a:ext cx="1889185" cy="502834"/>
+          </a:xfrm>
+          <a:prstGeom prst="rect">
+            <a:avLst/>
+          </a:prstGeom>
+        </p:spPr>
+        <p:style>
+          <a:lnRef idx="2">
+            <a:schemeClr val="accent1">
+              <a:shade val="50000"/>
+            </a:schemeClr>
+          </a:lnRef>
+          <a:fillRef idx="1">
+            <a:schemeClr val="accent1"/>
+          </a:fillRef>
+          <a:effectRef idx="0">
+            <a:schemeClr val="accent1"/>
+          </a:effectRef>
+          <a:fontRef idx="minor">
+            <a:schemeClr val="lt1"/>
+          </a:fontRef>
+        </p:style>
+        <p:txBody>
+          <a:bodyPr rtlCol="0" anchor="ctr"/>
+          <a:lstStyle/>
+          <a:p>
+            <a:pPr algn="ctr"/>
+            <a:r>
+              <a:rPr lang="en-US" dirty="0" smtClean="0"/>
+              <a:t>COURSES NO MORE!!</a:t>
+            </a:r>
+            <a:endParaRPr lang="en-US" dirty="0"/>
+          </a:p>
+        </p:txBody>
+      </p:sp>
     </p:spTree>
     <p:extLst>
       <p:ext uri="{BB962C8B-B14F-4D97-AF65-F5344CB8AC3E}">
@@ -10718,7 +10938,7 @@
   <a:extraClrSchemeLst/>
   <a:extLst>
     <a:ext uri="{05A4C25C-085E-4340-85A3-A5531E510DB2}">
-      <thm15:themeFamily xmlns:thm15="http://schemas.microsoft.com/office/thememl/2012/main" name="Office Theme" id="{62F939B6-93AF-4DB8-9C6B-D6C7DFDC589F}" vid="{4A3C46E8-61CC-4603-A589-7422A47A8E4A}"/>
+      <thm15:themeFamily xmlns:thm15="http://schemas.microsoft.com/office/thememl/2012/main" xmlns="" name="Office Theme" id="{62F939B6-93AF-4DB8-9C6B-D6C7DFDC589F}" vid="{4A3C46E8-61CC-4603-A589-7422A47A8E4A}"/>
     </a:ext>
   </a:extLst>
 </a:theme>

--- a/screens.pptx
+++ b/screens.pptx
@@ -13645,7 +13645,7 @@
           <a:p>
             <a:fld id="{00791689-1FA3-4096-A498-9F8277E8D064}" type="datetimeFigureOut">
               <a:rPr lang="en-US" smtClean="0"/>
-              <a:t>10/18/2018</a:t>
+              <a:t>10/19/2018</a:t>
             </a:fld>
             <a:endParaRPr lang="en-US"/>
           </a:p>
@@ -18708,7 +18708,7 @@
         <p:spPr>
           <a:xfrm>
             <a:off x="-13407" y="1571685"/>
-            <a:ext cx="9143999" cy="4524315"/>
+            <a:ext cx="9143999" cy="4739759"/>
           </a:xfrm>
           <a:prstGeom prst="rect">
             <a:avLst/>
@@ -18876,72 +18876,95 @@
             </a:br>
             <a:r>
               <a:rPr lang="es-ES" sz="1400" dirty="0" smtClean="0">
-                <a:latin typeface="Bahnschrift" panose="020B0502040204020203" pitchFamily="34" charset="0"/>
+                <a:latin typeface="Bahnschrift Light" panose="020B0502040204020203" pitchFamily="34" charset="0"/>
               </a:rPr>
               <a:t>E-mail: </a:t>
             </a:r>
             <a:r>
               <a:rPr lang="es-ES" sz="1400" dirty="0" smtClean="0">
-                <a:latin typeface="Bahnschrift" panose="020B0502040204020203" pitchFamily="34" charset="0"/>
+                <a:latin typeface="Bahnschrift Light" panose="020B0502040204020203" pitchFamily="34" charset="0"/>
                 <a:hlinkClick r:id="rId2"/>
               </a:rPr>
               <a:t>osmarbriones@outlook.com</a:t>
             </a:r>
             <a:r>
               <a:rPr lang="es-ES" sz="1400" dirty="0" smtClean="0">
-                <a:latin typeface="Bahnschrift" panose="020B0502040204020203" pitchFamily="34" charset="0"/>
+                <a:latin typeface="Bahnschrift Light" panose="020B0502040204020203" pitchFamily="34" charset="0"/>
               </a:rPr>
               <a:t/>
             </a:r>
             <a:br>
               <a:rPr lang="es-ES" sz="1400" dirty="0" smtClean="0">
-                <a:latin typeface="Bahnschrift" panose="020B0502040204020203" pitchFamily="34" charset="0"/>
+                <a:latin typeface="Bahnschrift Light" panose="020B0502040204020203" pitchFamily="34" charset="0"/>
               </a:rPr>
             </a:br>
             <a:r>
               <a:rPr lang="es-ES" sz="1400" dirty="0" smtClean="0">
-                <a:latin typeface="Bahnschrift" panose="020B0502040204020203" pitchFamily="34" charset="0"/>
+                <a:latin typeface="Bahnschrift Light" panose="020B0502040204020203" pitchFamily="34" charset="0"/>
               </a:rPr>
               <a:t>Facebook: </a:t>
             </a:r>
             <a:r>
               <a:rPr lang="es-ES" sz="1400" dirty="0" err="1" smtClean="0">
-                <a:latin typeface="Bahnschrift" panose="020B0502040204020203" pitchFamily="34" charset="0"/>
+                <a:latin typeface="Bahnschrift Light" panose="020B0502040204020203" pitchFamily="34" charset="0"/>
               </a:rPr>
               <a:t>osmar.ab</a:t>
             </a:r>
             <a:r>
               <a:rPr lang="es-ES" sz="1400" dirty="0" smtClean="0">
-                <a:latin typeface="Bahnschrift" panose="020B0502040204020203" pitchFamily="34" charset="0"/>
+                <a:latin typeface="Bahnschrift Light" panose="020B0502040204020203" pitchFamily="34" charset="0"/>
               </a:rPr>
               <a:t/>
             </a:r>
             <a:br>
               <a:rPr lang="es-ES" sz="1400" dirty="0" smtClean="0">
-                <a:latin typeface="Bahnschrift" panose="020B0502040204020203" pitchFamily="34" charset="0"/>
+                <a:latin typeface="Bahnschrift Light" panose="020B0502040204020203" pitchFamily="34" charset="0"/>
               </a:rPr>
             </a:br>
             <a:r>
               <a:rPr lang="es-ES" sz="1400" dirty="0" smtClean="0">
-                <a:latin typeface="Bahnschrift" panose="020B0502040204020203" pitchFamily="34" charset="0"/>
+                <a:latin typeface="Bahnschrift Light" panose="020B0502040204020203" pitchFamily="34" charset="0"/>
               </a:rPr>
               <a:t>Twitter: @</a:t>
             </a:r>
             <a:r>
               <a:rPr lang="es-ES" sz="1400" dirty="0" err="1" smtClean="0">
-                <a:latin typeface="Bahnschrift" panose="020B0502040204020203" pitchFamily="34" charset="0"/>
+                <a:latin typeface="Bahnschrift Light" panose="020B0502040204020203" pitchFamily="34" charset="0"/>
+              </a:rPr>
+              <a:t>osmarbriones</a:t>
+            </a:r>
+            <a:endParaRPr lang="es-ES" sz="1400" dirty="0" smtClean="0">
+              <a:latin typeface="Bahnschrift Light" panose="020B0502040204020203" pitchFamily="34" charset="0"/>
+            </a:endParaRPr>
+          </a:p>
+          <a:p>
+            <a:r>
+              <a:rPr lang="es-ES" sz="1400" dirty="0" err="1" smtClean="0">
+                <a:latin typeface="Bahnschrift Light" panose="020B0502040204020203" pitchFamily="34" charset="0"/>
+              </a:rPr>
+              <a:t>LinkdedIn</a:t>
+            </a:r>
+            <a:r>
+              <a:rPr lang="es-ES" sz="1400" dirty="0" smtClean="0">
+                <a:latin typeface="Bahnschrift Light" panose="020B0502040204020203" pitchFamily="34" charset="0"/>
+              </a:rPr>
+              <a:t>: </a:t>
+            </a:r>
+            <a:r>
+              <a:rPr lang="es-ES" sz="1400" dirty="0" err="1" smtClean="0">
+                <a:latin typeface="Bahnschrift Light" panose="020B0502040204020203" pitchFamily="34" charset="0"/>
               </a:rPr>
               <a:t>osmarbriones</a:t>
             </a:r>
             <a:r>
               <a:rPr lang="es-ES" sz="1400" dirty="0" smtClean="0">
-                <a:latin typeface="Bahnschrift" panose="020B0502040204020203" pitchFamily="34" charset="0"/>
+                <a:latin typeface="Bahnschrift Light" panose="020B0502040204020203" pitchFamily="34" charset="0"/>
               </a:rPr>
               <a:t/>
             </a:r>
             <a:br>
               <a:rPr lang="es-ES" sz="1400" dirty="0" smtClean="0">
-                <a:latin typeface="Bahnschrift" panose="020B0502040204020203" pitchFamily="34" charset="0"/>
+                <a:latin typeface="Bahnschrift Light" panose="020B0502040204020203" pitchFamily="34" charset="0"/>
               </a:rPr>
             </a:br>
             <a:r>
@@ -19007,116 +19030,99 @@
           </a:p>
         </p:txBody>
       </p:sp>
-      <p:grpSp>
-        <p:nvGrpSpPr>
-          <p:cNvPr id="5" name="Group 4"/>
-          <p:cNvGrpSpPr/>
+      <p:pic>
+        <p:nvPicPr>
+          <p:cNvPr id="6" name="Picture 5"/>
+          <p:cNvPicPr>
+            <a:picLocks noChangeAspect="1"/>
+          </p:cNvPicPr>
           <p:nvPr/>
-        </p:nvGrpSpPr>
-        <p:grpSpPr>
+        </p:nvPicPr>
+        <p:blipFill>
+          <a:blip r:embed="rId3" cstate="print">
+            <a:extLst>
+              <a:ext uri="{28A0092B-C50C-407E-A947-70E740481C1C}">
+                <a14:useLocalDpi xmlns:a14="http://schemas.microsoft.com/office/drawing/2010/main" val="0"/>
+              </a:ext>
+            </a:extLst>
+          </a:blip>
+          <a:stretch>
+            <a:fillRect/>
+          </a:stretch>
+        </p:blipFill>
+        <p:spPr>
           <a:xfrm>
-            <a:off x="129250" y="2714685"/>
-            <a:ext cx="8794770" cy="2421202"/>
-            <a:chOff x="129250" y="4013888"/>
-            <a:chExt cx="8794770" cy="2421202"/>
+            <a:off x="7644336" y="3810000"/>
+            <a:ext cx="1279683" cy="1478287"/>
           </a:xfrm>
-        </p:grpSpPr>
-        <p:pic>
-          <p:nvPicPr>
-            <p:cNvPr id="6" name="Picture 5"/>
-            <p:cNvPicPr>
-              <a:picLocks noChangeAspect="1"/>
-            </p:cNvPicPr>
-            <p:nvPr/>
-          </p:nvPicPr>
-          <p:blipFill>
-            <a:blip r:embed="rId3" cstate="print">
-              <a:extLst>
-                <a:ext uri="{28A0092B-C50C-407E-A947-70E740481C1C}">
-                  <a14:useLocalDpi xmlns:a14="http://schemas.microsoft.com/office/drawing/2010/main" val="0"/>
-                </a:ext>
-              </a:extLst>
-            </a:blip>
-            <a:stretch>
-              <a:fillRect/>
-            </a:stretch>
-          </p:blipFill>
-          <p:spPr>
-            <a:xfrm>
-              <a:off x="6828100" y="4013888"/>
-              <a:ext cx="2095920" cy="2421202"/>
-            </a:xfrm>
-            <a:prstGeom prst="ellipse">
-              <a:avLst/>
-            </a:prstGeom>
-            <a:ln w="19050" cap="rnd">
-              <a:noFill/>
-            </a:ln>
-            <a:effectLst>
-              <a:outerShdw blurRad="50800" dist="38100" dir="2700000" algn="tl" rotWithShape="0">
-                <a:prstClr val="black">
-                  <a:alpha val="40000"/>
-                </a:prstClr>
-              </a:outerShdw>
-            </a:effectLst>
-            <a:scene3d>
-              <a:camera prst="orthographicFront"/>
-              <a:lightRig rig="contrasting" dir="t">
-                <a:rot lat="0" lon="0" rev="3000000"/>
-              </a:lightRig>
-            </a:scene3d>
-            <a:sp3d contourW="7620">
-              <a:bevelT w="95250" h="31750"/>
-              <a:contourClr>
-                <a:srgbClr val="333333"/>
-              </a:contourClr>
-            </a:sp3d>
-          </p:spPr>
-        </p:pic>
-        <p:sp>
-          <p:nvSpPr>
-            <p:cNvPr id="7" name="TextBox 6"/>
-            <p:cNvSpPr txBox="1"/>
-            <p:nvPr/>
-          </p:nvSpPr>
-          <p:spPr>
-            <a:xfrm>
-              <a:off x="129250" y="4485825"/>
-              <a:ext cx="6629400" cy="1754326"/>
-            </a:xfrm>
-            <a:prstGeom prst="rect">
-              <a:avLst/>
-            </a:prstGeom>
+          <a:prstGeom prst="rect">
+            <a:avLst/>
+          </a:prstGeom>
+          <a:noFill/>
+          <a:ln>
             <a:noFill/>
-          </p:spPr>
-          <p:txBody>
-            <a:bodyPr wrap="square" rtlCol="0">
-              <a:spAutoFit/>
-            </a:bodyPr>
-            <a:lstStyle/>
-            <a:p>
-              <a:pPr algn="just"/>
-              <a:r>
-                <a:rPr lang="en-US" dirty="0" smtClean="0"/>
-                <a:t>I am a Mexican software developer that loves his career and dreams so high. I love altruism, development, videogames, writing, chess, soccer, computers and introspection. If you want to know more about my preparation, skills and experience, I suggest you to visit my </a:t>
-              </a:r>
-              <a:r>
-                <a:rPr lang="en-US" dirty="0" err="1" smtClean="0"/>
-                <a:t>linkedIn</a:t>
-              </a:r>
-              <a:r>
-                <a:rPr lang="en-US" dirty="0"/>
-                <a:t> </a:t>
-              </a:r>
-              <a:r>
-                <a:rPr lang="en-US" dirty="0" smtClean="0"/>
-                <a:t>which is a platform more focused in that aspect, this page is for my personal and continuous improvement.</a:t>
-              </a:r>
-              <a:endParaRPr lang="en-US" dirty="0"/>
-            </a:p>
-          </p:txBody>
-        </p:sp>
-      </p:grpSp>
+          </a:ln>
+        </p:spPr>
+      </p:pic>
+      <p:sp>
+        <p:nvSpPr>
+          <p:cNvPr id="7" name="TextBox 6"/>
+          <p:cNvSpPr txBox="1"/>
+          <p:nvPr/>
+        </p:nvSpPr>
+        <p:spPr>
+          <a:xfrm>
+            <a:off x="131180" y="4396742"/>
+            <a:ext cx="7391400" cy="830997"/>
+          </a:xfrm>
+          <a:prstGeom prst="rect">
+            <a:avLst/>
+          </a:prstGeom>
+          <a:noFill/>
+        </p:spPr>
+        <p:txBody>
+          <a:bodyPr wrap="square" rtlCol="0">
+            <a:spAutoFit/>
+          </a:bodyPr>
+          <a:lstStyle/>
+          <a:p>
+            <a:pPr algn="just"/>
+            <a:r>
+              <a:rPr lang="en-US" sz="1200" dirty="0">
+                <a:latin typeface="Bahnschrift Light" panose="020B0502040204020203" pitchFamily="34" charset="0"/>
+              </a:rPr>
+              <a:t>I am a Mexican software developer that loves his career and dreams with having his own video game studio. I love altruism, development, videogames, writing, chess, soccer, computers and introspection. If you want to know more about my preparation, skills and experience, I suggest you </a:t>
+            </a:r>
+            <a:r>
+              <a:rPr lang="en-US" sz="1200" dirty="0" smtClean="0">
+                <a:latin typeface="Bahnschrift Light" panose="020B0502040204020203" pitchFamily="34" charset="0"/>
+              </a:rPr>
+              <a:t> to visit </a:t>
+            </a:r>
+            <a:r>
+              <a:rPr lang="en-US" sz="1200" dirty="0">
+                <a:latin typeface="Bahnschrift Light" panose="020B0502040204020203" pitchFamily="34" charset="0"/>
+              </a:rPr>
+              <a:t>my </a:t>
+            </a:r>
+            <a:r>
+              <a:rPr lang="en-US" sz="1200" dirty="0" err="1">
+                <a:latin typeface="Bahnschrift Light" panose="020B0502040204020203" pitchFamily="34" charset="0"/>
+              </a:rPr>
+              <a:t>linkedIn</a:t>
+            </a:r>
+            <a:r>
+              <a:rPr lang="en-US" sz="1200" dirty="0">
+                <a:latin typeface="Bahnschrift Light" panose="020B0502040204020203" pitchFamily="34" charset="0"/>
+              </a:rPr>
+              <a:t> which is a platform more focused to that aspect, this page is for my personal and continuous improvement.</a:t>
+            </a:r>
+            <a:endParaRPr lang="en-US" sz="1200" dirty="0">
+              <a:latin typeface="Bahnschrift Light" panose="020B0502040204020203" pitchFamily="34" charset="0"/>
+            </a:endParaRPr>
+          </a:p>
+        </p:txBody>
+      </p:sp>
     </p:spTree>
     <p:extLst>
       <p:ext uri="{BB962C8B-B14F-4D97-AF65-F5344CB8AC3E}">

--- a/screens.pptx
+++ b/screens.pptx
@@ -1780,7 +1780,7 @@
         </p:nvCxnSpPr>
         <p:spPr>
           <a:xfrm>
-            <a:off x="0" y="5943600"/>
+            <a:off x="0" y="5955175"/>
             <a:ext cx="9144000" cy="0"/>
           </a:xfrm>
           <a:prstGeom prst="line">
@@ -1817,7 +1817,7 @@
         </p:nvSpPr>
         <p:spPr>
           <a:xfrm>
-            <a:off x="52300" y="6096000"/>
+            <a:off x="52300" y="5991925"/>
             <a:ext cx="5106911" cy="369332"/>
           </a:xfrm>
           <a:prstGeom prst="rect">
@@ -1927,7 +1927,7 @@
         </p:nvSpPr>
         <p:spPr>
           <a:xfrm>
-            <a:off x="76200" y="6379726"/>
+            <a:off x="76200" y="6275651"/>
             <a:ext cx="2238562" cy="276999"/>
           </a:xfrm>
           <a:prstGeom prst="rect">
@@ -1972,7 +1972,7 @@
         </p:blipFill>
         <p:spPr bwMode="auto">
           <a:xfrm>
-            <a:off x="8548984" y="6243499"/>
+            <a:off x="8548984" y="6086374"/>
             <a:ext cx="413226" cy="413226"/>
           </a:xfrm>
           <a:prstGeom prst="rect">
@@ -2013,7 +2013,7 @@
         </p:blipFill>
         <p:spPr bwMode="auto">
           <a:xfrm>
-            <a:off x="7913618" y="6243499"/>
+            <a:off x="7913618" y="6086374"/>
             <a:ext cx="528003" cy="464098"/>
           </a:xfrm>
           <a:prstGeom prst="rect">
@@ -2054,7 +2054,7 @@
         </p:blipFill>
         <p:spPr bwMode="auto">
           <a:xfrm>
-            <a:off x="7363077" y="6243499"/>
+            <a:off x="7363077" y="6086374"/>
             <a:ext cx="478401" cy="478401"/>
           </a:xfrm>
           <a:prstGeom prst="rect">
@@ -2113,6 +2113,82 @@
           </a:extLst>
         </p:spPr>
       </p:pic>
+      <p:sp>
+        <p:nvSpPr>
+          <p:cNvPr id="2" name="Rectangle 1"/>
+          <p:cNvSpPr/>
+          <p:nvPr userDrawn="1"/>
+        </p:nvSpPr>
+        <p:spPr>
+          <a:xfrm>
+            <a:off x="3756950" y="6564775"/>
+            <a:ext cx="5299042" cy="307777"/>
+          </a:xfrm>
+          <a:prstGeom prst="rect">
+            <a:avLst/>
+          </a:prstGeom>
+        </p:spPr>
+        <p:txBody>
+          <a:bodyPr wrap="square">
+            <a:spAutoFit/>
+          </a:bodyPr>
+          <a:lstStyle/>
+          <a:p>
+            <a:r>
+              <a:rPr lang="es-ES" sz="1400" dirty="0" smtClean="0">
+                <a:solidFill>
+                  <a:schemeClr val="tx1">
+                    <a:lumMod val="75000"/>
+                    <a:lumOff val="25000"/>
+                  </a:schemeClr>
+                </a:solidFill>
+              </a:rPr>
+              <a:t>“</a:t>
+            </a:r>
+            <a:r>
+              <a:rPr lang="es-ES" sz="1400" b="0" dirty="0" smtClean="0">
+                <a:solidFill>
+                  <a:schemeClr val="tx1">
+                    <a:lumMod val="75000"/>
+                    <a:lumOff val="25000"/>
+                  </a:schemeClr>
+                </a:solidFill>
+              </a:rPr>
+              <a:t>Más que mil palabras inútiles, vale una sola que otorgue paz.</a:t>
+            </a:r>
+            <a:r>
+              <a:rPr lang="es-ES" sz="1400" b="1" dirty="0" smtClean="0">
+                <a:solidFill>
+                  <a:schemeClr val="tx1">
+                    <a:lumMod val="75000"/>
+                    <a:lumOff val="25000"/>
+                  </a:schemeClr>
+                </a:solidFill>
+              </a:rPr>
+              <a:t>”</a:t>
+            </a:r>
+            <a:r>
+              <a:rPr lang="es-ES" sz="1400" dirty="0" smtClean="0">
+                <a:solidFill>
+                  <a:schemeClr val="tx1">
+                    <a:lumMod val="75000"/>
+                    <a:lumOff val="25000"/>
+                  </a:schemeClr>
+                </a:solidFill>
+              </a:rPr>
+              <a:t>  - Buda</a:t>
+            </a:r>
+            <a:endParaRPr lang="en-US" sz="1400" dirty="0">
+              <a:solidFill>
+                <a:schemeClr val="tx1">
+                  <a:lumMod val="75000"/>
+                  <a:lumOff val="25000"/>
+                </a:schemeClr>
+              </a:solidFill>
+            </a:endParaRPr>
+          </a:p>
+        </p:txBody>
+      </p:sp>
     </p:spTree>
     <p:extLst>
       <p:ext uri="{BB962C8B-B14F-4D97-AF65-F5344CB8AC3E}">
@@ -3399,36 +3475,6 @@
           </a:extLst>
         </p:spPr>
       </p:pic>
-      <p:sp>
-        <p:nvSpPr>
-          <p:cNvPr id="50" name="TextBox 49"/>
-          <p:cNvSpPr txBox="1"/>
-          <p:nvPr userDrawn="1"/>
-        </p:nvSpPr>
-        <p:spPr>
-          <a:xfrm>
-            <a:off x="4106098" y="285690"/>
-            <a:ext cx="1516441" cy="369332"/>
-          </a:xfrm>
-          <a:prstGeom prst="rect">
-            <a:avLst/>
-          </a:prstGeom>
-          <a:noFill/>
-        </p:spPr>
-        <p:txBody>
-          <a:bodyPr wrap="none" rtlCol="0">
-            <a:spAutoFit/>
-          </a:bodyPr>
-          <a:lstStyle/>
-          <a:p>
-            <a:r>
-              <a:rPr lang="en-US" i="1" dirty="0" smtClean="0"/>
-              <a:t>Simple is cool.</a:t>
-            </a:r>
-            <a:endParaRPr lang="en-US" i="1" dirty="0"/>
-          </a:p>
-        </p:txBody>
-      </p:sp>
       <p:grpSp>
         <p:nvGrpSpPr>
           <p:cNvPr id="51" name="Group 50"/>
@@ -4601,306 +4647,6 @@
           </p:txBody>
         </p:sp>
       </p:grpSp>
-      <p:cxnSp>
-        <p:nvCxnSpPr>
-          <p:cNvPr id="41" name="Straight Connector 40"/>
-          <p:cNvCxnSpPr/>
-          <p:nvPr userDrawn="1"/>
-        </p:nvCxnSpPr>
-        <p:spPr>
-          <a:xfrm>
-            <a:off x="0" y="5943600"/>
-            <a:ext cx="9144000" cy="0"/>
-          </a:xfrm>
-          <a:prstGeom prst="line">
-            <a:avLst/>
-          </a:prstGeom>
-          <a:ln>
-            <a:solidFill>
-              <a:schemeClr val="bg1">
-                <a:lumMod val="75000"/>
-              </a:schemeClr>
-            </a:solidFill>
-          </a:ln>
-        </p:spPr>
-        <p:style>
-          <a:lnRef idx="1">
-            <a:schemeClr val="accent1"/>
-          </a:lnRef>
-          <a:fillRef idx="0">
-            <a:schemeClr val="accent1"/>
-          </a:fillRef>
-          <a:effectRef idx="0">
-            <a:schemeClr val="accent1"/>
-          </a:effectRef>
-          <a:fontRef idx="minor">
-            <a:schemeClr val="tx1"/>
-          </a:fontRef>
-        </p:style>
-      </p:cxnSp>
-      <p:sp>
-        <p:nvSpPr>
-          <p:cNvPr id="42" name="TextBox 41"/>
-          <p:cNvSpPr txBox="1"/>
-          <p:nvPr userDrawn="1"/>
-        </p:nvSpPr>
-        <p:spPr>
-          <a:xfrm>
-            <a:off x="52300" y="6096000"/>
-            <a:ext cx="5106911" cy="369332"/>
-          </a:xfrm>
-          <a:prstGeom prst="rect">
-            <a:avLst/>
-          </a:prstGeom>
-          <a:noFill/>
-        </p:spPr>
-        <p:txBody>
-          <a:bodyPr wrap="none" rtlCol="0">
-            <a:spAutoFit/>
-          </a:bodyPr>
-          <a:lstStyle/>
-          <a:p>
-            <a:r>
-              <a:rPr lang="en-US" dirty="0" smtClean="0">
-                <a:solidFill>
-                  <a:schemeClr val="tx1">
-                    <a:lumMod val="75000"/>
-                    <a:lumOff val="25000"/>
-                  </a:schemeClr>
-                </a:solidFill>
-              </a:rPr>
-              <a:t>Osmar Briones 2018. </a:t>
-            </a:r>
-            <a:r>
-              <a:rPr lang="en-US" dirty="0" err="1" smtClean="0">
-                <a:solidFill>
-                  <a:schemeClr val="tx1">
-                    <a:lumMod val="75000"/>
-                    <a:lumOff val="25000"/>
-                  </a:schemeClr>
-                </a:solidFill>
-              </a:rPr>
-              <a:t>Todos</a:t>
-            </a:r>
-            <a:r>
-              <a:rPr lang="en-US" dirty="0" smtClean="0">
-                <a:solidFill>
-                  <a:schemeClr val="tx1">
-                    <a:lumMod val="75000"/>
-                    <a:lumOff val="25000"/>
-                  </a:schemeClr>
-                </a:solidFill>
-              </a:rPr>
-              <a:t> </a:t>
-            </a:r>
-            <a:r>
-              <a:rPr lang="en-US" dirty="0" err="1" smtClean="0">
-                <a:solidFill>
-                  <a:schemeClr val="tx1">
-                    <a:lumMod val="75000"/>
-                    <a:lumOff val="25000"/>
-                  </a:schemeClr>
-                </a:solidFill>
-              </a:rPr>
-              <a:t>los</a:t>
-            </a:r>
-            <a:r>
-              <a:rPr lang="en-US" dirty="0" smtClean="0">
-                <a:solidFill>
-                  <a:schemeClr val="tx1">
-                    <a:lumMod val="75000"/>
-                    <a:lumOff val="25000"/>
-                  </a:schemeClr>
-                </a:solidFill>
-              </a:rPr>
-              <a:t> derechos </a:t>
-            </a:r>
-            <a:r>
-              <a:rPr lang="en-US" dirty="0" err="1" smtClean="0">
-                <a:solidFill>
-                  <a:schemeClr val="tx1">
-                    <a:lumMod val="75000"/>
-                    <a:lumOff val="25000"/>
-                  </a:schemeClr>
-                </a:solidFill>
-              </a:rPr>
-              <a:t>reservados</a:t>
-            </a:r>
-            <a:r>
-              <a:rPr lang="en-US" dirty="0" smtClean="0">
-                <a:solidFill>
-                  <a:schemeClr val="tx1">
-                    <a:lumMod val="75000"/>
-                    <a:lumOff val="25000"/>
-                  </a:schemeClr>
-                </a:solidFill>
-              </a:rPr>
-              <a:t>.</a:t>
-            </a:r>
-            <a:endParaRPr lang="en-US" dirty="0">
-              <a:solidFill>
-                <a:schemeClr val="tx1">
-                  <a:lumMod val="75000"/>
-                  <a:lumOff val="25000"/>
-                </a:schemeClr>
-              </a:solidFill>
-            </a:endParaRPr>
-          </a:p>
-        </p:txBody>
-      </p:sp>
-      <p:sp>
-        <p:nvSpPr>
-          <p:cNvPr id="43" name="TextBox 42"/>
-          <p:cNvSpPr txBox="1"/>
-          <p:nvPr userDrawn="1"/>
-        </p:nvSpPr>
-        <p:spPr>
-          <a:xfrm>
-            <a:off x="76200" y="6379726"/>
-            <a:ext cx="2238562" cy="276999"/>
-          </a:xfrm>
-          <a:prstGeom prst="rect">
-            <a:avLst/>
-          </a:prstGeom>
-          <a:noFill/>
-        </p:spPr>
-        <p:txBody>
-          <a:bodyPr wrap="none" rtlCol="0">
-            <a:spAutoFit/>
-          </a:bodyPr>
-          <a:lstStyle/>
-          <a:p>
-            <a:r>
-              <a:rPr lang="en-US" sz="1200" u="sng" dirty="0" smtClean="0"/>
-              <a:t>Click here to see something nice.</a:t>
-            </a:r>
-            <a:endParaRPr lang="en-US" sz="1200" u="sng" dirty="0"/>
-          </a:p>
-        </p:txBody>
-      </p:sp>
-      <p:pic>
-        <p:nvPicPr>
-          <p:cNvPr id="44" name="Picture 2" descr="Resultado de imagen para linkedin logo"/>
-          <p:cNvPicPr>
-            <a:picLocks noChangeAspect="1" noChangeArrowheads="1"/>
-          </p:cNvPicPr>
-          <p:nvPr userDrawn="1"/>
-        </p:nvPicPr>
-        <p:blipFill>
-          <a:blip r:embed="rId2" cstate="print">
-            <a:extLst>
-              <a:ext uri="{28A0092B-C50C-407E-A947-70E740481C1C}">
-                <a14:useLocalDpi xmlns:a14="http://schemas.microsoft.com/office/drawing/2010/main" val="0"/>
-              </a:ext>
-            </a:extLst>
-          </a:blip>
-          <a:srcRect/>
-          <a:stretch>
-            <a:fillRect/>
-          </a:stretch>
-        </p:blipFill>
-        <p:spPr bwMode="auto">
-          <a:xfrm>
-            <a:off x="8548984" y="6243499"/>
-            <a:ext cx="413226" cy="413226"/>
-          </a:xfrm>
-          <a:prstGeom prst="rect">
-            <a:avLst/>
-          </a:prstGeom>
-          <a:noFill/>
-          <a:extLst>
-            <a:ext uri="{909E8E84-426E-40DD-AFC4-6F175D3DCCD1}">
-              <a14:hiddenFill xmlns:a14="http://schemas.microsoft.com/office/drawing/2010/main">
-                <a:solidFill>
-                  <a:srgbClr val="FFFFFF"/>
-                </a:solidFill>
-              </a14:hiddenFill>
-            </a:ext>
-          </a:extLst>
-        </p:spPr>
-      </p:pic>
-      <p:pic>
-        <p:nvPicPr>
-          <p:cNvPr id="45" name="Picture 8" descr="Resultado de imagen para twitter png"/>
-          <p:cNvPicPr>
-            <a:picLocks noChangeAspect="1" noChangeArrowheads="1"/>
-          </p:cNvPicPr>
-          <p:nvPr userDrawn="1"/>
-        </p:nvPicPr>
-        <p:blipFill>
-          <a:blip r:embed="rId3" cstate="print">
-            <a:extLst>
-              <a:ext uri="{28A0092B-C50C-407E-A947-70E740481C1C}">
-                <a14:useLocalDpi xmlns:a14="http://schemas.microsoft.com/office/drawing/2010/main" val="0"/>
-              </a:ext>
-            </a:extLst>
-          </a:blip>
-          <a:srcRect/>
-          <a:stretch>
-            <a:fillRect/>
-          </a:stretch>
-        </p:blipFill>
-        <p:spPr bwMode="auto">
-          <a:xfrm>
-            <a:off x="7913618" y="6243499"/>
-            <a:ext cx="528003" cy="464098"/>
-          </a:xfrm>
-          <a:prstGeom prst="rect">
-            <a:avLst/>
-          </a:prstGeom>
-          <a:noFill/>
-          <a:extLst>
-            <a:ext uri="{909E8E84-426E-40DD-AFC4-6F175D3DCCD1}">
-              <a14:hiddenFill xmlns:a14="http://schemas.microsoft.com/office/drawing/2010/main">
-                <a:solidFill>
-                  <a:srgbClr val="FFFFFF"/>
-                </a:solidFill>
-              </a14:hiddenFill>
-            </a:ext>
-          </a:extLst>
-        </p:spPr>
-      </p:pic>
-      <p:pic>
-        <p:nvPicPr>
-          <p:cNvPr id="46" name="Picture 10" descr="Resultado de imagen para facebook png"/>
-          <p:cNvPicPr>
-            <a:picLocks noChangeAspect="1" noChangeArrowheads="1"/>
-          </p:cNvPicPr>
-          <p:nvPr userDrawn="1"/>
-        </p:nvPicPr>
-        <p:blipFill>
-          <a:blip r:embed="rId4" cstate="print">
-            <a:extLst>
-              <a:ext uri="{28A0092B-C50C-407E-A947-70E740481C1C}">
-                <a14:useLocalDpi xmlns:a14="http://schemas.microsoft.com/office/drawing/2010/main" val="0"/>
-              </a:ext>
-            </a:extLst>
-          </a:blip>
-          <a:srcRect/>
-          <a:stretch>
-            <a:fillRect/>
-          </a:stretch>
-        </p:blipFill>
-        <p:spPr bwMode="auto">
-          <a:xfrm>
-            <a:off x="7363077" y="6243499"/>
-            <a:ext cx="478401" cy="478401"/>
-          </a:xfrm>
-          <a:prstGeom prst="rect">
-            <a:avLst/>
-          </a:prstGeom>
-          <a:noFill/>
-          <a:extLst>
-            <a:ext uri="{909E8E84-426E-40DD-AFC4-6F175D3DCCD1}">
-              <a14:hiddenFill xmlns:a14="http://schemas.microsoft.com/office/drawing/2010/main">
-                <a:solidFill>
-                  <a:srgbClr val="FFFFFF"/>
-                </a:solidFill>
-              </a14:hiddenFill>
-            </a:ext>
-          </a:extLst>
-        </p:spPr>
-      </p:pic>
       <p:sp>
         <p:nvSpPr>
           <p:cNvPr id="53" name="TextBox 52"/>
@@ -5213,7 +4959,7 @@
           <p:nvPr userDrawn="1"/>
         </p:nvPicPr>
         <p:blipFill>
-          <a:blip r:embed="rId5" cstate="print">
+          <a:blip r:embed="rId2" cstate="print">
             <a:extLst>
               <a:ext uri="{28A0092B-C50C-407E-A947-70E740481C1C}">
                 <a14:useLocalDpi xmlns:a14="http://schemas.microsoft.com/office/drawing/2010/main" val="0"/>
@@ -5475,16 +5221,53 @@
           </p:txBody>
         </p:sp>
       </p:grpSp>
+      <p:cxnSp>
+        <p:nvCxnSpPr>
+          <p:cNvPr id="47" name="Straight Connector 46"/>
+          <p:cNvCxnSpPr/>
+          <p:nvPr userDrawn="1"/>
+        </p:nvCxnSpPr>
+        <p:spPr>
+          <a:xfrm>
+            <a:off x="0" y="5955175"/>
+            <a:ext cx="9144000" cy="0"/>
+          </a:xfrm>
+          <a:prstGeom prst="line">
+            <a:avLst/>
+          </a:prstGeom>
+          <a:ln>
+            <a:solidFill>
+              <a:schemeClr val="bg1">
+                <a:lumMod val="75000"/>
+              </a:schemeClr>
+            </a:solidFill>
+          </a:ln>
+        </p:spPr>
+        <p:style>
+          <a:lnRef idx="1">
+            <a:schemeClr val="accent1"/>
+          </a:lnRef>
+          <a:fillRef idx="0">
+            <a:schemeClr val="accent1"/>
+          </a:fillRef>
+          <a:effectRef idx="0">
+            <a:schemeClr val="accent1"/>
+          </a:effectRef>
+          <a:fontRef idx="minor">
+            <a:schemeClr val="tx1"/>
+          </a:fontRef>
+        </p:style>
+      </p:cxnSp>
       <p:sp>
         <p:nvSpPr>
-          <p:cNvPr id="62" name="TextBox 61"/>
+          <p:cNvPr id="48" name="TextBox 47"/>
           <p:cNvSpPr txBox="1"/>
           <p:nvPr userDrawn="1"/>
         </p:nvSpPr>
         <p:spPr>
           <a:xfrm>
-            <a:off x="4106098" y="285690"/>
-            <a:ext cx="1516441" cy="369332"/>
+            <a:off x="52300" y="5991925"/>
+            <a:ext cx="5106911" cy="369332"/>
           </a:xfrm>
           <a:prstGeom prst="rect">
             <a:avLst/>
@@ -5498,10 +5281,319 @@
           <a:lstStyle/>
           <a:p>
             <a:r>
-              <a:rPr lang="en-US" i="1" dirty="0" smtClean="0"/>
-              <a:t>Simple is cool.</a:t>
+              <a:rPr lang="en-US" dirty="0" smtClean="0">
+                <a:solidFill>
+                  <a:schemeClr val="tx1">
+                    <a:lumMod val="75000"/>
+                    <a:lumOff val="25000"/>
+                  </a:schemeClr>
+                </a:solidFill>
+              </a:rPr>
+              <a:t>Osmar Briones 2018. </a:t>
             </a:r>
-            <a:endParaRPr lang="en-US" i="1" dirty="0"/>
+            <a:r>
+              <a:rPr lang="en-US" dirty="0" err="1" smtClean="0">
+                <a:solidFill>
+                  <a:schemeClr val="tx1">
+                    <a:lumMod val="75000"/>
+                    <a:lumOff val="25000"/>
+                  </a:schemeClr>
+                </a:solidFill>
+              </a:rPr>
+              <a:t>Todos</a:t>
+            </a:r>
+            <a:r>
+              <a:rPr lang="en-US" dirty="0" smtClean="0">
+                <a:solidFill>
+                  <a:schemeClr val="tx1">
+                    <a:lumMod val="75000"/>
+                    <a:lumOff val="25000"/>
+                  </a:schemeClr>
+                </a:solidFill>
+              </a:rPr>
+              <a:t> </a:t>
+            </a:r>
+            <a:r>
+              <a:rPr lang="en-US" dirty="0" err="1" smtClean="0">
+                <a:solidFill>
+                  <a:schemeClr val="tx1">
+                    <a:lumMod val="75000"/>
+                    <a:lumOff val="25000"/>
+                  </a:schemeClr>
+                </a:solidFill>
+              </a:rPr>
+              <a:t>los</a:t>
+            </a:r>
+            <a:r>
+              <a:rPr lang="en-US" dirty="0" smtClean="0">
+                <a:solidFill>
+                  <a:schemeClr val="tx1">
+                    <a:lumMod val="75000"/>
+                    <a:lumOff val="25000"/>
+                  </a:schemeClr>
+                </a:solidFill>
+              </a:rPr>
+              <a:t> derechos </a:t>
+            </a:r>
+            <a:r>
+              <a:rPr lang="en-US" dirty="0" err="1" smtClean="0">
+                <a:solidFill>
+                  <a:schemeClr val="tx1">
+                    <a:lumMod val="75000"/>
+                    <a:lumOff val="25000"/>
+                  </a:schemeClr>
+                </a:solidFill>
+              </a:rPr>
+              <a:t>reservados</a:t>
+            </a:r>
+            <a:r>
+              <a:rPr lang="en-US" dirty="0" smtClean="0">
+                <a:solidFill>
+                  <a:schemeClr val="tx1">
+                    <a:lumMod val="75000"/>
+                    <a:lumOff val="25000"/>
+                  </a:schemeClr>
+                </a:solidFill>
+              </a:rPr>
+              <a:t>.</a:t>
+            </a:r>
+            <a:endParaRPr lang="en-US" dirty="0">
+              <a:solidFill>
+                <a:schemeClr val="tx1">
+                  <a:lumMod val="75000"/>
+                  <a:lumOff val="25000"/>
+                </a:schemeClr>
+              </a:solidFill>
+            </a:endParaRPr>
+          </a:p>
+        </p:txBody>
+      </p:sp>
+      <p:sp>
+        <p:nvSpPr>
+          <p:cNvPr id="49" name="TextBox 48"/>
+          <p:cNvSpPr txBox="1"/>
+          <p:nvPr userDrawn="1"/>
+        </p:nvSpPr>
+        <p:spPr>
+          <a:xfrm>
+            <a:off x="76200" y="6275651"/>
+            <a:ext cx="2238562" cy="276999"/>
+          </a:xfrm>
+          <a:prstGeom prst="rect">
+            <a:avLst/>
+          </a:prstGeom>
+          <a:noFill/>
+        </p:spPr>
+        <p:txBody>
+          <a:bodyPr wrap="none" rtlCol="0">
+            <a:spAutoFit/>
+          </a:bodyPr>
+          <a:lstStyle/>
+          <a:p>
+            <a:r>
+              <a:rPr lang="en-US" sz="1200" u="sng" dirty="0" smtClean="0"/>
+              <a:t>Click here to see something nice.</a:t>
+            </a:r>
+            <a:endParaRPr lang="en-US" sz="1200" u="sng" dirty="0"/>
+          </a:p>
+        </p:txBody>
+      </p:sp>
+      <p:pic>
+        <p:nvPicPr>
+          <p:cNvPr id="50" name="Picture 2" descr="Resultado de imagen para linkedin logo"/>
+          <p:cNvPicPr>
+            <a:picLocks noChangeAspect="1" noChangeArrowheads="1"/>
+          </p:cNvPicPr>
+          <p:nvPr userDrawn="1"/>
+        </p:nvPicPr>
+        <p:blipFill>
+          <a:blip r:embed="rId3" cstate="print">
+            <a:extLst>
+              <a:ext uri="{28A0092B-C50C-407E-A947-70E740481C1C}">
+                <a14:useLocalDpi xmlns:a14="http://schemas.microsoft.com/office/drawing/2010/main" val="0"/>
+              </a:ext>
+            </a:extLst>
+          </a:blip>
+          <a:srcRect/>
+          <a:stretch>
+            <a:fillRect/>
+          </a:stretch>
+        </p:blipFill>
+        <p:spPr bwMode="auto">
+          <a:xfrm>
+            <a:off x="8548984" y="6086374"/>
+            <a:ext cx="413226" cy="413226"/>
+          </a:xfrm>
+          <a:prstGeom prst="rect">
+            <a:avLst/>
+          </a:prstGeom>
+          <a:noFill/>
+          <a:extLst>
+            <a:ext uri="{909E8E84-426E-40DD-AFC4-6F175D3DCCD1}">
+              <a14:hiddenFill xmlns:a14="http://schemas.microsoft.com/office/drawing/2010/main">
+                <a:solidFill>
+                  <a:srgbClr val="FFFFFF"/>
+                </a:solidFill>
+              </a14:hiddenFill>
+            </a:ext>
+          </a:extLst>
+        </p:spPr>
+      </p:pic>
+      <p:pic>
+        <p:nvPicPr>
+          <p:cNvPr id="51" name="Picture 8" descr="Resultado de imagen para twitter png"/>
+          <p:cNvPicPr>
+            <a:picLocks noChangeAspect="1" noChangeArrowheads="1"/>
+          </p:cNvPicPr>
+          <p:nvPr userDrawn="1"/>
+        </p:nvPicPr>
+        <p:blipFill>
+          <a:blip r:embed="rId4" cstate="print">
+            <a:extLst>
+              <a:ext uri="{28A0092B-C50C-407E-A947-70E740481C1C}">
+                <a14:useLocalDpi xmlns:a14="http://schemas.microsoft.com/office/drawing/2010/main" val="0"/>
+              </a:ext>
+            </a:extLst>
+          </a:blip>
+          <a:srcRect/>
+          <a:stretch>
+            <a:fillRect/>
+          </a:stretch>
+        </p:blipFill>
+        <p:spPr bwMode="auto">
+          <a:xfrm>
+            <a:off x="7913618" y="6086374"/>
+            <a:ext cx="528003" cy="464098"/>
+          </a:xfrm>
+          <a:prstGeom prst="rect">
+            <a:avLst/>
+          </a:prstGeom>
+          <a:noFill/>
+          <a:extLst>
+            <a:ext uri="{909E8E84-426E-40DD-AFC4-6F175D3DCCD1}">
+              <a14:hiddenFill xmlns:a14="http://schemas.microsoft.com/office/drawing/2010/main">
+                <a:solidFill>
+                  <a:srgbClr val="FFFFFF"/>
+                </a:solidFill>
+              </a14:hiddenFill>
+            </a:ext>
+          </a:extLst>
+        </p:spPr>
+      </p:pic>
+      <p:pic>
+        <p:nvPicPr>
+          <p:cNvPr id="52" name="Picture 10" descr="Resultado de imagen para facebook png"/>
+          <p:cNvPicPr>
+            <a:picLocks noChangeAspect="1" noChangeArrowheads="1"/>
+          </p:cNvPicPr>
+          <p:nvPr userDrawn="1"/>
+        </p:nvPicPr>
+        <p:blipFill>
+          <a:blip r:embed="rId5" cstate="print">
+            <a:extLst>
+              <a:ext uri="{28A0092B-C50C-407E-A947-70E740481C1C}">
+                <a14:useLocalDpi xmlns:a14="http://schemas.microsoft.com/office/drawing/2010/main" val="0"/>
+              </a:ext>
+            </a:extLst>
+          </a:blip>
+          <a:srcRect/>
+          <a:stretch>
+            <a:fillRect/>
+          </a:stretch>
+        </p:blipFill>
+        <p:spPr bwMode="auto">
+          <a:xfrm>
+            <a:off x="7363077" y="6086374"/>
+            <a:ext cx="478401" cy="478401"/>
+          </a:xfrm>
+          <a:prstGeom prst="rect">
+            <a:avLst/>
+          </a:prstGeom>
+          <a:noFill/>
+          <a:extLst>
+            <a:ext uri="{909E8E84-426E-40DD-AFC4-6F175D3DCCD1}">
+              <a14:hiddenFill xmlns:a14="http://schemas.microsoft.com/office/drawing/2010/main">
+                <a:solidFill>
+                  <a:srgbClr val="FFFFFF"/>
+                </a:solidFill>
+              </a14:hiddenFill>
+            </a:ext>
+          </a:extLst>
+        </p:spPr>
+      </p:pic>
+      <p:sp>
+        <p:nvSpPr>
+          <p:cNvPr id="63" name="Rectangle 62"/>
+          <p:cNvSpPr/>
+          <p:nvPr userDrawn="1"/>
+        </p:nvSpPr>
+        <p:spPr>
+          <a:xfrm>
+            <a:off x="3756950" y="6564775"/>
+            <a:ext cx="5299042" cy="307777"/>
+          </a:xfrm>
+          <a:prstGeom prst="rect">
+            <a:avLst/>
+          </a:prstGeom>
+        </p:spPr>
+        <p:txBody>
+          <a:bodyPr wrap="square">
+            <a:spAutoFit/>
+          </a:bodyPr>
+          <a:lstStyle/>
+          <a:p>
+            <a:r>
+              <a:rPr lang="es-ES" sz="1400" dirty="0" smtClean="0">
+                <a:solidFill>
+                  <a:schemeClr val="tx1">
+                    <a:lumMod val="75000"/>
+                    <a:lumOff val="25000"/>
+                  </a:schemeClr>
+                </a:solidFill>
+              </a:rPr>
+              <a:t>“</a:t>
+            </a:r>
+            <a:r>
+              <a:rPr lang="es-ES" sz="1400" b="0" dirty="0" smtClean="0">
+                <a:solidFill>
+                  <a:schemeClr val="tx1">
+                    <a:lumMod val="75000"/>
+                    <a:lumOff val="25000"/>
+                  </a:schemeClr>
+                </a:solidFill>
+              </a:rPr>
+              <a:t>Más que mil palabras inútiles, vale una sola que otorgue paz.</a:t>
+            </a:r>
+            <a:r>
+              <a:rPr lang="es-ES" sz="1400" b="1" dirty="0" smtClean="0">
+                <a:solidFill>
+                  <a:schemeClr val="tx1">
+                    <a:lumMod val="75000"/>
+                    <a:lumOff val="25000"/>
+                  </a:schemeClr>
+                </a:solidFill>
+              </a:rPr>
+              <a:t>”</a:t>
+            </a:r>
+            <a:r>
+              <a:rPr lang="es-ES" sz="1400" dirty="0" smtClean="0">
+                <a:solidFill>
+                  <a:schemeClr val="tx1">
+                    <a:lumMod val="75000"/>
+                    <a:lumOff val="25000"/>
+                  </a:schemeClr>
+                </a:solidFill>
+              </a:rPr>
+              <a:t>  - Buda</a:t>
+            </a:r>
+            <a:endParaRPr lang="en-US" sz="1400" dirty="0">
+              <a:solidFill>
+                <a:schemeClr val="tx1">
+                  <a:lumMod val="75000"/>
+                  <a:lumOff val="25000"/>
+                </a:schemeClr>
+              </a:solidFill>
+            </a:endParaRPr>
           </a:p>
         </p:txBody>
       </p:sp>
@@ -6791,36 +6883,6 @@
           </a:extLst>
         </p:spPr>
       </p:pic>
-      <p:sp>
-        <p:nvSpPr>
-          <p:cNvPr id="50" name="TextBox 49"/>
-          <p:cNvSpPr txBox="1"/>
-          <p:nvPr userDrawn="1"/>
-        </p:nvSpPr>
-        <p:spPr>
-          <a:xfrm>
-            <a:off x="4106098" y="285690"/>
-            <a:ext cx="1516441" cy="369332"/>
-          </a:xfrm>
-          <a:prstGeom prst="rect">
-            <a:avLst/>
-          </a:prstGeom>
-          <a:noFill/>
-        </p:spPr>
-        <p:txBody>
-          <a:bodyPr wrap="none" rtlCol="0">
-            <a:spAutoFit/>
-          </a:bodyPr>
-          <a:lstStyle/>
-          <a:p>
-            <a:r>
-              <a:rPr lang="en-US" i="1" dirty="0" smtClean="0"/>
-              <a:t>Simple is cool.</a:t>
-            </a:r>
-            <a:endParaRPr lang="en-US" i="1" dirty="0"/>
-          </a:p>
-        </p:txBody>
-      </p:sp>
       <p:grpSp>
         <p:nvGrpSpPr>
           <p:cNvPr id="51" name="Group 50"/>
@@ -7993,306 +8055,6 @@
           </p:txBody>
         </p:sp>
       </p:grpSp>
-      <p:cxnSp>
-        <p:nvCxnSpPr>
-          <p:cNvPr id="41" name="Straight Connector 40"/>
-          <p:cNvCxnSpPr/>
-          <p:nvPr userDrawn="1"/>
-        </p:nvCxnSpPr>
-        <p:spPr>
-          <a:xfrm>
-            <a:off x="0" y="5943600"/>
-            <a:ext cx="9144000" cy="0"/>
-          </a:xfrm>
-          <a:prstGeom prst="line">
-            <a:avLst/>
-          </a:prstGeom>
-          <a:ln>
-            <a:solidFill>
-              <a:schemeClr val="bg1">
-                <a:lumMod val="75000"/>
-              </a:schemeClr>
-            </a:solidFill>
-          </a:ln>
-        </p:spPr>
-        <p:style>
-          <a:lnRef idx="1">
-            <a:schemeClr val="accent1"/>
-          </a:lnRef>
-          <a:fillRef idx="0">
-            <a:schemeClr val="accent1"/>
-          </a:fillRef>
-          <a:effectRef idx="0">
-            <a:schemeClr val="accent1"/>
-          </a:effectRef>
-          <a:fontRef idx="minor">
-            <a:schemeClr val="tx1"/>
-          </a:fontRef>
-        </p:style>
-      </p:cxnSp>
-      <p:sp>
-        <p:nvSpPr>
-          <p:cNvPr id="42" name="TextBox 41"/>
-          <p:cNvSpPr txBox="1"/>
-          <p:nvPr userDrawn="1"/>
-        </p:nvSpPr>
-        <p:spPr>
-          <a:xfrm>
-            <a:off x="52300" y="6096000"/>
-            <a:ext cx="5106911" cy="369332"/>
-          </a:xfrm>
-          <a:prstGeom prst="rect">
-            <a:avLst/>
-          </a:prstGeom>
-          <a:noFill/>
-        </p:spPr>
-        <p:txBody>
-          <a:bodyPr wrap="none" rtlCol="0">
-            <a:spAutoFit/>
-          </a:bodyPr>
-          <a:lstStyle/>
-          <a:p>
-            <a:r>
-              <a:rPr lang="en-US" dirty="0" smtClean="0">
-                <a:solidFill>
-                  <a:schemeClr val="tx1">
-                    <a:lumMod val="75000"/>
-                    <a:lumOff val="25000"/>
-                  </a:schemeClr>
-                </a:solidFill>
-              </a:rPr>
-              <a:t>Osmar Briones 2018. </a:t>
-            </a:r>
-            <a:r>
-              <a:rPr lang="en-US" dirty="0" err="1" smtClean="0">
-                <a:solidFill>
-                  <a:schemeClr val="tx1">
-                    <a:lumMod val="75000"/>
-                    <a:lumOff val="25000"/>
-                  </a:schemeClr>
-                </a:solidFill>
-              </a:rPr>
-              <a:t>Todos</a:t>
-            </a:r>
-            <a:r>
-              <a:rPr lang="en-US" dirty="0" smtClean="0">
-                <a:solidFill>
-                  <a:schemeClr val="tx1">
-                    <a:lumMod val="75000"/>
-                    <a:lumOff val="25000"/>
-                  </a:schemeClr>
-                </a:solidFill>
-              </a:rPr>
-              <a:t> </a:t>
-            </a:r>
-            <a:r>
-              <a:rPr lang="en-US" dirty="0" err="1" smtClean="0">
-                <a:solidFill>
-                  <a:schemeClr val="tx1">
-                    <a:lumMod val="75000"/>
-                    <a:lumOff val="25000"/>
-                  </a:schemeClr>
-                </a:solidFill>
-              </a:rPr>
-              <a:t>los</a:t>
-            </a:r>
-            <a:r>
-              <a:rPr lang="en-US" dirty="0" smtClean="0">
-                <a:solidFill>
-                  <a:schemeClr val="tx1">
-                    <a:lumMod val="75000"/>
-                    <a:lumOff val="25000"/>
-                  </a:schemeClr>
-                </a:solidFill>
-              </a:rPr>
-              <a:t> derechos </a:t>
-            </a:r>
-            <a:r>
-              <a:rPr lang="en-US" dirty="0" err="1" smtClean="0">
-                <a:solidFill>
-                  <a:schemeClr val="tx1">
-                    <a:lumMod val="75000"/>
-                    <a:lumOff val="25000"/>
-                  </a:schemeClr>
-                </a:solidFill>
-              </a:rPr>
-              <a:t>reservados</a:t>
-            </a:r>
-            <a:r>
-              <a:rPr lang="en-US" dirty="0" smtClean="0">
-                <a:solidFill>
-                  <a:schemeClr val="tx1">
-                    <a:lumMod val="75000"/>
-                    <a:lumOff val="25000"/>
-                  </a:schemeClr>
-                </a:solidFill>
-              </a:rPr>
-              <a:t>.</a:t>
-            </a:r>
-            <a:endParaRPr lang="en-US" dirty="0">
-              <a:solidFill>
-                <a:schemeClr val="tx1">
-                  <a:lumMod val="75000"/>
-                  <a:lumOff val="25000"/>
-                </a:schemeClr>
-              </a:solidFill>
-            </a:endParaRPr>
-          </a:p>
-        </p:txBody>
-      </p:sp>
-      <p:sp>
-        <p:nvSpPr>
-          <p:cNvPr id="43" name="TextBox 42"/>
-          <p:cNvSpPr txBox="1"/>
-          <p:nvPr userDrawn="1"/>
-        </p:nvSpPr>
-        <p:spPr>
-          <a:xfrm>
-            <a:off x="76200" y="6379726"/>
-            <a:ext cx="2238562" cy="276999"/>
-          </a:xfrm>
-          <a:prstGeom prst="rect">
-            <a:avLst/>
-          </a:prstGeom>
-          <a:noFill/>
-        </p:spPr>
-        <p:txBody>
-          <a:bodyPr wrap="none" rtlCol="0">
-            <a:spAutoFit/>
-          </a:bodyPr>
-          <a:lstStyle/>
-          <a:p>
-            <a:r>
-              <a:rPr lang="en-US" sz="1200" u="sng" dirty="0" smtClean="0"/>
-              <a:t>Click here to see something nice.</a:t>
-            </a:r>
-            <a:endParaRPr lang="en-US" sz="1200" u="sng" dirty="0"/>
-          </a:p>
-        </p:txBody>
-      </p:sp>
-      <p:pic>
-        <p:nvPicPr>
-          <p:cNvPr id="44" name="Picture 2" descr="Resultado de imagen para linkedin logo"/>
-          <p:cNvPicPr>
-            <a:picLocks noChangeAspect="1" noChangeArrowheads="1"/>
-          </p:cNvPicPr>
-          <p:nvPr userDrawn="1"/>
-        </p:nvPicPr>
-        <p:blipFill>
-          <a:blip r:embed="rId2" cstate="print">
-            <a:extLst>
-              <a:ext uri="{28A0092B-C50C-407E-A947-70E740481C1C}">
-                <a14:useLocalDpi xmlns:a14="http://schemas.microsoft.com/office/drawing/2010/main" val="0"/>
-              </a:ext>
-            </a:extLst>
-          </a:blip>
-          <a:srcRect/>
-          <a:stretch>
-            <a:fillRect/>
-          </a:stretch>
-        </p:blipFill>
-        <p:spPr bwMode="auto">
-          <a:xfrm>
-            <a:off x="8548984" y="6243499"/>
-            <a:ext cx="413226" cy="413226"/>
-          </a:xfrm>
-          <a:prstGeom prst="rect">
-            <a:avLst/>
-          </a:prstGeom>
-          <a:noFill/>
-          <a:extLst>
-            <a:ext uri="{909E8E84-426E-40DD-AFC4-6F175D3DCCD1}">
-              <a14:hiddenFill xmlns:a14="http://schemas.microsoft.com/office/drawing/2010/main">
-                <a:solidFill>
-                  <a:srgbClr val="FFFFFF"/>
-                </a:solidFill>
-              </a14:hiddenFill>
-            </a:ext>
-          </a:extLst>
-        </p:spPr>
-      </p:pic>
-      <p:pic>
-        <p:nvPicPr>
-          <p:cNvPr id="45" name="Picture 8" descr="Resultado de imagen para twitter png"/>
-          <p:cNvPicPr>
-            <a:picLocks noChangeAspect="1" noChangeArrowheads="1"/>
-          </p:cNvPicPr>
-          <p:nvPr userDrawn="1"/>
-        </p:nvPicPr>
-        <p:blipFill>
-          <a:blip r:embed="rId3" cstate="print">
-            <a:extLst>
-              <a:ext uri="{28A0092B-C50C-407E-A947-70E740481C1C}">
-                <a14:useLocalDpi xmlns:a14="http://schemas.microsoft.com/office/drawing/2010/main" val="0"/>
-              </a:ext>
-            </a:extLst>
-          </a:blip>
-          <a:srcRect/>
-          <a:stretch>
-            <a:fillRect/>
-          </a:stretch>
-        </p:blipFill>
-        <p:spPr bwMode="auto">
-          <a:xfrm>
-            <a:off x="7913618" y="6243499"/>
-            <a:ext cx="528003" cy="464098"/>
-          </a:xfrm>
-          <a:prstGeom prst="rect">
-            <a:avLst/>
-          </a:prstGeom>
-          <a:noFill/>
-          <a:extLst>
-            <a:ext uri="{909E8E84-426E-40DD-AFC4-6F175D3DCCD1}">
-              <a14:hiddenFill xmlns:a14="http://schemas.microsoft.com/office/drawing/2010/main">
-                <a:solidFill>
-                  <a:srgbClr val="FFFFFF"/>
-                </a:solidFill>
-              </a14:hiddenFill>
-            </a:ext>
-          </a:extLst>
-        </p:spPr>
-      </p:pic>
-      <p:pic>
-        <p:nvPicPr>
-          <p:cNvPr id="46" name="Picture 10" descr="Resultado de imagen para facebook png"/>
-          <p:cNvPicPr>
-            <a:picLocks noChangeAspect="1" noChangeArrowheads="1"/>
-          </p:cNvPicPr>
-          <p:nvPr userDrawn="1"/>
-        </p:nvPicPr>
-        <p:blipFill>
-          <a:blip r:embed="rId4" cstate="print">
-            <a:extLst>
-              <a:ext uri="{28A0092B-C50C-407E-A947-70E740481C1C}">
-                <a14:useLocalDpi xmlns:a14="http://schemas.microsoft.com/office/drawing/2010/main" val="0"/>
-              </a:ext>
-            </a:extLst>
-          </a:blip>
-          <a:srcRect/>
-          <a:stretch>
-            <a:fillRect/>
-          </a:stretch>
-        </p:blipFill>
-        <p:spPr bwMode="auto">
-          <a:xfrm>
-            <a:off x="7363077" y="6243499"/>
-            <a:ext cx="478401" cy="478401"/>
-          </a:xfrm>
-          <a:prstGeom prst="rect">
-            <a:avLst/>
-          </a:prstGeom>
-          <a:noFill/>
-          <a:extLst>
-            <a:ext uri="{909E8E84-426E-40DD-AFC4-6F175D3DCCD1}">
-              <a14:hiddenFill xmlns:a14="http://schemas.microsoft.com/office/drawing/2010/main">
-                <a:solidFill>
-                  <a:srgbClr val="FFFFFF"/>
-                </a:solidFill>
-              </a14:hiddenFill>
-            </a:ext>
-          </a:extLst>
-        </p:spPr>
-      </p:pic>
       <p:sp>
         <p:nvSpPr>
           <p:cNvPr id="53" name="TextBox 52"/>
@@ -8605,7 +8367,7 @@
           <p:nvPr userDrawn="1"/>
         </p:nvPicPr>
         <p:blipFill>
-          <a:blip r:embed="rId5" cstate="print">
+          <a:blip r:embed="rId2" cstate="print">
             <a:extLst>
               <a:ext uri="{28A0092B-C50C-407E-A947-70E740481C1C}">
                 <a14:useLocalDpi xmlns:a14="http://schemas.microsoft.com/office/drawing/2010/main" val="0"/>
@@ -8867,16 +8629,53 @@
           </p:txBody>
         </p:sp>
       </p:grpSp>
+      <p:cxnSp>
+        <p:nvCxnSpPr>
+          <p:cNvPr id="47" name="Straight Connector 46"/>
+          <p:cNvCxnSpPr/>
+          <p:nvPr userDrawn="1"/>
+        </p:nvCxnSpPr>
+        <p:spPr>
+          <a:xfrm>
+            <a:off x="0" y="5955175"/>
+            <a:ext cx="9144000" cy="0"/>
+          </a:xfrm>
+          <a:prstGeom prst="line">
+            <a:avLst/>
+          </a:prstGeom>
+          <a:ln>
+            <a:solidFill>
+              <a:schemeClr val="bg1">
+                <a:lumMod val="75000"/>
+              </a:schemeClr>
+            </a:solidFill>
+          </a:ln>
+        </p:spPr>
+        <p:style>
+          <a:lnRef idx="1">
+            <a:schemeClr val="accent1"/>
+          </a:lnRef>
+          <a:fillRef idx="0">
+            <a:schemeClr val="accent1"/>
+          </a:fillRef>
+          <a:effectRef idx="0">
+            <a:schemeClr val="accent1"/>
+          </a:effectRef>
+          <a:fontRef idx="minor">
+            <a:schemeClr val="tx1"/>
+          </a:fontRef>
+        </p:style>
+      </p:cxnSp>
       <p:sp>
         <p:nvSpPr>
-          <p:cNvPr id="62" name="TextBox 61"/>
+          <p:cNvPr id="48" name="TextBox 47"/>
           <p:cNvSpPr txBox="1"/>
           <p:nvPr userDrawn="1"/>
         </p:nvSpPr>
         <p:spPr>
           <a:xfrm>
-            <a:off x="4106098" y="285690"/>
-            <a:ext cx="1516441" cy="369332"/>
+            <a:off x="52300" y="5991925"/>
+            <a:ext cx="5106911" cy="369332"/>
           </a:xfrm>
           <a:prstGeom prst="rect">
             <a:avLst/>
@@ -8890,10 +8689,319 @@
           <a:lstStyle/>
           <a:p>
             <a:r>
-              <a:rPr lang="en-US" i="1" dirty="0" smtClean="0"/>
-              <a:t>Simple is cool.</a:t>
+              <a:rPr lang="en-US" dirty="0" smtClean="0">
+                <a:solidFill>
+                  <a:schemeClr val="tx1">
+                    <a:lumMod val="75000"/>
+                    <a:lumOff val="25000"/>
+                  </a:schemeClr>
+                </a:solidFill>
+              </a:rPr>
+              <a:t>Osmar Briones 2018. </a:t>
             </a:r>
-            <a:endParaRPr lang="en-US" i="1" dirty="0"/>
+            <a:r>
+              <a:rPr lang="en-US" dirty="0" err="1" smtClean="0">
+                <a:solidFill>
+                  <a:schemeClr val="tx1">
+                    <a:lumMod val="75000"/>
+                    <a:lumOff val="25000"/>
+                  </a:schemeClr>
+                </a:solidFill>
+              </a:rPr>
+              <a:t>Todos</a:t>
+            </a:r>
+            <a:r>
+              <a:rPr lang="en-US" dirty="0" smtClean="0">
+                <a:solidFill>
+                  <a:schemeClr val="tx1">
+                    <a:lumMod val="75000"/>
+                    <a:lumOff val="25000"/>
+                  </a:schemeClr>
+                </a:solidFill>
+              </a:rPr>
+              <a:t> </a:t>
+            </a:r>
+            <a:r>
+              <a:rPr lang="en-US" dirty="0" err="1" smtClean="0">
+                <a:solidFill>
+                  <a:schemeClr val="tx1">
+                    <a:lumMod val="75000"/>
+                    <a:lumOff val="25000"/>
+                  </a:schemeClr>
+                </a:solidFill>
+              </a:rPr>
+              <a:t>los</a:t>
+            </a:r>
+            <a:r>
+              <a:rPr lang="en-US" dirty="0" smtClean="0">
+                <a:solidFill>
+                  <a:schemeClr val="tx1">
+                    <a:lumMod val="75000"/>
+                    <a:lumOff val="25000"/>
+                  </a:schemeClr>
+                </a:solidFill>
+              </a:rPr>
+              <a:t> derechos </a:t>
+            </a:r>
+            <a:r>
+              <a:rPr lang="en-US" dirty="0" err="1" smtClean="0">
+                <a:solidFill>
+                  <a:schemeClr val="tx1">
+                    <a:lumMod val="75000"/>
+                    <a:lumOff val="25000"/>
+                  </a:schemeClr>
+                </a:solidFill>
+              </a:rPr>
+              <a:t>reservados</a:t>
+            </a:r>
+            <a:r>
+              <a:rPr lang="en-US" dirty="0" smtClean="0">
+                <a:solidFill>
+                  <a:schemeClr val="tx1">
+                    <a:lumMod val="75000"/>
+                    <a:lumOff val="25000"/>
+                  </a:schemeClr>
+                </a:solidFill>
+              </a:rPr>
+              <a:t>.</a:t>
+            </a:r>
+            <a:endParaRPr lang="en-US" dirty="0">
+              <a:solidFill>
+                <a:schemeClr val="tx1">
+                  <a:lumMod val="75000"/>
+                  <a:lumOff val="25000"/>
+                </a:schemeClr>
+              </a:solidFill>
+            </a:endParaRPr>
+          </a:p>
+        </p:txBody>
+      </p:sp>
+      <p:sp>
+        <p:nvSpPr>
+          <p:cNvPr id="49" name="TextBox 48"/>
+          <p:cNvSpPr txBox="1"/>
+          <p:nvPr userDrawn="1"/>
+        </p:nvSpPr>
+        <p:spPr>
+          <a:xfrm>
+            <a:off x="76200" y="6275651"/>
+            <a:ext cx="2238562" cy="276999"/>
+          </a:xfrm>
+          <a:prstGeom prst="rect">
+            <a:avLst/>
+          </a:prstGeom>
+          <a:noFill/>
+        </p:spPr>
+        <p:txBody>
+          <a:bodyPr wrap="none" rtlCol="0">
+            <a:spAutoFit/>
+          </a:bodyPr>
+          <a:lstStyle/>
+          <a:p>
+            <a:r>
+              <a:rPr lang="en-US" sz="1200" u="sng" dirty="0" smtClean="0"/>
+              <a:t>Click here to see something nice.</a:t>
+            </a:r>
+            <a:endParaRPr lang="en-US" sz="1200" u="sng" dirty="0"/>
+          </a:p>
+        </p:txBody>
+      </p:sp>
+      <p:pic>
+        <p:nvPicPr>
+          <p:cNvPr id="50" name="Picture 2" descr="Resultado de imagen para linkedin logo"/>
+          <p:cNvPicPr>
+            <a:picLocks noChangeAspect="1" noChangeArrowheads="1"/>
+          </p:cNvPicPr>
+          <p:nvPr userDrawn="1"/>
+        </p:nvPicPr>
+        <p:blipFill>
+          <a:blip r:embed="rId3" cstate="print">
+            <a:extLst>
+              <a:ext uri="{28A0092B-C50C-407E-A947-70E740481C1C}">
+                <a14:useLocalDpi xmlns:a14="http://schemas.microsoft.com/office/drawing/2010/main" val="0"/>
+              </a:ext>
+            </a:extLst>
+          </a:blip>
+          <a:srcRect/>
+          <a:stretch>
+            <a:fillRect/>
+          </a:stretch>
+        </p:blipFill>
+        <p:spPr bwMode="auto">
+          <a:xfrm>
+            <a:off x="8548984" y="6086374"/>
+            <a:ext cx="413226" cy="413226"/>
+          </a:xfrm>
+          <a:prstGeom prst="rect">
+            <a:avLst/>
+          </a:prstGeom>
+          <a:noFill/>
+          <a:extLst>
+            <a:ext uri="{909E8E84-426E-40DD-AFC4-6F175D3DCCD1}">
+              <a14:hiddenFill xmlns:a14="http://schemas.microsoft.com/office/drawing/2010/main">
+                <a:solidFill>
+                  <a:srgbClr val="FFFFFF"/>
+                </a:solidFill>
+              </a14:hiddenFill>
+            </a:ext>
+          </a:extLst>
+        </p:spPr>
+      </p:pic>
+      <p:pic>
+        <p:nvPicPr>
+          <p:cNvPr id="51" name="Picture 8" descr="Resultado de imagen para twitter png"/>
+          <p:cNvPicPr>
+            <a:picLocks noChangeAspect="1" noChangeArrowheads="1"/>
+          </p:cNvPicPr>
+          <p:nvPr userDrawn="1"/>
+        </p:nvPicPr>
+        <p:blipFill>
+          <a:blip r:embed="rId4" cstate="print">
+            <a:extLst>
+              <a:ext uri="{28A0092B-C50C-407E-A947-70E740481C1C}">
+                <a14:useLocalDpi xmlns:a14="http://schemas.microsoft.com/office/drawing/2010/main" val="0"/>
+              </a:ext>
+            </a:extLst>
+          </a:blip>
+          <a:srcRect/>
+          <a:stretch>
+            <a:fillRect/>
+          </a:stretch>
+        </p:blipFill>
+        <p:spPr bwMode="auto">
+          <a:xfrm>
+            <a:off x="7913618" y="6086374"/>
+            <a:ext cx="528003" cy="464098"/>
+          </a:xfrm>
+          <a:prstGeom prst="rect">
+            <a:avLst/>
+          </a:prstGeom>
+          <a:noFill/>
+          <a:extLst>
+            <a:ext uri="{909E8E84-426E-40DD-AFC4-6F175D3DCCD1}">
+              <a14:hiddenFill xmlns:a14="http://schemas.microsoft.com/office/drawing/2010/main">
+                <a:solidFill>
+                  <a:srgbClr val="FFFFFF"/>
+                </a:solidFill>
+              </a14:hiddenFill>
+            </a:ext>
+          </a:extLst>
+        </p:spPr>
+      </p:pic>
+      <p:pic>
+        <p:nvPicPr>
+          <p:cNvPr id="52" name="Picture 10" descr="Resultado de imagen para facebook png"/>
+          <p:cNvPicPr>
+            <a:picLocks noChangeAspect="1" noChangeArrowheads="1"/>
+          </p:cNvPicPr>
+          <p:nvPr userDrawn="1"/>
+        </p:nvPicPr>
+        <p:blipFill>
+          <a:blip r:embed="rId5" cstate="print">
+            <a:extLst>
+              <a:ext uri="{28A0092B-C50C-407E-A947-70E740481C1C}">
+                <a14:useLocalDpi xmlns:a14="http://schemas.microsoft.com/office/drawing/2010/main" val="0"/>
+              </a:ext>
+            </a:extLst>
+          </a:blip>
+          <a:srcRect/>
+          <a:stretch>
+            <a:fillRect/>
+          </a:stretch>
+        </p:blipFill>
+        <p:spPr bwMode="auto">
+          <a:xfrm>
+            <a:off x="7363077" y="6086374"/>
+            <a:ext cx="478401" cy="478401"/>
+          </a:xfrm>
+          <a:prstGeom prst="rect">
+            <a:avLst/>
+          </a:prstGeom>
+          <a:noFill/>
+          <a:extLst>
+            <a:ext uri="{909E8E84-426E-40DD-AFC4-6F175D3DCCD1}">
+              <a14:hiddenFill xmlns:a14="http://schemas.microsoft.com/office/drawing/2010/main">
+                <a:solidFill>
+                  <a:srgbClr val="FFFFFF"/>
+                </a:solidFill>
+              </a14:hiddenFill>
+            </a:ext>
+          </a:extLst>
+        </p:spPr>
+      </p:pic>
+      <p:sp>
+        <p:nvSpPr>
+          <p:cNvPr id="63" name="Rectangle 62"/>
+          <p:cNvSpPr/>
+          <p:nvPr userDrawn="1"/>
+        </p:nvSpPr>
+        <p:spPr>
+          <a:xfrm>
+            <a:off x="3756950" y="6564775"/>
+            <a:ext cx="5299042" cy="307777"/>
+          </a:xfrm>
+          <a:prstGeom prst="rect">
+            <a:avLst/>
+          </a:prstGeom>
+        </p:spPr>
+        <p:txBody>
+          <a:bodyPr wrap="square">
+            <a:spAutoFit/>
+          </a:bodyPr>
+          <a:lstStyle/>
+          <a:p>
+            <a:r>
+              <a:rPr lang="es-ES" sz="1400" dirty="0" smtClean="0">
+                <a:solidFill>
+                  <a:schemeClr val="tx1">
+                    <a:lumMod val="75000"/>
+                    <a:lumOff val="25000"/>
+                  </a:schemeClr>
+                </a:solidFill>
+              </a:rPr>
+              <a:t>“</a:t>
+            </a:r>
+            <a:r>
+              <a:rPr lang="es-ES" sz="1400" b="0" dirty="0" smtClean="0">
+                <a:solidFill>
+                  <a:schemeClr val="tx1">
+                    <a:lumMod val="75000"/>
+                    <a:lumOff val="25000"/>
+                  </a:schemeClr>
+                </a:solidFill>
+              </a:rPr>
+              <a:t>Más que mil palabras inútiles, vale una sola que otorgue paz.</a:t>
+            </a:r>
+            <a:r>
+              <a:rPr lang="es-ES" sz="1400" b="1" dirty="0" smtClean="0">
+                <a:solidFill>
+                  <a:schemeClr val="tx1">
+                    <a:lumMod val="75000"/>
+                    <a:lumOff val="25000"/>
+                  </a:schemeClr>
+                </a:solidFill>
+              </a:rPr>
+              <a:t>”</a:t>
+            </a:r>
+            <a:r>
+              <a:rPr lang="es-ES" sz="1400" dirty="0" smtClean="0">
+                <a:solidFill>
+                  <a:schemeClr val="tx1">
+                    <a:lumMod val="75000"/>
+                    <a:lumOff val="25000"/>
+                  </a:schemeClr>
+                </a:solidFill>
+              </a:rPr>
+              <a:t>  - Buda</a:t>
+            </a:r>
+            <a:endParaRPr lang="en-US" sz="1400" dirty="0">
+              <a:solidFill>
+                <a:schemeClr val="tx1">
+                  <a:lumMod val="75000"/>
+                  <a:lumOff val="25000"/>
+                </a:schemeClr>
+              </a:solidFill>
+            </a:endParaRPr>
           </a:p>
         </p:txBody>
       </p:sp>
@@ -10183,36 +10291,6 @@
           </a:extLst>
         </p:spPr>
       </p:pic>
-      <p:sp>
-        <p:nvSpPr>
-          <p:cNvPr id="50" name="TextBox 49"/>
-          <p:cNvSpPr txBox="1"/>
-          <p:nvPr userDrawn="1"/>
-        </p:nvSpPr>
-        <p:spPr>
-          <a:xfrm>
-            <a:off x="4106098" y="285690"/>
-            <a:ext cx="1516441" cy="369332"/>
-          </a:xfrm>
-          <a:prstGeom prst="rect">
-            <a:avLst/>
-          </a:prstGeom>
-          <a:noFill/>
-        </p:spPr>
-        <p:txBody>
-          <a:bodyPr wrap="none" rtlCol="0">
-            <a:spAutoFit/>
-          </a:bodyPr>
-          <a:lstStyle/>
-          <a:p>
-            <a:r>
-              <a:rPr lang="en-US" i="1" dirty="0" smtClean="0"/>
-              <a:t>Simple is cool.</a:t>
-            </a:r>
-            <a:endParaRPr lang="en-US" i="1" dirty="0"/>
-          </a:p>
-        </p:txBody>
-      </p:sp>
       <p:grpSp>
         <p:nvGrpSpPr>
           <p:cNvPr id="51" name="Group 50"/>
@@ -11385,306 +11463,6 @@
           </p:txBody>
         </p:sp>
       </p:grpSp>
-      <p:cxnSp>
-        <p:nvCxnSpPr>
-          <p:cNvPr id="41" name="Straight Connector 40"/>
-          <p:cNvCxnSpPr/>
-          <p:nvPr userDrawn="1"/>
-        </p:nvCxnSpPr>
-        <p:spPr>
-          <a:xfrm>
-            <a:off x="0" y="5943600"/>
-            <a:ext cx="9144000" cy="0"/>
-          </a:xfrm>
-          <a:prstGeom prst="line">
-            <a:avLst/>
-          </a:prstGeom>
-          <a:ln>
-            <a:solidFill>
-              <a:schemeClr val="bg1">
-                <a:lumMod val="75000"/>
-              </a:schemeClr>
-            </a:solidFill>
-          </a:ln>
-        </p:spPr>
-        <p:style>
-          <a:lnRef idx="1">
-            <a:schemeClr val="accent1"/>
-          </a:lnRef>
-          <a:fillRef idx="0">
-            <a:schemeClr val="accent1"/>
-          </a:fillRef>
-          <a:effectRef idx="0">
-            <a:schemeClr val="accent1"/>
-          </a:effectRef>
-          <a:fontRef idx="minor">
-            <a:schemeClr val="tx1"/>
-          </a:fontRef>
-        </p:style>
-      </p:cxnSp>
-      <p:sp>
-        <p:nvSpPr>
-          <p:cNvPr id="42" name="TextBox 41"/>
-          <p:cNvSpPr txBox="1"/>
-          <p:nvPr userDrawn="1"/>
-        </p:nvSpPr>
-        <p:spPr>
-          <a:xfrm>
-            <a:off x="52300" y="6096000"/>
-            <a:ext cx="5106911" cy="369332"/>
-          </a:xfrm>
-          <a:prstGeom prst="rect">
-            <a:avLst/>
-          </a:prstGeom>
-          <a:noFill/>
-        </p:spPr>
-        <p:txBody>
-          <a:bodyPr wrap="none" rtlCol="0">
-            <a:spAutoFit/>
-          </a:bodyPr>
-          <a:lstStyle/>
-          <a:p>
-            <a:r>
-              <a:rPr lang="en-US" dirty="0" smtClean="0">
-                <a:solidFill>
-                  <a:schemeClr val="tx1">
-                    <a:lumMod val="75000"/>
-                    <a:lumOff val="25000"/>
-                  </a:schemeClr>
-                </a:solidFill>
-              </a:rPr>
-              <a:t>Osmar Briones 2018. </a:t>
-            </a:r>
-            <a:r>
-              <a:rPr lang="en-US" dirty="0" err="1" smtClean="0">
-                <a:solidFill>
-                  <a:schemeClr val="tx1">
-                    <a:lumMod val="75000"/>
-                    <a:lumOff val="25000"/>
-                  </a:schemeClr>
-                </a:solidFill>
-              </a:rPr>
-              <a:t>Todos</a:t>
-            </a:r>
-            <a:r>
-              <a:rPr lang="en-US" dirty="0" smtClean="0">
-                <a:solidFill>
-                  <a:schemeClr val="tx1">
-                    <a:lumMod val="75000"/>
-                    <a:lumOff val="25000"/>
-                  </a:schemeClr>
-                </a:solidFill>
-              </a:rPr>
-              <a:t> </a:t>
-            </a:r>
-            <a:r>
-              <a:rPr lang="en-US" dirty="0" err="1" smtClean="0">
-                <a:solidFill>
-                  <a:schemeClr val="tx1">
-                    <a:lumMod val="75000"/>
-                    <a:lumOff val="25000"/>
-                  </a:schemeClr>
-                </a:solidFill>
-              </a:rPr>
-              <a:t>los</a:t>
-            </a:r>
-            <a:r>
-              <a:rPr lang="en-US" dirty="0" smtClean="0">
-                <a:solidFill>
-                  <a:schemeClr val="tx1">
-                    <a:lumMod val="75000"/>
-                    <a:lumOff val="25000"/>
-                  </a:schemeClr>
-                </a:solidFill>
-              </a:rPr>
-              <a:t> derechos </a:t>
-            </a:r>
-            <a:r>
-              <a:rPr lang="en-US" dirty="0" err="1" smtClean="0">
-                <a:solidFill>
-                  <a:schemeClr val="tx1">
-                    <a:lumMod val="75000"/>
-                    <a:lumOff val="25000"/>
-                  </a:schemeClr>
-                </a:solidFill>
-              </a:rPr>
-              <a:t>reservados</a:t>
-            </a:r>
-            <a:r>
-              <a:rPr lang="en-US" dirty="0" smtClean="0">
-                <a:solidFill>
-                  <a:schemeClr val="tx1">
-                    <a:lumMod val="75000"/>
-                    <a:lumOff val="25000"/>
-                  </a:schemeClr>
-                </a:solidFill>
-              </a:rPr>
-              <a:t>.</a:t>
-            </a:r>
-            <a:endParaRPr lang="en-US" dirty="0">
-              <a:solidFill>
-                <a:schemeClr val="tx1">
-                  <a:lumMod val="75000"/>
-                  <a:lumOff val="25000"/>
-                </a:schemeClr>
-              </a:solidFill>
-            </a:endParaRPr>
-          </a:p>
-        </p:txBody>
-      </p:sp>
-      <p:sp>
-        <p:nvSpPr>
-          <p:cNvPr id="43" name="TextBox 42"/>
-          <p:cNvSpPr txBox="1"/>
-          <p:nvPr userDrawn="1"/>
-        </p:nvSpPr>
-        <p:spPr>
-          <a:xfrm>
-            <a:off x="76200" y="6379726"/>
-            <a:ext cx="2238562" cy="276999"/>
-          </a:xfrm>
-          <a:prstGeom prst="rect">
-            <a:avLst/>
-          </a:prstGeom>
-          <a:noFill/>
-        </p:spPr>
-        <p:txBody>
-          <a:bodyPr wrap="none" rtlCol="0">
-            <a:spAutoFit/>
-          </a:bodyPr>
-          <a:lstStyle/>
-          <a:p>
-            <a:r>
-              <a:rPr lang="en-US" sz="1200" u="sng" dirty="0" smtClean="0"/>
-              <a:t>Click here to see something nice.</a:t>
-            </a:r>
-            <a:endParaRPr lang="en-US" sz="1200" u="sng" dirty="0"/>
-          </a:p>
-        </p:txBody>
-      </p:sp>
-      <p:pic>
-        <p:nvPicPr>
-          <p:cNvPr id="44" name="Picture 2" descr="Resultado de imagen para linkedin logo"/>
-          <p:cNvPicPr>
-            <a:picLocks noChangeAspect="1" noChangeArrowheads="1"/>
-          </p:cNvPicPr>
-          <p:nvPr userDrawn="1"/>
-        </p:nvPicPr>
-        <p:blipFill>
-          <a:blip r:embed="rId2" cstate="print">
-            <a:extLst>
-              <a:ext uri="{28A0092B-C50C-407E-A947-70E740481C1C}">
-                <a14:useLocalDpi xmlns:a14="http://schemas.microsoft.com/office/drawing/2010/main" val="0"/>
-              </a:ext>
-            </a:extLst>
-          </a:blip>
-          <a:srcRect/>
-          <a:stretch>
-            <a:fillRect/>
-          </a:stretch>
-        </p:blipFill>
-        <p:spPr bwMode="auto">
-          <a:xfrm>
-            <a:off x="8548984" y="6243499"/>
-            <a:ext cx="413226" cy="413226"/>
-          </a:xfrm>
-          <a:prstGeom prst="rect">
-            <a:avLst/>
-          </a:prstGeom>
-          <a:noFill/>
-          <a:extLst>
-            <a:ext uri="{909E8E84-426E-40DD-AFC4-6F175D3DCCD1}">
-              <a14:hiddenFill xmlns:a14="http://schemas.microsoft.com/office/drawing/2010/main">
-                <a:solidFill>
-                  <a:srgbClr val="FFFFFF"/>
-                </a:solidFill>
-              </a14:hiddenFill>
-            </a:ext>
-          </a:extLst>
-        </p:spPr>
-      </p:pic>
-      <p:pic>
-        <p:nvPicPr>
-          <p:cNvPr id="45" name="Picture 8" descr="Resultado de imagen para twitter png"/>
-          <p:cNvPicPr>
-            <a:picLocks noChangeAspect="1" noChangeArrowheads="1"/>
-          </p:cNvPicPr>
-          <p:nvPr userDrawn="1"/>
-        </p:nvPicPr>
-        <p:blipFill>
-          <a:blip r:embed="rId3" cstate="print">
-            <a:extLst>
-              <a:ext uri="{28A0092B-C50C-407E-A947-70E740481C1C}">
-                <a14:useLocalDpi xmlns:a14="http://schemas.microsoft.com/office/drawing/2010/main" val="0"/>
-              </a:ext>
-            </a:extLst>
-          </a:blip>
-          <a:srcRect/>
-          <a:stretch>
-            <a:fillRect/>
-          </a:stretch>
-        </p:blipFill>
-        <p:spPr bwMode="auto">
-          <a:xfrm>
-            <a:off x="7913618" y="6243499"/>
-            <a:ext cx="528003" cy="464098"/>
-          </a:xfrm>
-          <a:prstGeom prst="rect">
-            <a:avLst/>
-          </a:prstGeom>
-          <a:noFill/>
-          <a:extLst>
-            <a:ext uri="{909E8E84-426E-40DD-AFC4-6F175D3DCCD1}">
-              <a14:hiddenFill xmlns:a14="http://schemas.microsoft.com/office/drawing/2010/main">
-                <a:solidFill>
-                  <a:srgbClr val="FFFFFF"/>
-                </a:solidFill>
-              </a14:hiddenFill>
-            </a:ext>
-          </a:extLst>
-        </p:spPr>
-      </p:pic>
-      <p:pic>
-        <p:nvPicPr>
-          <p:cNvPr id="46" name="Picture 10" descr="Resultado de imagen para facebook png"/>
-          <p:cNvPicPr>
-            <a:picLocks noChangeAspect="1" noChangeArrowheads="1"/>
-          </p:cNvPicPr>
-          <p:nvPr userDrawn="1"/>
-        </p:nvPicPr>
-        <p:blipFill>
-          <a:blip r:embed="rId4" cstate="print">
-            <a:extLst>
-              <a:ext uri="{28A0092B-C50C-407E-A947-70E740481C1C}">
-                <a14:useLocalDpi xmlns:a14="http://schemas.microsoft.com/office/drawing/2010/main" val="0"/>
-              </a:ext>
-            </a:extLst>
-          </a:blip>
-          <a:srcRect/>
-          <a:stretch>
-            <a:fillRect/>
-          </a:stretch>
-        </p:blipFill>
-        <p:spPr bwMode="auto">
-          <a:xfrm>
-            <a:off x="7363077" y="6243499"/>
-            <a:ext cx="478401" cy="478401"/>
-          </a:xfrm>
-          <a:prstGeom prst="rect">
-            <a:avLst/>
-          </a:prstGeom>
-          <a:noFill/>
-          <a:extLst>
-            <a:ext uri="{909E8E84-426E-40DD-AFC4-6F175D3DCCD1}">
-              <a14:hiddenFill xmlns:a14="http://schemas.microsoft.com/office/drawing/2010/main">
-                <a:solidFill>
-                  <a:srgbClr val="FFFFFF"/>
-                </a:solidFill>
-              </a14:hiddenFill>
-            </a:ext>
-          </a:extLst>
-        </p:spPr>
-      </p:pic>
       <p:sp>
         <p:nvSpPr>
           <p:cNvPr id="53" name="TextBox 52"/>
@@ -11997,7 +11775,7 @@
           <p:nvPr userDrawn="1"/>
         </p:nvPicPr>
         <p:blipFill>
-          <a:blip r:embed="rId5" cstate="print">
+          <a:blip r:embed="rId2" cstate="print">
             <a:extLst>
               <a:ext uri="{28A0092B-C50C-407E-A947-70E740481C1C}">
                 <a14:useLocalDpi xmlns:a14="http://schemas.microsoft.com/office/drawing/2010/main" val="0"/>
@@ -12259,16 +12037,53 @@
           </p:txBody>
         </p:sp>
       </p:grpSp>
+      <p:cxnSp>
+        <p:nvCxnSpPr>
+          <p:cNvPr id="64" name="Straight Connector 63"/>
+          <p:cNvCxnSpPr/>
+          <p:nvPr userDrawn="1"/>
+        </p:nvCxnSpPr>
+        <p:spPr>
+          <a:xfrm>
+            <a:off x="0" y="5955175"/>
+            <a:ext cx="9144000" cy="0"/>
+          </a:xfrm>
+          <a:prstGeom prst="line">
+            <a:avLst/>
+          </a:prstGeom>
+          <a:ln>
+            <a:solidFill>
+              <a:schemeClr val="bg1">
+                <a:lumMod val="75000"/>
+              </a:schemeClr>
+            </a:solidFill>
+          </a:ln>
+        </p:spPr>
+        <p:style>
+          <a:lnRef idx="1">
+            <a:schemeClr val="accent1"/>
+          </a:lnRef>
+          <a:fillRef idx="0">
+            <a:schemeClr val="accent1"/>
+          </a:fillRef>
+          <a:effectRef idx="0">
+            <a:schemeClr val="accent1"/>
+          </a:effectRef>
+          <a:fontRef idx="minor">
+            <a:schemeClr val="tx1"/>
+          </a:fontRef>
+        </p:style>
+      </p:cxnSp>
       <p:sp>
         <p:nvSpPr>
-          <p:cNvPr id="62" name="TextBox 61"/>
+          <p:cNvPr id="65" name="TextBox 64"/>
           <p:cNvSpPr txBox="1"/>
           <p:nvPr userDrawn="1"/>
         </p:nvSpPr>
         <p:spPr>
           <a:xfrm>
-            <a:off x="4106098" y="285690"/>
-            <a:ext cx="1516441" cy="369332"/>
+            <a:off x="52300" y="5991925"/>
+            <a:ext cx="5106911" cy="369332"/>
           </a:xfrm>
           <a:prstGeom prst="rect">
             <a:avLst/>
@@ -12282,10 +12097,319 @@
           <a:lstStyle/>
           <a:p>
             <a:r>
-              <a:rPr lang="en-US" i="1" dirty="0" smtClean="0"/>
-              <a:t>Simple is cool.</a:t>
+              <a:rPr lang="en-US" dirty="0" smtClean="0">
+                <a:solidFill>
+                  <a:schemeClr val="tx1">
+                    <a:lumMod val="75000"/>
+                    <a:lumOff val="25000"/>
+                  </a:schemeClr>
+                </a:solidFill>
+              </a:rPr>
+              <a:t>Osmar Briones 2018. </a:t>
             </a:r>
-            <a:endParaRPr lang="en-US" i="1" dirty="0"/>
+            <a:r>
+              <a:rPr lang="en-US" dirty="0" err="1" smtClean="0">
+                <a:solidFill>
+                  <a:schemeClr val="tx1">
+                    <a:lumMod val="75000"/>
+                    <a:lumOff val="25000"/>
+                  </a:schemeClr>
+                </a:solidFill>
+              </a:rPr>
+              <a:t>Todos</a:t>
+            </a:r>
+            <a:r>
+              <a:rPr lang="en-US" dirty="0" smtClean="0">
+                <a:solidFill>
+                  <a:schemeClr val="tx1">
+                    <a:lumMod val="75000"/>
+                    <a:lumOff val="25000"/>
+                  </a:schemeClr>
+                </a:solidFill>
+              </a:rPr>
+              <a:t> </a:t>
+            </a:r>
+            <a:r>
+              <a:rPr lang="en-US" dirty="0" err="1" smtClean="0">
+                <a:solidFill>
+                  <a:schemeClr val="tx1">
+                    <a:lumMod val="75000"/>
+                    <a:lumOff val="25000"/>
+                  </a:schemeClr>
+                </a:solidFill>
+              </a:rPr>
+              <a:t>los</a:t>
+            </a:r>
+            <a:r>
+              <a:rPr lang="en-US" dirty="0" smtClean="0">
+                <a:solidFill>
+                  <a:schemeClr val="tx1">
+                    <a:lumMod val="75000"/>
+                    <a:lumOff val="25000"/>
+                  </a:schemeClr>
+                </a:solidFill>
+              </a:rPr>
+              <a:t> derechos </a:t>
+            </a:r>
+            <a:r>
+              <a:rPr lang="en-US" dirty="0" err="1" smtClean="0">
+                <a:solidFill>
+                  <a:schemeClr val="tx1">
+                    <a:lumMod val="75000"/>
+                    <a:lumOff val="25000"/>
+                  </a:schemeClr>
+                </a:solidFill>
+              </a:rPr>
+              <a:t>reservados</a:t>
+            </a:r>
+            <a:r>
+              <a:rPr lang="en-US" dirty="0" smtClean="0">
+                <a:solidFill>
+                  <a:schemeClr val="tx1">
+                    <a:lumMod val="75000"/>
+                    <a:lumOff val="25000"/>
+                  </a:schemeClr>
+                </a:solidFill>
+              </a:rPr>
+              <a:t>.</a:t>
+            </a:r>
+            <a:endParaRPr lang="en-US" dirty="0">
+              <a:solidFill>
+                <a:schemeClr val="tx1">
+                  <a:lumMod val="75000"/>
+                  <a:lumOff val="25000"/>
+                </a:schemeClr>
+              </a:solidFill>
+            </a:endParaRPr>
+          </a:p>
+        </p:txBody>
+      </p:sp>
+      <p:sp>
+        <p:nvSpPr>
+          <p:cNvPr id="66" name="TextBox 65"/>
+          <p:cNvSpPr txBox="1"/>
+          <p:nvPr userDrawn="1"/>
+        </p:nvSpPr>
+        <p:spPr>
+          <a:xfrm>
+            <a:off x="76200" y="6275651"/>
+            <a:ext cx="2238562" cy="276999"/>
+          </a:xfrm>
+          <a:prstGeom prst="rect">
+            <a:avLst/>
+          </a:prstGeom>
+          <a:noFill/>
+        </p:spPr>
+        <p:txBody>
+          <a:bodyPr wrap="none" rtlCol="0">
+            <a:spAutoFit/>
+          </a:bodyPr>
+          <a:lstStyle/>
+          <a:p>
+            <a:r>
+              <a:rPr lang="en-US" sz="1200" u="sng" dirty="0" smtClean="0"/>
+              <a:t>Click here to see something nice.</a:t>
+            </a:r>
+            <a:endParaRPr lang="en-US" sz="1200" u="sng" dirty="0"/>
+          </a:p>
+        </p:txBody>
+      </p:sp>
+      <p:pic>
+        <p:nvPicPr>
+          <p:cNvPr id="67" name="Picture 2" descr="Resultado de imagen para linkedin logo"/>
+          <p:cNvPicPr>
+            <a:picLocks noChangeAspect="1" noChangeArrowheads="1"/>
+          </p:cNvPicPr>
+          <p:nvPr userDrawn="1"/>
+        </p:nvPicPr>
+        <p:blipFill>
+          <a:blip r:embed="rId3" cstate="print">
+            <a:extLst>
+              <a:ext uri="{28A0092B-C50C-407E-A947-70E740481C1C}">
+                <a14:useLocalDpi xmlns:a14="http://schemas.microsoft.com/office/drawing/2010/main" val="0"/>
+              </a:ext>
+            </a:extLst>
+          </a:blip>
+          <a:srcRect/>
+          <a:stretch>
+            <a:fillRect/>
+          </a:stretch>
+        </p:blipFill>
+        <p:spPr bwMode="auto">
+          <a:xfrm>
+            <a:off x="8548984" y="6086374"/>
+            <a:ext cx="413226" cy="413226"/>
+          </a:xfrm>
+          <a:prstGeom prst="rect">
+            <a:avLst/>
+          </a:prstGeom>
+          <a:noFill/>
+          <a:extLst>
+            <a:ext uri="{909E8E84-426E-40DD-AFC4-6F175D3DCCD1}">
+              <a14:hiddenFill xmlns:a14="http://schemas.microsoft.com/office/drawing/2010/main">
+                <a:solidFill>
+                  <a:srgbClr val="FFFFFF"/>
+                </a:solidFill>
+              </a14:hiddenFill>
+            </a:ext>
+          </a:extLst>
+        </p:spPr>
+      </p:pic>
+      <p:pic>
+        <p:nvPicPr>
+          <p:cNvPr id="68" name="Picture 8" descr="Resultado de imagen para twitter png"/>
+          <p:cNvPicPr>
+            <a:picLocks noChangeAspect="1" noChangeArrowheads="1"/>
+          </p:cNvPicPr>
+          <p:nvPr userDrawn="1"/>
+        </p:nvPicPr>
+        <p:blipFill>
+          <a:blip r:embed="rId4" cstate="print">
+            <a:extLst>
+              <a:ext uri="{28A0092B-C50C-407E-A947-70E740481C1C}">
+                <a14:useLocalDpi xmlns:a14="http://schemas.microsoft.com/office/drawing/2010/main" val="0"/>
+              </a:ext>
+            </a:extLst>
+          </a:blip>
+          <a:srcRect/>
+          <a:stretch>
+            <a:fillRect/>
+          </a:stretch>
+        </p:blipFill>
+        <p:spPr bwMode="auto">
+          <a:xfrm>
+            <a:off x="7913618" y="6086374"/>
+            <a:ext cx="528003" cy="464098"/>
+          </a:xfrm>
+          <a:prstGeom prst="rect">
+            <a:avLst/>
+          </a:prstGeom>
+          <a:noFill/>
+          <a:extLst>
+            <a:ext uri="{909E8E84-426E-40DD-AFC4-6F175D3DCCD1}">
+              <a14:hiddenFill xmlns:a14="http://schemas.microsoft.com/office/drawing/2010/main">
+                <a:solidFill>
+                  <a:srgbClr val="FFFFFF"/>
+                </a:solidFill>
+              </a14:hiddenFill>
+            </a:ext>
+          </a:extLst>
+        </p:spPr>
+      </p:pic>
+      <p:pic>
+        <p:nvPicPr>
+          <p:cNvPr id="69" name="Picture 10" descr="Resultado de imagen para facebook png"/>
+          <p:cNvPicPr>
+            <a:picLocks noChangeAspect="1" noChangeArrowheads="1"/>
+          </p:cNvPicPr>
+          <p:nvPr userDrawn="1"/>
+        </p:nvPicPr>
+        <p:blipFill>
+          <a:blip r:embed="rId5" cstate="print">
+            <a:extLst>
+              <a:ext uri="{28A0092B-C50C-407E-A947-70E740481C1C}">
+                <a14:useLocalDpi xmlns:a14="http://schemas.microsoft.com/office/drawing/2010/main" val="0"/>
+              </a:ext>
+            </a:extLst>
+          </a:blip>
+          <a:srcRect/>
+          <a:stretch>
+            <a:fillRect/>
+          </a:stretch>
+        </p:blipFill>
+        <p:spPr bwMode="auto">
+          <a:xfrm>
+            <a:off x="7363077" y="6086374"/>
+            <a:ext cx="478401" cy="478401"/>
+          </a:xfrm>
+          <a:prstGeom prst="rect">
+            <a:avLst/>
+          </a:prstGeom>
+          <a:noFill/>
+          <a:extLst>
+            <a:ext uri="{909E8E84-426E-40DD-AFC4-6F175D3DCCD1}">
+              <a14:hiddenFill xmlns:a14="http://schemas.microsoft.com/office/drawing/2010/main">
+                <a:solidFill>
+                  <a:srgbClr val="FFFFFF"/>
+                </a:solidFill>
+              </a14:hiddenFill>
+            </a:ext>
+          </a:extLst>
+        </p:spPr>
+      </p:pic>
+      <p:sp>
+        <p:nvSpPr>
+          <p:cNvPr id="70" name="Rectangle 69"/>
+          <p:cNvSpPr/>
+          <p:nvPr userDrawn="1"/>
+        </p:nvSpPr>
+        <p:spPr>
+          <a:xfrm>
+            <a:off x="3756950" y="6564775"/>
+            <a:ext cx="5299042" cy="307777"/>
+          </a:xfrm>
+          <a:prstGeom prst="rect">
+            <a:avLst/>
+          </a:prstGeom>
+        </p:spPr>
+        <p:txBody>
+          <a:bodyPr wrap="square">
+            <a:spAutoFit/>
+          </a:bodyPr>
+          <a:lstStyle/>
+          <a:p>
+            <a:r>
+              <a:rPr lang="es-ES" sz="1400" dirty="0" smtClean="0">
+                <a:solidFill>
+                  <a:schemeClr val="tx1">
+                    <a:lumMod val="75000"/>
+                    <a:lumOff val="25000"/>
+                  </a:schemeClr>
+                </a:solidFill>
+              </a:rPr>
+              <a:t>“</a:t>
+            </a:r>
+            <a:r>
+              <a:rPr lang="es-ES" sz="1400" b="0" dirty="0" smtClean="0">
+                <a:solidFill>
+                  <a:schemeClr val="tx1">
+                    <a:lumMod val="75000"/>
+                    <a:lumOff val="25000"/>
+                  </a:schemeClr>
+                </a:solidFill>
+              </a:rPr>
+              <a:t>Más que mil palabras inútiles, vale una sola que otorgue paz.</a:t>
+            </a:r>
+            <a:r>
+              <a:rPr lang="es-ES" sz="1400" b="1" dirty="0" smtClean="0">
+                <a:solidFill>
+                  <a:schemeClr val="tx1">
+                    <a:lumMod val="75000"/>
+                    <a:lumOff val="25000"/>
+                  </a:schemeClr>
+                </a:solidFill>
+              </a:rPr>
+              <a:t>”</a:t>
+            </a:r>
+            <a:r>
+              <a:rPr lang="es-ES" sz="1400" dirty="0" smtClean="0">
+                <a:solidFill>
+                  <a:schemeClr val="tx1">
+                    <a:lumMod val="75000"/>
+                    <a:lumOff val="25000"/>
+                  </a:schemeClr>
+                </a:solidFill>
+              </a:rPr>
+              <a:t>  - Buda</a:t>
+            </a:r>
+            <a:endParaRPr lang="en-US" sz="1400" dirty="0">
+              <a:solidFill>
+                <a:schemeClr val="tx1">
+                  <a:lumMod val="75000"/>
+                  <a:lumOff val="25000"/>
+                </a:schemeClr>
+              </a:solidFill>
+            </a:endParaRPr>
           </a:p>
         </p:txBody>
       </p:sp>
@@ -13645,7 +13769,7 @@
           <a:p>
             <a:fld id="{00791689-1FA3-4096-A498-9F8277E8D064}" type="datetimeFigureOut">
               <a:rPr lang="en-US" smtClean="0"/>
-              <a:t>10/19/2018</a:t>
+              <a:t>11/30/2018</a:t>
             </a:fld>
             <a:endParaRPr lang="en-US"/>
           </a:p>
@@ -15754,137 +15878,6 @@
       </p:grpSp>
       <p:sp>
         <p:nvSpPr>
-          <p:cNvPr id="24" name="Chevron 23"/>
-          <p:cNvSpPr/>
-          <p:nvPr/>
-        </p:nvSpPr>
-        <p:spPr>
-          <a:xfrm>
-            <a:off x="8466713" y="4190396"/>
-            <a:ext cx="285870" cy="285870"/>
-          </a:xfrm>
-          <a:custGeom>
-            <a:avLst/>
-            <a:gdLst>
-              <a:gd name="connsiteX0" fmla="*/ 0 w 762000"/>
-              <a:gd name="connsiteY0" fmla="*/ 0 h 762000"/>
-              <a:gd name="connsiteX1" fmla="*/ 136642 w 762000"/>
-              <a:gd name="connsiteY1" fmla="*/ 0 h 762000"/>
-              <a:gd name="connsiteX2" fmla="*/ 762000 w 762000"/>
-              <a:gd name="connsiteY2" fmla="*/ 381000 h 762000"/>
-              <a:gd name="connsiteX3" fmla="*/ 136642 w 762000"/>
-              <a:gd name="connsiteY3" fmla="*/ 762000 h 762000"/>
-              <a:gd name="connsiteX4" fmla="*/ 0 w 762000"/>
-              <a:gd name="connsiteY4" fmla="*/ 762000 h 762000"/>
-              <a:gd name="connsiteX5" fmla="*/ 625358 w 762000"/>
-              <a:gd name="connsiteY5" fmla="*/ 381000 h 762000"/>
-              <a:gd name="connsiteX6" fmla="*/ 0 w 762000"/>
-              <a:gd name="connsiteY6" fmla="*/ 0 h 762000"/>
-              <a:gd name="connsiteX0" fmla="*/ 0 w 762000"/>
-              <a:gd name="connsiteY0" fmla="*/ 0 h 762000"/>
-              <a:gd name="connsiteX1" fmla="*/ 136642 w 762000"/>
-              <a:gd name="connsiteY1" fmla="*/ 0 h 762000"/>
-              <a:gd name="connsiteX2" fmla="*/ 762000 w 762000"/>
-              <a:gd name="connsiteY2" fmla="*/ 381000 h 762000"/>
-              <a:gd name="connsiteX3" fmla="*/ 136642 w 762000"/>
-              <a:gd name="connsiteY3" fmla="*/ 762000 h 762000"/>
-              <a:gd name="connsiteX4" fmla="*/ 0 w 762000"/>
-              <a:gd name="connsiteY4" fmla="*/ 762000 h 762000"/>
-              <a:gd name="connsiteX5" fmla="*/ 278117 w 762000"/>
-              <a:gd name="connsiteY5" fmla="*/ 381000 h 762000"/>
-              <a:gd name="connsiteX6" fmla="*/ 0 w 762000"/>
-              <a:gd name="connsiteY6" fmla="*/ 0 h 762000"/>
-            </a:gdLst>
-            <a:ahLst/>
-            <a:cxnLst>
-              <a:cxn ang="0">
-                <a:pos x="connsiteX0" y="connsiteY0"/>
-              </a:cxn>
-              <a:cxn ang="0">
-                <a:pos x="connsiteX1" y="connsiteY1"/>
-              </a:cxn>
-              <a:cxn ang="0">
-                <a:pos x="connsiteX2" y="connsiteY2"/>
-              </a:cxn>
-              <a:cxn ang="0">
-                <a:pos x="connsiteX3" y="connsiteY3"/>
-              </a:cxn>
-              <a:cxn ang="0">
-                <a:pos x="connsiteX4" y="connsiteY4"/>
-              </a:cxn>
-              <a:cxn ang="0">
-                <a:pos x="connsiteX5" y="connsiteY5"/>
-              </a:cxn>
-              <a:cxn ang="0">
-                <a:pos x="connsiteX6" y="connsiteY6"/>
-              </a:cxn>
-            </a:cxnLst>
-            <a:rect l="l" t="t" r="r" b="b"/>
-            <a:pathLst>
-              <a:path w="762000" h="762000">
-                <a:moveTo>
-                  <a:pt x="0" y="0"/>
-                </a:moveTo>
-                <a:lnTo>
-                  <a:pt x="136642" y="0"/>
-                </a:lnTo>
-                <a:lnTo>
-                  <a:pt x="762000" y="381000"/>
-                </a:lnTo>
-                <a:lnTo>
-                  <a:pt x="136642" y="762000"/>
-                </a:lnTo>
-                <a:lnTo>
-                  <a:pt x="0" y="762000"/>
-                </a:lnTo>
-                <a:lnTo>
-                  <a:pt x="278117" y="381000"/>
-                </a:lnTo>
-                <a:lnTo>
-                  <a:pt x="0" y="0"/>
-                </a:lnTo>
-                <a:close/>
-              </a:path>
-            </a:pathLst>
-          </a:custGeom>
-          <a:noFill/>
-          <a:ln>
-            <a:solidFill>
-              <a:srgbClr val="FF0000"/>
-            </a:solidFill>
-          </a:ln>
-        </p:spPr>
-        <p:style>
-          <a:lnRef idx="2">
-            <a:schemeClr val="accent1">
-              <a:shade val="50000"/>
-            </a:schemeClr>
-          </a:lnRef>
-          <a:fillRef idx="1">
-            <a:schemeClr val="accent1"/>
-          </a:fillRef>
-          <a:effectRef idx="0">
-            <a:schemeClr val="accent1"/>
-          </a:effectRef>
-          <a:fontRef idx="minor">
-            <a:schemeClr val="lt1"/>
-          </a:fontRef>
-        </p:style>
-        <p:txBody>
-          <a:bodyPr rtlCol="0" anchor="ctr"/>
-          <a:lstStyle/>
-          <a:p>
-            <a:pPr algn="ctr"/>
-            <a:endParaRPr lang="en-US">
-              <a:solidFill>
-                <a:schemeClr val="tx1"/>
-              </a:solidFill>
-            </a:endParaRPr>
-          </a:p>
-        </p:txBody>
-      </p:sp>
-      <p:sp>
-        <p:nvSpPr>
           <p:cNvPr id="13" name="Rounded Rectangular Callout 12"/>
           <p:cNvSpPr/>
           <p:nvPr/>
@@ -16510,137 +16503,6 @@
       </p:sp>
       <p:sp>
         <p:nvSpPr>
-          <p:cNvPr id="42" name="Chevron 23"/>
-          <p:cNvSpPr/>
-          <p:nvPr/>
-        </p:nvSpPr>
-        <p:spPr>
-          <a:xfrm flipH="1">
-            <a:off x="474072" y="4255598"/>
-            <a:ext cx="285870" cy="285870"/>
-          </a:xfrm>
-          <a:custGeom>
-            <a:avLst/>
-            <a:gdLst>
-              <a:gd name="connsiteX0" fmla="*/ 0 w 762000"/>
-              <a:gd name="connsiteY0" fmla="*/ 0 h 762000"/>
-              <a:gd name="connsiteX1" fmla="*/ 136642 w 762000"/>
-              <a:gd name="connsiteY1" fmla="*/ 0 h 762000"/>
-              <a:gd name="connsiteX2" fmla="*/ 762000 w 762000"/>
-              <a:gd name="connsiteY2" fmla="*/ 381000 h 762000"/>
-              <a:gd name="connsiteX3" fmla="*/ 136642 w 762000"/>
-              <a:gd name="connsiteY3" fmla="*/ 762000 h 762000"/>
-              <a:gd name="connsiteX4" fmla="*/ 0 w 762000"/>
-              <a:gd name="connsiteY4" fmla="*/ 762000 h 762000"/>
-              <a:gd name="connsiteX5" fmla="*/ 625358 w 762000"/>
-              <a:gd name="connsiteY5" fmla="*/ 381000 h 762000"/>
-              <a:gd name="connsiteX6" fmla="*/ 0 w 762000"/>
-              <a:gd name="connsiteY6" fmla="*/ 0 h 762000"/>
-              <a:gd name="connsiteX0" fmla="*/ 0 w 762000"/>
-              <a:gd name="connsiteY0" fmla="*/ 0 h 762000"/>
-              <a:gd name="connsiteX1" fmla="*/ 136642 w 762000"/>
-              <a:gd name="connsiteY1" fmla="*/ 0 h 762000"/>
-              <a:gd name="connsiteX2" fmla="*/ 762000 w 762000"/>
-              <a:gd name="connsiteY2" fmla="*/ 381000 h 762000"/>
-              <a:gd name="connsiteX3" fmla="*/ 136642 w 762000"/>
-              <a:gd name="connsiteY3" fmla="*/ 762000 h 762000"/>
-              <a:gd name="connsiteX4" fmla="*/ 0 w 762000"/>
-              <a:gd name="connsiteY4" fmla="*/ 762000 h 762000"/>
-              <a:gd name="connsiteX5" fmla="*/ 278117 w 762000"/>
-              <a:gd name="connsiteY5" fmla="*/ 381000 h 762000"/>
-              <a:gd name="connsiteX6" fmla="*/ 0 w 762000"/>
-              <a:gd name="connsiteY6" fmla="*/ 0 h 762000"/>
-            </a:gdLst>
-            <a:ahLst/>
-            <a:cxnLst>
-              <a:cxn ang="0">
-                <a:pos x="connsiteX0" y="connsiteY0"/>
-              </a:cxn>
-              <a:cxn ang="0">
-                <a:pos x="connsiteX1" y="connsiteY1"/>
-              </a:cxn>
-              <a:cxn ang="0">
-                <a:pos x="connsiteX2" y="connsiteY2"/>
-              </a:cxn>
-              <a:cxn ang="0">
-                <a:pos x="connsiteX3" y="connsiteY3"/>
-              </a:cxn>
-              <a:cxn ang="0">
-                <a:pos x="connsiteX4" y="connsiteY4"/>
-              </a:cxn>
-              <a:cxn ang="0">
-                <a:pos x="connsiteX5" y="connsiteY5"/>
-              </a:cxn>
-              <a:cxn ang="0">
-                <a:pos x="connsiteX6" y="connsiteY6"/>
-              </a:cxn>
-            </a:cxnLst>
-            <a:rect l="l" t="t" r="r" b="b"/>
-            <a:pathLst>
-              <a:path w="762000" h="762000">
-                <a:moveTo>
-                  <a:pt x="0" y="0"/>
-                </a:moveTo>
-                <a:lnTo>
-                  <a:pt x="136642" y="0"/>
-                </a:lnTo>
-                <a:lnTo>
-                  <a:pt x="762000" y="381000"/>
-                </a:lnTo>
-                <a:lnTo>
-                  <a:pt x="136642" y="762000"/>
-                </a:lnTo>
-                <a:lnTo>
-                  <a:pt x="0" y="762000"/>
-                </a:lnTo>
-                <a:lnTo>
-                  <a:pt x="278117" y="381000"/>
-                </a:lnTo>
-                <a:lnTo>
-                  <a:pt x="0" y="0"/>
-                </a:lnTo>
-                <a:close/>
-              </a:path>
-            </a:pathLst>
-          </a:custGeom>
-          <a:noFill/>
-          <a:ln>
-            <a:solidFill>
-              <a:srgbClr val="FF0000"/>
-            </a:solidFill>
-          </a:ln>
-        </p:spPr>
-        <p:style>
-          <a:lnRef idx="2">
-            <a:schemeClr val="accent1">
-              <a:shade val="50000"/>
-            </a:schemeClr>
-          </a:lnRef>
-          <a:fillRef idx="1">
-            <a:schemeClr val="accent1"/>
-          </a:fillRef>
-          <a:effectRef idx="0">
-            <a:schemeClr val="accent1"/>
-          </a:effectRef>
-          <a:fontRef idx="minor">
-            <a:schemeClr val="lt1"/>
-          </a:fontRef>
-        </p:style>
-        <p:txBody>
-          <a:bodyPr rtlCol="0" anchor="ctr"/>
-          <a:lstStyle/>
-          <a:p>
-            <a:pPr algn="ctr"/>
-            <a:endParaRPr lang="en-US">
-              <a:solidFill>
-                <a:schemeClr val="tx1"/>
-              </a:solidFill>
-            </a:endParaRPr>
-          </a:p>
-        </p:txBody>
-      </p:sp>
-      <p:sp>
-        <p:nvSpPr>
           <p:cNvPr id="10" name="TextBox 9"/>
           <p:cNvSpPr txBox="1"/>
           <p:nvPr/>
@@ -17001,6 +16863,110 @@
           </p:txBody>
         </p:sp>
       </p:grpSp>
+      <p:sp>
+        <p:nvSpPr>
+          <p:cNvPr id="45" name="Chevron 44"/>
+          <p:cNvSpPr/>
+          <p:nvPr/>
+        </p:nvSpPr>
+        <p:spPr>
+          <a:xfrm rot="10800000">
+            <a:off x="76201" y="3952331"/>
+            <a:ext cx="762000" cy="762000"/>
+          </a:xfrm>
+          <a:prstGeom prst="chevron">
+            <a:avLst>
+              <a:gd name="adj" fmla="val 82068"/>
+            </a:avLst>
+          </a:prstGeom>
+          <a:solidFill>
+            <a:srgbClr val="FF0000"/>
+          </a:solidFill>
+          <a:ln>
+            <a:noFill/>
+          </a:ln>
+        </p:spPr>
+        <p:style>
+          <a:lnRef idx="2">
+            <a:schemeClr val="accent1">
+              <a:shade val="50000"/>
+            </a:schemeClr>
+          </a:lnRef>
+          <a:fillRef idx="1">
+            <a:schemeClr val="accent1"/>
+          </a:fillRef>
+          <a:effectRef idx="0">
+            <a:schemeClr val="accent1"/>
+          </a:effectRef>
+          <a:fontRef idx="minor">
+            <a:schemeClr val="lt1"/>
+          </a:fontRef>
+        </p:style>
+        <p:txBody>
+          <a:bodyPr rtlCol="0" anchor="ctr"/>
+          <a:lstStyle/>
+          <a:p>
+            <a:pPr algn="ctr"/>
+            <a:endParaRPr lang="en-US">
+              <a:solidFill>
+                <a:schemeClr val="tx1"/>
+              </a:solidFill>
+            </a:endParaRPr>
+          </a:p>
+        </p:txBody>
+      </p:sp>
+      <p:sp>
+        <p:nvSpPr>
+          <p:cNvPr id="46" name="Chevron 45"/>
+          <p:cNvSpPr/>
+          <p:nvPr/>
+        </p:nvSpPr>
+        <p:spPr>
+          <a:xfrm>
+            <a:off x="8305800" y="4018054"/>
+            <a:ext cx="762000" cy="762000"/>
+          </a:xfrm>
+          <a:prstGeom prst="chevron">
+            <a:avLst>
+              <a:gd name="adj" fmla="val 82068"/>
+            </a:avLst>
+          </a:prstGeom>
+          <a:solidFill>
+            <a:srgbClr val="FF0000"/>
+          </a:solidFill>
+          <a:ln>
+            <a:noFill/>
+          </a:ln>
+        </p:spPr>
+        <p:style>
+          <a:lnRef idx="2">
+            <a:schemeClr val="accent1">
+              <a:shade val="50000"/>
+            </a:schemeClr>
+          </a:lnRef>
+          <a:fillRef idx="1">
+            <a:schemeClr val="accent1"/>
+          </a:fillRef>
+          <a:effectRef idx="0">
+            <a:schemeClr val="accent1"/>
+          </a:effectRef>
+          <a:fontRef idx="minor">
+            <a:schemeClr val="lt1"/>
+          </a:fontRef>
+        </p:style>
+        <p:txBody>
+          <a:bodyPr rtlCol="0" anchor="ctr"/>
+          <a:lstStyle/>
+          <a:p>
+            <a:pPr algn="ctr"/>
+            <a:endParaRPr lang="en-US">
+              <a:solidFill>
+                <a:schemeClr val="tx1"/>
+              </a:solidFill>
+            </a:endParaRPr>
+          </a:p>
+        </p:txBody>
+      </p:sp>
     </p:spTree>
     <p:extLst>
       <p:ext uri="{BB962C8B-B14F-4D97-AF65-F5344CB8AC3E}">
@@ -19115,11 +19081,20 @@
               <a:rPr lang="en-US" sz="1200" dirty="0">
                 <a:latin typeface="Bahnschrift Light" panose="020B0502040204020203" pitchFamily="34" charset="0"/>
               </a:rPr>
-              <a:t> which is a platform more focused to that aspect, this page is for my personal and continuous improvement.</a:t>
+              <a:t> which is a platform more focused </a:t>
             </a:r>
-            <a:endParaRPr lang="en-US" sz="1200" dirty="0">
-              <a:latin typeface="Bahnschrift Light" panose="020B0502040204020203" pitchFamily="34" charset="0"/>
-            </a:endParaRPr>
+            <a:r>
+              <a:rPr lang="en-US" sz="1200" smtClean="0">
+                <a:latin typeface="Bahnschrift Light" panose="020B0502040204020203" pitchFamily="34" charset="0"/>
+              </a:rPr>
+              <a:t>on that, </a:t>
+            </a:r>
+            <a:r>
+              <a:rPr lang="en-US" sz="1200" dirty="0">
+                <a:latin typeface="Bahnschrift Light" panose="020B0502040204020203" pitchFamily="34" charset="0"/>
+              </a:rPr>
+              <a:t>this page is for my personal and continuous improvement.</a:t>
+            </a:r>
           </a:p>
         </p:txBody>
       </p:sp>

--- a/screens.pptx
+++ b/screens.pptx
@@ -13769,7 +13769,7 @@
           <a:p>
             <a:fld id="{00791689-1FA3-4096-A498-9F8277E8D064}" type="datetimeFigureOut">
               <a:rPr lang="en-US" smtClean="0"/>
-              <a:t>11/30/2018</a:t>
+              <a:t>12/3/2018</a:t>
             </a:fld>
             <a:endParaRPr lang="en-US"/>
           </a:p>
@@ -18841,10 +18841,16 @@
               </a:rPr>
             </a:br>
             <a:r>
+              <a:rPr lang="es-ES" sz="1400" b="1" dirty="0" smtClean="0">
+                <a:latin typeface="Bahnschrift Light" panose="020B0502040204020203" pitchFamily="34" charset="0"/>
+              </a:rPr>
+              <a:t>E-mail:</a:t>
+            </a:r>
+            <a:r>
               <a:rPr lang="es-ES" sz="1400" dirty="0" smtClean="0">
                 <a:latin typeface="Bahnschrift Light" panose="020B0502040204020203" pitchFamily="34" charset="0"/>
               </a:rPr>
-              <a:t>E-mail: </a:t>
+              <a:t> </a:t>
             </a:r>
             <a:r>
               <a:rPr lang="es-ES" sz="1400" dirty="0" smtClean="0">
@@ -18865,10 +18871,16 @@
               </a:rPr>
             </a:br>
             <a:r>
+              <a:rPr lang="es-ES" sz="1400" b="1" dirty="0" smtClean="0">
+                <a:latin typeface="Bahnschrift Light" panose="020B0502040204020203" pitchFamily="34" charset="0"/>
+              </a:rPr>
+              <a:t>Facebook:</a:t>
+            </a:r>
+            <a:r>
               <a:rPr lang="es-ES" sz="1400" dirty="0" smtClean="0">
                 <a:latin typeface="Bahnschrift Light" panose="020B0502040204020203" pitchFamily="34" charset="0"/>
               </a:rPr>
-              <a:t>Facebook: </a:t>
+              <a:t> </a:t>
             </a:r>
             <a:r>
               <a:rPr lang="es-ES" sz="1400" dirty="0" err="1" smtClean="0">
@@ -18888,10 +18900,16 @@
               </a:rPr>
             </a:br>
             <a:r>
+              <a:rPr lang="es-ES" sz="1400" b="1" dirty="0" smtClean="0">
+                <a:latin typeface="Bahnschrift Light" panose="020B0502040204020203" pitchFamily="34" charset="0"/>
+              </a:rPr>
+              <a:t>Twitter:</a:t>
+            </a:r>
+            <a:r>
               <a:rPr lang="es-ES" sz="1400" dirty="0" smtClean="0">
                 <a:latin typeface="Bahnschrift Light" panose="020B0502040204020203" pitchFamily="34" charset="0"/>
               </a:rPr>
-              <a:t>Twitter: @</a:t>
+              <a:t> @</a:t>
             </a:r>
             <a:r>
               <a:rPr lang="es-ES" sz="1400" dirty="0" err="1" smtClean="0">
@@ -18905,16 +18923,22 @@
           </a:p>
           <a:p>
             <a:r>
-              <a:rPr lang="es-ES" sz="1400" dirty="0" err="1" smtClean="0">
+              <a:rPr lang="es-ES" sz="1400" b="1" dirty="0" err="1" smtClean="0">
                 <a:latin typeface="Bahnschrift Light" panose="020B0502040204020203" pitchFamily="34" charset="0"/>
               </a:rPr>
               <a:t>LinkdedIn</a:t>
             </a:r>
             <a:r>
+              <a:rPr lang="es-ES" sz="1400" b="1" dirty="0" smtClean="0">
+                <a:latin typeface="Bahnschrift Light" panose="020B0502040204020203" pitchFamily="34" charset="0"/>
+              </a:rPr>
+              <a:t>:</a:t>
+            </a:r>
+            <a:r>
               <a:rPr lang="es-ES" sz="1400" dirty="0" smtClean="0">
                 <a:latin typeface="Bahnschrift Light" panose="020B0502040204020203" pitchFamily="34" charset="0"/>
               </a:rPr>
-              <a:t>: </a:t>
+              <a:t> </a:t>
             </a:r>
             <a:r>
               <a:rPr lang="es-ES" sz="1400" dirty="0" err="1" smtClean="0">
